--- a/syllabus/13_formulaire_HTML/syllabus_13_form.pptx
+++ b/syllabus/13_formulaire_HTML/syllabus_13_form.pptx
@@ -2,38 +2,40 @@
 <file path=ppt/presentation.xml><?xml version="1.0" encoding="utf-8"?>
 <p:presentation xmlns:a="http://schemas.openxmlformats.org/drawingml/2006/main" xmlns:r="http://schemas.openxmlformats.org/officeDocument/2006/relationships" xmlns:p="http://schemas.openxmlformats.org/presentationml/2006/main" showSpecialPlsOnTitleSld="0" saveSubsetFonts="1">
   <p:sldMasterIdLst>
-    <p:sldMasterId id="2147483843" r:id="rId1"/>
+    <p:sldMasterId id="2147483856" r:id="rId1"/>
   </p:sldMasterIdLst>
   <p:notesMasterIdLst>
-    <p:notesMasterId r:id="rId28"/>
+    <p:notesMasterId r:id="rId30"/>
   </p:notesMasterIdLst>
   <p:sldIdLst>
     <p:sldId id="256" r:id="rId2"/>
     <p:sldId id="260" r:id="rId3"/>
     <p:sldId id="352" r:id="rId4"/>
     <p:sldId id="606" r:id="rId5"/>
-    <p:sldId id="353" r:id="rId6"/>
-    <p:sldId id="354" r:id="rId7"/>
-    <p:sldId id="355" r:id="rId8"/>
-    <p:sldId id="356" r:id="rId9"/>
-    <p:sldId id="605" r:id="rId10"/>
-    <p:sldId id="357" r:id="rId11"/>
-    <p:sldId id="358" r:id="rId12"/>
-    <p:sldId id="359" r:id="rId13"/>
-    <p:sldId id="360" r:id="rId14"/>
-    <p:sldId id="361" r:id="rId15"/>
-    <p:sldId id="362" r:id="rId16"/>
-    <p:sldId id="363" r:id="rId17"/>
-    <p:sldId id="644" r:id="rId18"/>
-    <p:sldId id="364" r:id="rId19"/>
-    <p:sldId id="643" r:id="rId20"/>
-    <p:sldId id="365" r:id="rId21"/>
-    <p:sldId id="366" r:id="rId22"/>
-    <p:sldId id="367" r:id="rId23"/>
-    <p:sldId id="517" r:id="rId24"/>
-    <p:sldId id="638" r:id="rId25"/>
-    <p:sldId id="448" r:id="rId26"/>
-    <p:sldId id="645" r:id="rId27"/>
+    <p:sldId id="647" r:id="rId6"/>
+    <p:sldId id="646" r:id="rId7"/>
+    <p:sldId id="353" r:id="rId8"/>
+    <p:sldId id="354" r:id="rId9"/>
+    <p:sldId id="355" r:id="rId10"/>
+    <p:sldId id="356" r:id="rId11"/>
+    <p:sldId id="605" r:id="rId12"/>
+    <p:sldId id="357" r:id="rId13"/>
+    <p:sldId id="358" r:id="rId14"/>
+    <p:sldId id="359" r:id="rId15"/>
+    <p:sldId id="360" r:id="rId16"/>
+    <p:sldId id="361" r:id="rId17"/>
+    <p:sldId id="362" r:id="rId18"/>
+    <p:sldId id="363" r:id="rId19"/>
+    <p:sldId id="644" r:id="rId20"/>
+    <p:sldId id="364" r:id="rId21"/>
+    <p:sldId id="643" r:id="rId22"/>
+    <p:sldId id="365" r:id="rId23"/>
+    <p:sldId id="366" r:id="rId24"/>
+    <p:sldId id="367" r:id="rId25"/>
+    <p:sldId id="517" r:id="rId26"/>
+    <p:sldId id="638" r:id="rId27"/>
+    <p:sldId id="448" r:id="rId28"/>
+    <p:sldId id="645" r:id="rId29"/>
   </p:sldIdLst>
   <p:sldSz cx="12192000" cy="6858000"/>
   <p:notesSz cx="6858000" cy="9144000"/>
@@ -146,6 +148,8 @@
             <p14:sldId id="260"/>
             <p14:sldId id="352"/>
             <p14:sldId id="606"/>
+            <p14:sldId id="647"/>
+            <p14:sldId id="646"/>
             <p14:sldId id="353"/>
             <p14:sldId id="354"/>
             <p14:sldId id="355"/>
@@ -298,7 +302,7 @@
           <a:p>
             <a:fld id="{FCE9742F-4DAE-47F5-9244-6ACC3985DD6B}" type="datetimeFigureOut">
               <a:rPr lang="fr-BE" smtClean="0"/>
-              <a:t>23-04-24</a:t>
+              <a:t>27-01-25</a:t>
             </a:fld>
             <a:endParaRPr lang="fr-BE"/>
           </a:p>
@@ -2920,7 +2924,12 @@
             <a:off x="1524000" y="1122363"/>
             <a:ext cx="9144000" cy="2387600"/>
           </a:xfrm>
-          <a:noFill/>
+          <a:solidFill>
+            <a:schemeClr val="accent3">
+              <a:lumMod val="40000"/>
+              <a:lumOff val="60000"/>
+            </a:schemeClr>
+          </a:solidFill>
         </p:spPr>
         <p:txBody>
           <a:bodyPr anchor="b">
@@ -2928,7 +2937,11 @@
           </a:bodyPr>
           <a:lstStyle>
             <a:lvl1pPr algn="ctr">
-              <a:defRPr lang="fr-BE"/>
+              <a:defRPr lang="fr-BE">
+                <a:solidFill>
+                  <a:schemeClr val="accent2"/>
+                </a:solidFill>
+              </a:defRPr>
             </a:lvl1pPr>
           </a:lstStyle>
           <a:p>
@@ -3009,10 +3022,93 @@
           </a:p>
         </p:txBody>
       </p:sp>
+      <p:sp>
+        <p:nvSpPr>
+          <p:cNvPr id="4" name="Espace réservé de la date 3">
+            <a:extLst>
+              <a:ext uri="{FF2B5EF4-FFF2-40B4-BE49-F238E27FC236}">
+                <a16:creationId xmlns:a16="http://schemas.microsoft.com/office/drawing/2014/main" id="{7F8EFA58-10A1-BAA7-B65E-A754A43B7544}"/>
+              </a:ext>
+            </a:extLst>
+          </p:cNvPr>
+          <p:cNvSpPr>
+            <a:spLocks noGrp="1"/>
+          </p:cNvSpPr>
+          <p:nvPr>
+            <p:ph type="dt" sz="half" idx="10"/>
+          </p:nvPr>
+        </p:nvSpPr>
+        <p:spPr/>
+        <p:txBody>
+          <a:bodyPr/>
+          <a:lstStyle/>
+          <a:p>
+            <a:fld id="{F3953782-D06E-4853-BE3C-64C197273937}" type="datetimeFigureOut">
+              <a:rPr lang="fr-BE" smtClean="0"/>
+              <a:t>27-01-25</a:t>
+            </a:fld>
+            <a:endParaRPr lang="fr-BE"/>
+          </a:p>
+        </p:txBody>
+      </p:sp>
+      <p:sp>
+        <p:nvSpPr>
+          <p:cNvPr id="5" name="Espace réservé du pied de page 4">
+            <a:extLst>
+              <a:ext uri="{FF2B5EF4-FFF2-40B4-BE49-F238E27FC236}">
+                <a16:creationId xmlns:a16="http://schemas.microsoft.com/office/drawing/2014/main" id="{314B8606-B65F-6EB2-899E-91B5C83E7578}"/>
+              </a:ext>
+            </a:extLst>
+          </p:cNvPr>
+          <p:cNvSpPr>
+            <a:spLocks noGrp="1"/>
+          </p:cNvSpPr>
+          <p:nvPr>
+            <p:ph type="ftr" sz="quarter" idx="11"/>
+          </p:nvPr>
+        </p:nvSpPr>
+        <p:spPr/>
+        <p:txBody>
+          <a:bodyPr/>
+          <a:lstStyle/>
+          <a:p>
+            <a:endParaRPr lang="fr-BE"/>
+          </a:p>
+        </p:txBody>
+      </p:sp>
+      <p:sp>
+        <p:nvSpPr>
+          <p:cNvPr id="6" name="Espace réservé du numéro de diapositive 5">
+            <a:extLst>
+              <a:ext uri="{FF2B5EF4-FFF2-40B4-BE49-F238E27FC236}">
+                <a16:creationId xmlns:a16="http://schemas.microsoft.com/office/drawing/2014/main" id="{CB2FA919-3ED3-80D3-E61B-53F97BE66BE0}"/>
+              </a:ext>
+            </a:extLst>
+          </p:cNvPr>
+          <p:cNvSpPr>
+            <a:spLocks noGrp="1"/>
+          </p:cNvSpPr>
+          <p:nvPr>
+            <p:ph type="sldNum" sz="quarter" idx="12"/>
+          </p:nvPr>
+        </p:nvSpPr>
+        <p:spPr/>
+        <p:txBody>
+          <a:bodyPr/>
+          <a:lstStyle/>
+          <a:p>
+            <a:fld id="{02C092ED-0E97-497E-99D9-BB9DD7276F53}" type="slidenum">
+              <a:rPr lang="fr-BE" smtClean="0"/>
+              <a:t>‹N°›</a:t>
+            </a:fld>
+            <a:endParaRPr lang="fr-BE"/>
+          </a:p>
+        </p:txBody>
+      </p:sp>
     </p:spTree>
     <p:extLst>
       <p:ext uri="{BB962C8B-B14F-4D97-AF65-F5344CB8AC3E}">
-        <p14:creationId xmlns:p14="http://schemas.microsoft.com/office/powerpoint/2010/main" val="3827274572"/>
+        <p14:creationId xmlns:p14="http://schemas.microsoft.com/office/powerpoint/2010/main" val="3141915067"/>
       </p:ext>
     </p:extLst>
   </p:cSld>
@@ -3035,203 +3131,6 @@
 </file>
 
 <file path=ppt/slideLayouts/slideLayout10.xml><?xml version="1.0" encoding="utf-8"?>
-<p:sldLayout xmlns:a="http://schemas.openxmlformats.org/drawingml/2006/main" xmlns:r="http://schemas.openxmlformats.org/officeDocument/2006/relationships" xmlns:p="http://schemas.openxmlformats.org/presentationml/2006/main" type="secHead">
-  <p:cSld name="Section Header">
-    <p:spTree>
-      <p:nvGrpSpPr>
-        <p:cNvPr id="1" name=""/>
-        <p:cNvGrpSpPr/>
-        <p:nvPr/>
-      </p:nvGrpSpPr>
-      <p:grpSpPr>
-        <a:xfrm>
-          <a:off x="0" y="0"/>
-          <a:ext cx="0" cy="0"/>
-          <a:chOff x="0" y="0"/>
-          <a:chExt cx="0" cy="0"/>
-        </a:xfrm>
-      </p:grpSpPr>
-      <p:sp>
-        <p:nvSpPr>
-          <p:cNvPr id="2" name="Title 1"/>
-          <p:cNvSpPr>
-            <a:spLocks noGrp="1"/>
-          </p:cNvSpPr>
-          <p:nvPr>
-            <p:ph type="title"/>
-          </p:nvPr>
-        </p:nvSpPr>
-        <p:spPr>
-          <a:xfrm>
-            <a:off x="831851" y="1709740"/>
-            <a:ext cx="10515600" cy="2852737"/>
-          </a:xfrm>
-        </p:spPr>
-        <p:txBody>
-          <a:bodyPr anchor="b">
-            <a:normAutofit/>
-          </a:bodyPr>
-          <a:lstStyle>
-            <a:lvl1pPr>
-              <a:defRPr sz="4400"/>
-            </a:lvl1pPr>
-          </a:lstStyle>
-          <a:p>
-            <a:r>
-              <a:rPr lang="en-US"/>
-              <a:t>Click to edit Master title style</a:t>
-            </a:r>
-            <a:endParaRPr lang="fr-BE"/>
-          </a:p>
-        </p:txBody>
-      </p:sp>
-      <p:sp>
-        <p:nvSpPr>
-          <p:cNvPr id="3" name="Text Placeholder 2"/>
-          <p:cNvSpPr>
-            <a:spLocks noGrp="1"/>
-          </p:cNvSpPr>
-          <p:nvPr>
-            <p:ph type="body" idx="1"/>
-          </p:nvPr>
-        </p:nvSpPr>
-        <p:spPr>
-          <a:xfrm>
-            <a:off x="831851" y="4589464"/>
-            <a:ext cx="10515600" cy="1500187"/>
-          </a:xfrm>
-        </p:spPr>
-        <p:txBody>
-          <a:bodyPr/>
-          <a:lstStyle>
-            <a:lvl1pPr marL="0" indent="0">
-              <a:buNone/>
-              <a:defRPr sz="2400">
-                <a:solidFill>
-                  <a:schemeClr val="tx1">
-                    <a:lumMod val="65000"/>
-                    <a:lumOff val="35000"/>
-                  </a:schemeClr>
-                </a:solidFill>
-              </a:defRPr>
-            </a:lvl1pPr>
-            <a:lvl2pPr marL="457189" indent="0">
-              <a:buNone/>
-              <a:defRPr sz="2000">
-                <a:solidFill>
-                  <a:schemeClr val="tx1">
-                    <a:tint val="75000"/>
-                  </a:schemeClr>
-                </a:solidFill>
-              </a:defRPr>
-            </a:lvl2pPr>
-            <a:lvl3pPr marL="914377" indent="0">
-              <a:buNone/>
-              <a:defRPr sz="1800">
-                <a:solidFill>
-                  <a:schemeClr val="tx1">
-                    <a:tint val="75000"/>
-                  </a:schemeClr>
-                </a:solidFill>
-              </a:defRPr>
-            </a:lvl3pPr>
-            <a:lvl4pPr marL="1371566" indent="0">
-              <a:buNone/>
-              <a:defRPr sz="1600">
-                <a:solidFill>
-                  <a:schemeClr val="tx1">
-                    <a:tint val="75000"/>
-                  </a:schemeClr>
-                </a:solidFill>
-              </a:defRPr>
-            </a:lvl4pPr>
-            <a:lvl5pPr marL="1828754" indent="0">
-              <a:buNone/>
-              <a:defRPr sz="1600">
-                <a:solidFill>
-                  <a:schemeClr val="tx1">
-                    <a:tint val="75000"/>
-                  </a:schemeClr>
-                </a:solidFill>
-              </a:defRPr>
-            </a:lvl5pPr>
-            <a:lvl6pPr marL="2285943" indent="0">
-              <a:buNone/>
-              <a:defRPr sz="1600">
-                <a:solidFill>
-                  <a:schemeClr val="tx1">
-                    <a:tint val="75000"/>
-                  </a:schemeClr>
-                </a:solidFill>
-              </a:defRPr>
-            </a:lvl6pPr>
-            <a:lvl7pPr marL="2743131" indent="0">
-              <a:buNone/>
-              <a:defRPr sz="1600">
-                <a:solidFill>
-                  <a:schemeClr val="tx1">
-                    <a:tint val="75000"/>
-                  </a:schemeClr>
-                </a:solidFill>
-              </a:defRPr>
-            </a:lvl7pPr>
-            <a:lvl8pPr marL="3200320" indent="0">
-              <a:buNone/>
-              <a:defRPr sz="1600">
-                <a:solidFill>
-                  <a:schemeClr val="tx1">
-                    <a:tint val="75000"/>
-                  </a:schemeClr>
-                </a:solidFill>
-              </a:defRPr>
-            </a:lvl8pPr>
-            <a:lvl9pPr marL="3657509" indent="0">
-              <a:buNone/>
-              <a:defRPr sz="1600">
-                <a:solidFill>
-                  <a:schemeClr val="tx1">
-                    <a:tint val="75000"/>
-                  </a:schemeClr>
-                </a:solidFill>
-              </a:defRPr>
-            </a:lvl9pPr>
-          </a:lstStyle>
-          <a:p>
-            <a:pPr lvl="0"/>
-            <a:r>
-              <a:rPr lang="en-US"/>
-              <a:t>Edit Master text styles</a:t>
-            </a:r>
-          </a:p>
-        </p:txBody>
-      </p:sp>
-    </p:spTree>
-    <p:extLst>
-      <p:ext uri="{BB962C8B-B14F-4D97-AF65-F5344CB8AC3E}">
-        <p14:creationId xmlns:p14="http://schemas.microsoft.com/office/powerpoint/2010/main" val="678845796"/>
-      </p:ext>
-    </p:extLst>
-  </p:cSld>
-  <p:clrMapOvr>
-    <a:masterClrMapping/>
-  </p:clrMapOvr>
-  <mc:AlternateContent xmlns:mc="http://schemas.openxmlformats.org/markup-compatibility/2006" xmlns:p14="http://schemas.microsoft.com/office/powerpoint/2010/main">
-    <mc:Choice Requires="p14">
-      <p:transition spd="slow">
-        <p14:reveal/>
-      </p:transition>
-    </mc:Choice>
-    <mc:Fallback xmlns="">
-      <p:transition spd="slow">
-        <p:fade/>
-      </p:transition>
-    </mc:Fallback>
-  </mc:AlternateContent>
-  <p:hf sldNum="0" hdr="0" ftr="0" dt="0"/>
-</p:sldLayout>
-</file>
-
-<file path=ppt/slideLayouts/slideLayout11.xml><?xml version="1.0" encoding="utf-8"?>
 <p:sldLayout xmlns:a="http://schemas.openxmlformats.org/drawingml/2006/main" xmlns:r="http://schemas.openxmlformats.org/officeDocument/2006/relationships" xmlns:p="http://schemas.openxmlformats.org/presentationml/2006/main" matchingName="Comparaison" userDrawn="1">
   <p:cSld name="1_Comparaison">
     <p:spTree>
@@ -4524,7 +4423,346 @@
     </p:spTree>
     <p:extLst>
       <p:ext uri="{BB962C8B-B14F-4D97-AF65-F5344CB8AC3E}">
-        <p14:creationId xmlns:p14="http://schemas.microsoft.com/office/powerpoint/2010/main" val="162847296"/>
+        <p14:creationId xmlns:p14="http://schemas.microsoft.com/office/powerpoint/2010/main" val="1717286684"/>
+      </p:ext>
+    </p:extLst>
+  </p:cSld>
+  <p:clrMapOvr>
+    <a:masterClrMapping/>
+  </p:clrMapOvr>
+  <mc:AlternateContent xmlns:mc="http://schemas.openxmlformats.org/markup-compatibility/2006" xmlns:p14="http://schemas.microsoft.com/office/powerpoint/2010/main">
+    <mc:Choice Requires="p14">
+      <p:transition spd="slow">
+        <p14:reveal/>
+      </p:transition>
+    </mc:Choice>
+    <mc:Fallback xmlns="">
+      <p:transition spd="slow">
+        <p:fade/>
+      </p:transition>
+    </mc:Fallback>
+  </mc:AlternateContent>
+</p:sldLayout>
+</file>
+
+<file path=ppt/slideLayouts/slideLayout11.xml><?xml version="1.0" encoding="utf-8"?>
+<p:sldLayout xmlns:a="http://schemas.openxmlformats.org/drawingml/2006/main" xmlns:r="http://schemas.openxmlformats.org/officeDocument/2006/relationships" xmlns:p="http://schemas.openxmlformats.org/presentationml/2006/main" preserve="1" userDrawn="1">
+  <p:cSld name="1_Titre de section">
+    <p:spTree>
+      <p:nvGrpSpPr>
+        <p:cNvPr id="1" name=""/>
+        <p:cNvGrpSpPr/>
+        <p:nvPr/>
+      </p:nvGrpSpPr>
+      <p:grpSpPr>
+        <a:xfrm>
+          <a:off x="0" y="0"/>
+          <a:ext cx="0" cy="0"/>
+          <a:chOff x="0" y="0"/>
+          <a:chExt cx="0" cy="0"/>
+        </a:xfrm>
+      </p:grpSpPr>
+      <p:sp>
+        <p:nvSpPr>
+          <p:cNvPr id="2" name="Title 1"/>
+          <p:cNvSpPr>
+            <a:spLocks noGrp="1"/>
+          </p:cNvSpPr>
+          <p:nvPr>
+            <p:ph type="title"/>
+          </p:nvPr>
+        </p:nvSpPr>
+        <p:spPr>
+          <a:xfrm>
+            <a:off x="831851" y="1709740"/>
+            <a:ext cx="10515600" cy="2852737"/>
+          </a:xfrm>
+        </p:spPr>
+        <p:txBody>
+          <a:bodyPr anchor="b">
+            <a:normAutofit/>
+          </a:bodyPr>
+          <a:lstStyle>
+            <a:lvl1pPr>
+              <a:defRPr lang="fr-BE"/>
+            </a:lvl1pPr>
+          </a:lstStyle>
+          <a:p>
+            <a:r>
+              <a:rPr lang="fr-FR"/>
+              <a:t>Modifiez le style du titre</a:t>
+            </a:r>
+            <a:endParaRPr lang="fr-BE"/>
+          </a:p>
+        </p:txBody>
+      </p:sp>
+      <p:sp>
+        <p:nvSpPr>
+          <p:cNvPr id="3" name="Text Placeholder 2"/>
+          <p:cNvSpPr>
+            <a:spLocks noGrp="1"/>
+          </p:cNvSpPr>
+          <p:nvPr>
+            <p:ph type="body" idx="1"/>
+          </p:nvPr>
+        </p:nvSpPr>
+        <p:spPr>
+          <a:xfrm>
+            <a:off x="831851" y="4589464"/>
+            <a:ext cx="10515600" cy="1500187"/>
+          </a:xfrm>
+        </p:spPr>
+        <p:txBody>
+          <a:bodyPr/>
+          <a:lstStyle>
+            <a:lvl1pPr marL="0" indent="0">
+              <a:buNone/>
+              <a:defRPr sz="2400">
+                <a:solidFill>
+                  <a:schemeClr val="tx1">
+                    <a:tint val="75000"/>
+                  </a:schemeClr>
+                </a:solidFill>
+              </a:defRPr>
+            </a:lvl1pPr>
+            <a:lvl2pPr marL="457189" indent="0">
+              <a:buNone/>
+              <a:defRPr sz="2000">
+                <a:solidFill>
+                  <a:schemeClr val="tx1">
+                    <a:tint val="75000"/>
+                  </a:schemeClr>
+                </a:solidFill>
+              </a:defRPr>
+            </a:lvl2pPr>
+            <a:lvl3pPr marL="914377" indent="0">
+              <a:buNone/>
+              <a:defRPr sz="1800">
+                <a:solidFill>
+                  <a:schemeClr val="tx1">
+                    <a:tint val="75000"/>
+                  </a:schemeClr>
+                </a:solidFill>
+              </a:defRPr>
+            </a:lvl3pPr>
+            <a:lvl4pPr marL="1371566" indent="0">
+              <a:buNone/>
+              <a:defRPr sz="1600">
+                <a:solidFill>
+                  <a:schemeClr val="tx1">
+                    <a:tint val="75000"/>
+                  </a:schemeClr>
+                </a:solidFill>
+              </a:defRPr>
+            </a:lvl4pPr>
+            <a:lvl5pPr marL="1828754" indent="0">
+              <a:buNone/>
+              <a:defRPr sz="1600">
+                <a:solidFill>
+                  <a:schemeClr val="tx1">
+                    <a:tint val="75000"/>
+                  </a:schemeClr>
+                </a:solidFill>
+              </a:defRPr>
+            </a:lvl5pPr>
+            <a:lvl6pPr marL="2285943" indent="0">
+              <a:buNone/>
+              <a:defRPr sz="1600">
+                <a:solidFill>
+                  <a:schemeClr val="tx1">
+                    <a:tint val="75000"/>
+                  </a:schemeClr>
+                </a:solidFill>
+              </a:defRPr>
+            </a:lvl6pPr>
+            <a:lvl7pPr marL="2743131" indent="0">
+              <a:buNone/>
+              <a:defRPr sz="1600">
+                <a:solidFill>
+                  <a:schemeClr val="tx1">
+                    <a:tint val="75000"/>
+                  </a:schemeClr>
+                </a:solidFill>
+              </a:defRPr>
+            </a:lvl7pPr>
+            <a:lvl8pPr marL="3200320" indent="0">
+              <a:buNone/>
+              <a:defRPr sz="1600">
+                <a:solidFill>
+                  <a:schemeClr val="tx1">
+                    <a:tint val="75000"/>
+                  </a:schemeClr>
+                </a:solidFill>
+              </a:defRPr>
+            </a:lvl8pPr>
+            <a:lvl9pPr marL="3657509" indent="0">
+              <a:buNone/>
+              <a:defRPr sz="1600">
+                <a:solidFill>
+                  <a:schemeClr val="tx1">
+                    <a:tint val="75000"/>
+                  </a:schemeClr>
+                </a:solidFill>
+              </a:defRPr>
+            </a:lvl9pPr>
+          </a:lstStyle>
+          <a:p>
+            <a:pPr lvl="0"/>
+            <a:r>
+              <a:rPr lang="fr-FR"/>
+              <a:t>Cliquez pour modifier les styles du texte du masque</a:t>
+            </a:r>
+          </a:p>
+        </p:txBody>
+      </p:sp>
+      <p:sp>
+        <p:nvSpPr>
+          <p:cNvPr id="5" name="Espace réservé pour une image  4">
+            <a:extLst>
+              <a:ext uri="{FF2B5EF4-FFF2-40B4-BE49-F238E27FC236}">
+                <a16:creationId xmlns:a16="http://schemas.microsoft.com/office/drawing/2014/main" id="{83B7C617-6903-4988-8F47-3C72C68028FF}"/>
+              </a:ext>
+            </a:extLst>
+          </p:cNvPr>
+          <p:cNvSpPr>
+            <a:spLocks noGrp="1"/>
+          </p:cNvSpPr>
+          <p:nvPr>
+            <p:ph type="pic" sz="quarter" idx="10"/>
+          </p:nvPr>
+        </p:nvSpPr>
+        <p:spPr>
+          <a:xfrm>
+            <a:off x="9000000" y="720000"/>
+            <a:ext cx="2160000" cy="2160000"/>
+          </a:xfrm>
+        </p:spPr>
+        <p:txBody>
+          <a:bodyPr/>
+          <a:lstStyle/>
+          <a:p>
+            <a:r>
+              <a:rPr lang="fr-FR"/>
+              <a:t>Cliquez sur l'icône pour ajouter une image</a:t>
+            </a:r>
+            <a:endParaRPr lang="fr-BE"/>
+          </a:p>
+        </p:txBody>
+      </p:sp>
+    </p:spTree>
+    <p:extLst>
+      <p:ext uri="{BB962C8B-B14F-4D97-AF65-F5344CB8AC3E}">
+        <p14:creationId xmlns:p14="http://schemas.microsoft.com/office/powerpoint/2010/main" val="776411670"/>
+      </p:ext>
+    </p:extLst>
+  </p:cSld>
+  <p:clrMapOvr>
+    <a:masterClrMapping/>
+  </p:clrMapOvr>
+  <mc:AlternateContent xmlns:mc="http://schemas.openxmlformats.org/markup-compatibility/2006" xmlns:p14="http://schemas.microsoft.com/office/powerpoint/2010/main">
+    <mc:Choice Requires="p14">
+      <p:transition spd="slow">
+        <p14:reveal/>
+      </p:transition>
+    </mc:Choice>
+    <mc:Fallback xmlns="">
+      <p:transition spd="slow">
+        <p:fade/>
+      </p:transition>
+    </mc:Fallback>
+  </mc:AlternateContent>
+</p:sldLayout>
+</file>
+
+<file path=ppt/slideLayouts/slideLayout12.xml><?xml version="1.0" encoding="utf-8"?>
+<p:sldLayout xmlns:a="http://schemas.openxmlformats.org/drawingml/2006/main" xmlns:r="http://schemas.openxmlformats.org/officeDocument/2006/relationships" xmlns:p="http://schemas.openxmlformats.org/presentationml/2006/main" preserve="1" userDrawn="1">
+  <p:cSld name="1_Sub-Section Header">
+    <p:spTree>
+      <p:nvGrpSpPr>
+        <p:cNvPr id="1" name=""/>
+        <p:cNvGrpSpPr/>
+        <p:nvPr/>
+      </p:nvGrpSpPr>
+      <p:grpSpPr>
+        <a:xfrm>
+          <a:off x="0" y="0"/>
+          <a:ext cx="0" cy="0"/>
+          <a:chOff x="0" y="0"/>
+          <a:chExt cx="0" cy="0"/>
+        </a:xfrm>
+      </p:grpSpPr>
+      <p:sp>
+        <p:nvSpPr>
+          <p:cNvPr id="2" name="Title 1"/>
+          <p:cNvSpPr>
+            <a:spLocks noGrp="1"/>
+          </p:cNvSpPr>
+          <p:nvPr>
+            <p:ph type="title"/>
+          </p:nvPr>
+        </p:nvSpPr>
+        <p:spPr>
+          <a:xfrm>
+            <a:off x="831851" y="4544704"/>
+            <a:ext cx="10515600" cy="1628211"/>
+          </a:xfrm>
+        </p:spPr>
+        <p:txBody>
+          <a:bodyPr anchor="b">
+            <a:normAutofit/>
+          </a:bodyPr>
+          <a:lstStyle>
+            <a:lvl1pPr>
+              <a:defRPr sz="3600"/>
+            </a:lvl1pPr>
+          </a:lstStyle>
+          <a:p>
+            <a:r>
+              <a:rPr lang="fr-FR"/>
+              <a:t>Modifiez le style du titre</a:t>
+            </a:r>
+            <a:endParaRPr lang="fr-BE" dirty="0"/>
+          </a:p>
+        </p:txBody>
+      </p:sp>
+      <p:sp>
+        <p:nvSpPr>
+          <p:cNvPr id="5" name="Espace réservé pour une image  4">
+            <a:extLst>
+              <a:ext uri="{FF2B5EF4-FFF2-40B4-BE49-F238E27FC236}">
+                <a16:creationId xmlns:a16="http://schemas.microsoft.com/office/drawing/2014/main" id="{4FDD30A2-EFB1-4B31-8365-64458F4E13E2}"/>
+              </a:ext>
+            </a:extLst>
+          </p:cNvPr>
+          <p:cNvSpPr>
+            <a:spLocks noGrp="1"/>
+          </p:cNvSpPr>
+          <p:nvPr>
+            <p:ph type="pic" sz="quarter" idx="10"/>
+          </p:nvPr>
+        </p:nvSpPr>
+        <p:spPr>
+          <a:xfrm>
+            <a:off x="9000000" y="720000"/>
+            <a:ext cx="1440000" cy="1440000"/>
+          </a:xfrm>
+        </p:spPr>
+        <p:txBody>
+          <a:bodyPr/>
+          <a:lstStyle/>
+          <a:p>
+            <a:r>
+              <a:rPr lang="fr-FR"/>
+              <a:t>Cliquez sur l'icône pour ajouter une image</a:t>
+            </a:r>
+            <a:endParaRPr lang="fr-BE"/>
+          </a:p>
+        </p:txBody>
+      </p:sp>
+    </p:spTree>
+    <p:extLst>
+      <p:ext uri="{BB962C8B-B14F-4D97-AF65-F5344CB8AC3E}">
+        <p14:creationId xmlns:p14="http://schemas.microsoft.com/office/powerpoint/2010/main" val="3785747613"/>
       </p:ext>
     </p:extLst>
   </p:cSld>
@@ -4603,50 +4841,133 @@
           </a:xfrm>
         </p:spPr>
         <p:txBody>
-          <a:bodyPr numCol="1" spcCol="180000"/>
+          <a:bodyPr/>
           <a:lstStyle/>
           <a:p>
             <a:pPr lvl="0"/>
             <a:r>
-              <a:rPr lang="fr-FR" dirty="0"/>
+              <a:rPr lang="fr-FR"/>
               <a:t>Cliquez pour modifier les styles du texte du masque</a:t>
             </a:r>
           </a:p>
           <a:p>
             <a:pPr lvl="1"/>
             <a:r>
-              <a:rPr lang="fr-FR" dirty="0"/>
+              <a:rPr lang="fr-FR"/>
               <a:t>Deuxième niveau</a:t>
             </a:r>
           </a:p>
           <a:p>
             <a:pPr lvl="2"/>
             <a:r>
-              <a:rPr lang="fr-FR" dirty="0"/>
+              <a:rPr lang="fr-FR"/>
               <a:t>Troisième niveau</a:t>
             </a:r>
           </a:p>
           <a:p>
             <a:pPr lvl="3"/>
             <a:r>
-              <a:rPr lang="fr-FR" dirty="0"/>
+              <a:rPr lang="fr-FR"/>
               <a:t>Quatrième niveau</a:t>
             </a:r>
           </a:p>
           <a:p>
             <a:pPr lvl="4"/>
             <a:r>
-              <a:rPr lang="fr-FR" dirty="0"/>
+              <a:rPr lang="fr-FR"/>
               <a:t>Cinquième niveau</a:t>
             </a:r>
-            <a:endParaRPr lang="fr-BE" dirty="0"/>
+            <a:endParaRPr lang="fr-BE"/>
+          </a:p>
+        </p:txBody>
+      </p:sp>
+      <p:sp>
+        <p:nvSpPr>
+          <p:cNvPr id="4" name="Espace réservé de la date 3">
+            <a:extLst>
+              <a:ext uri="{FF2B5EF4-FFF2-40B4-BE49-F238E27FC236}">
+                <a16:creationId xmlns:a16="http://schemas.microsoft.com/office/drawing/2014/main" id="{3268EF8D-0946-4672-F93D-1040FBC99710}"/>
+              </a:ext>
+            </a:extLst>
+          </p:cNvPr>
+          <p:cNvSpPr>
+            <a:spLocks noGrp="1"/>
+          </p:cNvSpPr>
+          <p:nvPr>
+            <p:ph type="dt" sz="half" idx="10"/>
+          </p:nvPr>
+        </p:nvSpPr>
+        <p:spPr/>
+        <p:txBody>
+          <a:bodyPr/>
+          <a:lstStyle/>
+          <a:p>
+            <a:fld id="{F3953782-D06E-4853-BE3C-64C197273937}" type="datetimeFigureOut">
+              <a:rPr lang="fr-BE" smtClean="0"/>
+              <a:t>27-01-25</a:t>
+            </a:fld>
+            <a:endParaRPr lang="fr-BE"/>
+          </a:p>
+        </p:txBody>
+      </p:sp>
+      <p:sp>
+        <p:nvSpPr>
+          <p:cNvPr id="5" name="Espace réservé du pied de page 4">
+            <a:extLst>
+              <a:ext uri="{FF2B5EF4-FFF2-40B4-BE49-F238E27FC236}">
+                <a16:creationId xmlns:a16="http://schemas.microsoft.com/office/drawing/2014/main" id="{8F8A40D7-7FAD-432F-7B9F-71125A565A95}"/>
+              </a:ext>
+            </a:extLst>
+          </p:cNvPr>
+          <p:cNvSpPr>
+            <a:spLocks noGrp="1"/>
+          </p:cNvSpPr>
+          <p:nvPr>
+            <p:ph type="ftr" sz="quarter" idx="11"/>
+          </p:nvPr>
+        </p:nvSpPr>
+        <p:spPr/>
+        <p:txBody>
+          <a:bodyPr/>
+          <a:lstStyle/>
+          <a:p>
+            <a:endParaRPr lang="fr-BE"/>
+          </a:p>
+        </p:txBody>
+      </p:sp>
+      <p:sp>
+        <p:nvSpPr>
+          <p:cNvPr id="6" name="Espace réservé du numéro de diapositive 5">
+            <a:extLst>
+              <a:ext uri="{FF2B5EF4-FFF2-40B4-BE49-F238E27FC236}">
+                <a16:creationId xmlns:a16="http://schemas.microsoft.com/office/drawing/2014/main" id="{54A3E5DF-3F32-A840-9AC0-4B04DF13C487}"/>
+              </a:ext>
+            </a:extLst>
+          </p:cNvPr>
+          <p:cNvSpPr>
+            <a:spLocks noGrp="1"/>
+          </p:cNvSpPr>
+          <p:nvPr>
+            <p:ph type="sldNum" sz="quarter" idx="12"/>
+          </p:nvPr>
+        </p:nvSpPr>
+        <p:spPr/>
+        <p:txBody>
+          <a:bodyPr/>
+          <a:lstStyle/>
+          <a:p>
+            <a:fld id="{02C092ED-0E97-497E-99D9-BB9DD7276F53}" type="slidenum">
+              <a:rPr lang="fr-BE" smtClean="0"/>
+              <a:t>‹N°›</a:t>
+            </a:fld>
+            <a:endParaRPr lang="fr-BE"/>
           </a:p>
         </p:txBody>
       </p:sp>
     </p:spTree>
     <p:extLst>
       <p:ext uri="{BB962C8B-B14F-4D97-AF65-F5344CB8AC3E}">
-        <p14:creationId xmlns:p14="http://schemas.microsoft.com/office/powerpoint/2010/main" val="1049464146"/>
+        <p14:creationId xmlns:p14="http://schemas.microsoft.com/office/powerpoint/2010/main" val="10857347"/>
       </p:ext>
     </p:extLst>
   </p:cSld>
@@ -4669,7 +4990,7 @@
 </file>
 
 <file path=ppt/slideLayouts/slideLayout3.xml><?xml version="1.0" encoding="utf-8"?>
-<p:sldLayout xmlns:a="http://schemas.openxmlformats.org/drawingml/2006/main" xmlns:r="http://schemas.openxmlformats.org/officeDocument/2006/relationships" xmlns:p="http://schemas.openxmlformats.org/presentationml/2006/main" preserve="1" userDrawn="1">
+<p:sldLayout xmlns:a="http://schemas.openxmlformats.org/drawingml/2006/main" xmlns:r="http://schemas.openxmlformats.org/officeDocument/2006/relationships" xmlns:p="http://schemas.openxmlformats.org/presentationml/2006/main" preserve="1">
   <p:cSld name="Titre de section">
     <p:spTree>
       <p:nvGrpSpPr>
@@ -4707,7 +5028,11 @@
           </a:bodyPr>
           <a:lstStyle>
             <a:lvl1pPr>
-              <a:defRPr lang="fr-BE"/>
+              <a:defRPr lang="fr-BE">
+                <a:solidFill>
+                  <a:schemeClr val="accent2"/>
+                </a:solidFill>
+              </a:defRPr>
             </a:lvl1pPr>
           </a:lstStyle>
           <a:p>
@@ -4868,6 +5193,89 @@
               <a:rPr lang="fr-FR"/>
               <a:t>Cliquez sur l'icône pour ajouter une image</a:t>
             </a:r>
+            <a:endParaRPr lang="fr-BE" dirty="0"/>
+          </a:p>
+        </p:txBody>
+      </p:sp>
+      <p:sp>
+        <p:nvSpPr>
+          <p:cNvPr id="4" name="Espace réservé de la date 3">
+            <a:extLst>
+              <a:ext uri="{FF2B5EF4-FFF2-40B4-BE49-F238E27FC236}">
+                <a16:creationId xmlns:a16="http://schemas.microsoft.com/office/drawing/2014/main" id="{F2D67B63-F450-35EF-442C-62311487D2F4}"/>
+              </a:ext>
+            </a:extLst>
+          </p:cNvPr>
+          <p:cNvSpPr>
+            <a:spLocks noGrp="1"/>
+          </p:cNvSpPr>
+          <p:nvPr>
+            <p:ph type="dt" sz="half" idx="11"/>
+          </p:nvPr>
+        </p:nvSpPr>
+        <p:spPr/>
+        <p:txBody>
+          <a:bodyPr/>
+          <a:lstStyle/>
+          <a:p>
+            <a:fld id="{F3953782-D06E-4853-BE3C-64C197273937}" type="datetimeFigureOut">
+              <a:rPr lang="fr-BE" smtClean="0"/>
+              <a:t>27-01-25</a:t>
+            </a:fld>
+            <a:endParaRPr lang="fr-BE"/>
+          </a:p>
+        </p:txBody>
+      </p:sp>
+      <p:sp>
+        <p:nvSpPr>
+          <p:cNvPr id="6" name="Espace réservé du pied de page 5">
+            <a:extLst>
+              <a:ext uri="{FF2B5EF4-FFF2-40B4-BE49-F238E27FC236}">
+                <a16:creationId xmlns:a16="http://schemas.microsoft.com/office/drawing/2014/main" id="{EBC20ED6-7274-FD2F-773B-9069D53732E9}"/>
+              </a:ext>
+            </a:extLst>
+          </p:cNvPr>
+          <p:cNvSpPr>
+            <a:spLocks noGrp="1"/>
+          </p:cNvSpPr>
+          <p:nvPr>
+            <p:ph type="ftr" sz="quarter" idx="12"/>
+          </p:nvPr>
+        </p:nvSpPr>
+        <p:spPr/>
+        <p:txBody>
+          <a:bodyPr/>
+          <a:lstStyle/>
+          <a:p>
+            <a:endParaRPr lang="fr-BE"/>
+          </a:p>
+        </p:txBody>
+      </p:sp>
+      <p:sp>
+        <p:nvSpPr>
+          <p:cNvPr id="7" name="Espace réservé du numéro de diapositive 6">
+            <a:extLst>
+              <a:ext uri="{FF2B5EF4-FFF2-40B4-BE49-F238E27FC236}">
+                <a16:creationId xmlns:a16="http://schemas.microsoft.com/office/drawing/2014/main" id="{DB282271-26EC-908B-2E9D-6EE95CFBEB1C}"/>
+              </a:ext>
+            </a:extLst>
+          </p:cNvPr>
+          <p:cNvSpPr>
+            <a:spLocks noGrp="1"/>
+          </p:cNvSpPr>
+          <p:nvPr>
+            <p:ph type="sldNum" sz="quarter" idx="13"/>
+          </p:nvPr>
+        </p:nvSpPr>
+        <p:spPr/>
+        <p:txBody>
+          <a:bodyPr/>
+          <a:lstStyle/>
+          <a:p>
+            <a:fld id="{02C092ED-0E97-497E-99D9-BB9DD7276F53}" type="slidenum">
+              <a:rPr lang="fr-BE" smtClean="0"/>
+              <a:t>‹N°›</a:t>
+            </a:fld>
             <a:endParaRPr lang="fr-BE"/>
           </a:p>
         </p:txBody>
@@ -4875,7 +5283,7 @@
     </p:spTree>
     <p:extLst>
       <p:ext uri="{BB962C8B-B14F-4D97-AF65-F5344CB8AC3E}">
-        <p14:creationId xmlns:p14="http://schemas.microsoft.com/office/powerpoint/2010/main" val="776411670"/>
+        <p14:creationId xmlns:p14="http://schemas.microsoft.com/office/powerpoint/2010/main" val="591803559"/>
       </p:ext>
     </p:extLst>
   </p:cSld>
@@ -4898,7 +5306,7 @@
 </file>
 
 <file path=ppt/slideLayouts/slideLayout4.xml><?xml version="1.0" encoding="utf-8"?>
-<p:sldLayout xmlns:a="http://schemas.openxmlformats.org/drawingml/2006/main" xmlns:r="http://schemas.openxmlformats.org/officeDocument/2006/relationships" xmlns:p="http://schemas.openxmlformats.org/presentationml/2006/main" preserve="1" userDrawn="1">
+<p:sldLayout xmlns:a="http://schemas.openxmlformats.org/drawingml/2006/main" xmlns:r="http://schemas.openxmlformats.org/officeDocument/2006/relationships" xmlns:p="http://schemas.openxmlformats.org/presentationml/2006/main" preserve="1">
   <p:cSld name="Sub-Section Header">
     <p:spTree>
       <p:nvGrpSpPr>
@@ -4936,7 +5344,11 @@
           </a:bodyPr>
           <a:lstStyle>
             <a:lvl1pPr>
-              <a:defRPr sz="3600"/>
+              <a:defRPr sz="3600">
+                <a:solidFill>
+                  <a:schemeClr val="accent2"/>
+                </a:solidFill>
+              </a:defRPr>
             </a:lvl1pPr>
           </a:lstStyle>
           <a:p>
@@ -4978,6 +5390,89 @@
               <a:rPr lang="fr-FR"/>
               <a:t>Cliquez sur l'icône pour ajouter une image</a:t>
             </a:r>
+            <a:endParaRPr lang="fr-BE" dirty="0"/>
+          </a:p>
+        </p:txBody>
+      </p:sp>
+      <p:sp>
+        <p:nvSpPr>
+          <p:cNvPr id="3" name="Espace réservé de la date 2">
+            <a:extLst>
+              <a:ext uri="{FF2B5EF4-FFF2-40B4-BE49-F238E27FC236}">
+                <a16:creationId xmlns:a16="http://schemas.microsoft.com/office/drawing/2014/main" id="{B8BD7575-5E4D-B6F7-D511-002E7EBB1A2F}"/>
+              </a:ext>
+            </a:extLst>
+          </p:cNvPr>
+          <p:cNvSpPr>
+            <a:spLocks noGrp="1"/>
+          </p:cNvSpPr>
+          <p:nvPr>
+            <p:ph type="dt" sz="half" idx="11"/>
+          </p:nvPr>
+        </p:nvSpPr>
+        <p:spPr/>
+        <p:txBody>
+          <a:bodyPr/>
+          <a:lstStyle/>
+          <a:p>
+            <a:fld id="{F3953782-D06E-4853-BE3C-64C197273937}" type="datetimeFigureOut">
+              <a:rPr lang="fr-BE" smtClean="0"/>
+              <a:t>27-01-25</a:t>
+            </a:fld>
+            <a:endParaRPr lang="fr-BE"/>
+          </a:p>
+        </p:txBody>
+      </p:sp>
+      <p:sp>
+        <p:nvSpPr>
+          <p:cNvPr id="4" name="Espace réservé du pied de page 3">
+            <a:extLst>
+              <a:ext uri="{FF2B5EF4-FFF2-40B4-BE49-F238E27FC236}">
+                <a16:creationId xmlns:a16="http://schemas.microsoft.com/office/drawing/2014/main" id="{F57AA542-0BD3-6896-CFBC-925661457ED8}"/>
+              </a:ext>
+            </a:extLst>
+          </p:cNvPr>
+          <p:cNvSpPr>
+            <a:spLocks noGrp="1"/>
+          </p:cNvSpPr>
+          <p:nvPr>
+            <p:ph type="ftr" sz="quarter" idx="12"/>
+          </p:nvPr>
+        </p:nvSpPr>
+        <p:spPr/>
+        <p:txBody>
+          <a:bodyPr/>
+          <a:lstStyle/>
+          <a:p>
+            <a:endParaRPr lang="fr-BE"/>
+          </a:p>
+        </p:txBody>
+      </p:sp>
+      <p:sp>
+        <p:nvSpPr>
+          <p:cNvPr id="6" name="Espace réservé du numéro de diapositive 5">
+            <a:extLst>
+              <a:ext uri="{FF2B5EF4-FFF2-40B4-BE49-F238E27FC236}">
+                <a16:creationId xmlns:a16="http://schemas.microsoft.com/office/drawing/2014/main" id="{FF1D4A95-E4A4-1574-4F11-DE8F1961354B}"/>
+              </a:ext>
+            </a:extLst>
+          </p:cNvPr>
+          <p:cNvSpPr>
+            <a:spLocks noGrp="1"/>
+          </p:cNvSpPr>
+          <p:nvPr>
+            <p:ph type="sldNum" sz="quarter" idx="13"/>
+          </p:nvPr>
+        </p:nvSpPr>
+        <p:spPr/>
+        <p:txBody>
+          <a:bodyPr/>
+          <a:lstStyle/>
+          <a:p>
+            <a:fld id="{02C092ED-0E97-497E-99D9-BB9DD7276F53}" type="slidenum">
+              <a:rPr lang="fr-BE" smtClean="0"/>
+              <a:t>‹N°›</a:t>
+            </a:fld>
             <a:endParaRPr lang="fr-BE"/>
           </a:p>
         </p:txBody>
@@ -4985,7 +5480,7 @@
     </p:spTree>
     <p:extLst>
       <p:ext uri="{BB962C8B-B14F-4D97-AF65-F5344CB8AC3E}">
-        <p14:creationId xmlns:p14="http://schemas.microsoft.com/office/powerpoint/2010/main" val="3785747613"/>
+        <p14:creationId xmlns:p14="http://schemas.microsoft.com/office/powerpoint/2010/main" val="1061783585"/>
       </p:ext>
     </p:extLst>
   </p:cSld>
@@ -5161,10 +5656,93 @@
           </a:p>
         </p:txBody>
       </p:sp>
+      <p:sp>
+        <p:nvSpPr>
+          <p:cNvPr id="5" name="Espace réservé de la date 4">
+            <a:extLst>
+              <a:ext uri="{FF2B5EF4-FFF2-40B4-BE49-F238E27FC236}">
+                <a16:creationId xmlns:a16="http://schemas.microsoft.com/office/drawing/2014/main" id="{023EE368-836F-D6B7-3720-94E515B8ED49}"/>
+              </a:ext>
+            </a:extLst>
+          </p:cNvPr>
+          <p:cNvSpPr>
+            <a:spLocks noGrp="1"/>
+          </p:cNvSpPr>
+          <p:nvPr>
+            <p:ph type="dt" sz="half" idx="10"/>
+          </p:nvPr>
+        </p:nvSpPr>
+        <p:spPr/>
+        <p:txBody>
+          <a:bodyPr/>
+          <a:lstStyle/>
+          <a:p>
+            <a:fld id="{F3953782-D06E-4853-BE3C-64C197273937}" type="datetimeFigureOut">
+              <a:rPr lang="fr-BE" smtClean="0"/>
+              <a:t>27-01-25</a:t>
+            </a:fld>
+            <a:endParaRPr lang="fr-BE"/>
+          </a:p>
+        </p:txBody>
+      </p:sp>
+      <p:sp>
+        <p:nvSpPr>
+          <p:cNvPr id="6" name="Espace réservé du pied de page 5">
+            <a:extLst>
+              <a:ext uri="{FF2B5EF4-FFF2-40B4-BE49-F238E27FC236}">
+                <a16:creationId xmlns:a16="http://schemas.microsoft.com/office/drawing/2014/main" id="{940FC0D1-460C-5274-B67A-CADD301151E8}"/>
+              </a:ext>
+            </a:extLst>
+          </p:cNvPr>
+          <p:cNvSpPr>
+            <a:spLocks noGrp="1"/>
+          </p:cNvSpPr>
+          <p:nvPr>
+            <p:ph type="ftr" sz="quarter" idx="11"/>
+          </p:nvPr>
+        </p:nvSpPr>
+        <p:spPr/>
+        <p:txBody>
+          <a:bodyPr/>
+          <a:lstStyle/>
+          <a:p>
+            <a:endParaRPr lang="fr-BE"/>
+          </a:p>
+        </p:txBody>
+      </p:sp>
+      <p:sp>
+        <p:nvSpPr>
+          <p:cNvPr id="7" name="Espace réservé du numéro de diapositive 6">
+            <a:extLst>
+              <a:ext uri="{FF2B5EF4-FFF2-40B4-BE49-F238E27FC236}">
+                <a16:creationId xmlns:a16="http://schemas.microsoft.com/office/drawing/2014/main" id="{7D5E82B2-87DB-8B8E-12FD-843E81352499}"/>
+              </a:ext>
+            </a:extLst>
+          </p:cNvPr>
+          <p:cNvSpPr>
+            <a:spLocks noGrp="1"/>
+          </p:cNvSpPr>
+          <p:nvPr>
+            <p:ph type="sldNum" sz="quarter" idx="12"/>
+          </p:nvPr>
+        </p:nvSpPr>
+        <p:spPr/>
+        <p:txBody>
+          <a:bodyPr/>
+          <a:lstStyle/>
+          <a:p>
+            <a:fld id="{02C092ED-0E97-497E-99D9-BB9DD7276F53}" type="slidenum">
+              <a:rPr lang="fr-BE" smtClean="0"/>
+              <a:t>‹N°›</a:t>
+            </a:fld>
+            <a:endParaRPr lang="fr-BE"/>
+          </a:p>
+        </p:txBody>
+      </p:sp>
     </p:spTree>
     <p:extLst>
       <p:ext uri="{BB962C8B-B14F-4D97-AF65-F5344CB8AC3E}">
-        <p14:creationId xmlns:p14="http://schemas.microsoft.com/office/powerpoint/2010/main" val="2662045599"/>
+        <p14:creationId xmlns:p14="http://schemas.microsoft.com/office/powerpoint/2010/main" val="3027841263"/>
       </p:ext>
     </p:extLst>
   </p:cSld>
@@ -5476,10 +6054,93 @@
           </a:p>
         </p:txBody>
       </p:sp>
+      <p:sp>
+        <p:nvSpPr>
+          <p:cNvPr id="7" name="Espace réservé de la date 6">
+            <a:extLst>
+              <a:ext uri="{FF2B5EF4-FFF2-40B4-BE49-F238E27FC236}">
+                <a16:creationId xmlns:a16="http://schemas.microsoft.com/office/drawing/2014/main" id="{D605DBAD-E815-DA9F-C843-1DE122AA5FFF}"/>
+              </a:ext>
+            </a:extLst>
+          </p:cNvPr>
+          <p:cNvSpPr>
+            <a:spLocks noGrp="1"/>
+          </p:cNvSpPr>
+          <p:nvPr>
+            <p:ph type="dt" sz="half" idx="10"/>
+          </p:nvPr>
+        </p:nvSpPr>
+        <p:spPr/>
+        <p:txBody>
+          <a:bodyPr/>
+          <a:lstStyle/>
+          <a:p>
+            <a:fld id="{F3953782-D06E-4853-BE3C-64C197273937}" type="datetimeFigureOut">
+              <a:rPr lang="fr-BE" smtClean="0"/>
+              <a:t>27-01-25</a:t>
+            </a:fld>
+            <a:endParaRPr lang="fr-BE"/>
+          </a:p>
+        </p:txBody>
+      </p:sp>
+      <p:sp>
+        <p:nvSpPr>
+          <p:cNvPr id="8" name="Espace réservé du pied de page 7">
+            <a:extLst>
+              <a:ext uri="{FF2B5EF4-FFF2-40B4-BE49-F238E27FC236}">
+                <a16:creationId xmlns:a16="http://schemas.microsoft.com/office/drawing/2014/main" id="{F344211E-58E3-3B61-D18C-DCC7772A096B}"/>
+              </a:ext>
+            </a:extLst>
+          </p:cNvPr>
+          <p:cNvSpPr>
+            <a:spLocks noGrp="1"/>
+          </p:cNvSpPr>
+          <p:nvPr>
+            <p:ph type="ftr" sz="quarter" idx="11"/>
+          </p:nvPr>
+        </p:nvSpPr>
+        <p:spPr/>
+        <p:txBody>
+          <a:bodyPr/>
+          <a:lstStyle/>
+          <a:p>
+            <a:endParaRPr lang="fr-BE"/>
+          </a:p>
+        </p:txBody>
+      </p:sp>
+      <p:sp>
+        <p:nvSpPr>
+          <p:cNvPr id="9" name="Espace réservé du numéro de diapositive 8">
+            <a:extLst>
+              <a:ext uri="{FF2B5EF4-FFF2-40B4-BE49-F238E27FC236}">
+                <a16:creationId xmlns:a16="http://schemas.microsoft.com/office/drawing/2014/main" id="{85F2F6A2-3605-D138-CBD4-299C105E107C}"/>
+              </a:ext>
+            </a:extLst>
+          </p:cNvPr>
+          <p:cNvSpPr>
+            <a:spLocks noGrp="1"/>
+          </p:cNvSpPr>
+          <p:nvPr>
+            <p:ph type="sldNum" sz="quarter" idx="12"/>
+          </p:nvPr>
+        </p:nvSpPr>
+        <p:spPr/>
+        <p:txBody>
+          <a:bodyPr/>
+          <a:lstStyle/>
+          <a:p>
+            <a:fld id="{02C092ED-0E97-497E-99D9-BB9DD7276F53}" type="slidenum">
+              <a:rPr lang="fr-BE" smtClean="0"/>
+              <a:t>‹N°›</a:t>
+            </a:fld>
+            <a:endParaRPr lang="fr-BE"/>
+          </a:p>
+        </p:txBody>
+      </p:sp>
     </p:spTree>
     <p:extLst>
       <p:ext uri="{BB962C8B-B14F-4D97-AF65-F5344CB8AC3E}">
-        <p14:creationId xmlns:p14="http://schemas.microsoft.com/office/powerpoint/2010/main" val="732305386"/>
+        <p14:creationId xmlns:p14="http://schemas.microsoft.com/office/powerpoint/2010/main" val="4229700566"/>
       </p:ext>
     </p:extLst>
   </p:cSld>
@@ -5541,10 +6202,93 @@
           </a:p>
         </p:txBody>
       </p:sp>
+      <p:sp>
+        <p:nvSpPr>
+          <p:cNvPr id="3" name="Espace réservé de la date 2">
+            <a:extLst>
+              <a:ext uri="{FF2B5EF4-FFF2-40B4-BE49-F238E27FC236}">
+                <a16:creationId xmlns:a16="http://schemas.microsoft.com/office/drawing/2014/main" id="{BB23E5C8-1D92-E25A-D482-9866759B5BD2}"/>
+              </a:ext>
+            </a:extLst>
+          </p:cNvPr>
+          <p:cNvSpPr>
+            <a:spLocks noGrp="1"/>
+          </p:cNvSpPr>
+          <p:nvPr>
+            <p:ph type="dt" sz="half" idx="10"/>
+          </p:nvPr>
+        </p:nvSpPr>
+        <p:spPr/>
+        <p:txBody>
+          <a:bodyPr/>
+          <a:lstStyle/>
+          <a:p>
+            <a:fld id="{F3953782-D06E-4853-BE3C-64C197273937}" type="datetimeFigureOut">
+              <a:rPr lang="fr-BE" smtClean="0"/>
+              <a:t>27-01-25</a:t>
+            </a:fld>
+            <a:endParaRPr lang="fr-BE"/>
+          </a:p>
+        </p:txBody>
+      </p:sp>
+      <p:sp>
+        <p:nvSpPr>
+          <p:cNvPr id="4" name="Espace réservé du pied de page 3">
+            <a:extLst>
+              <a:ext uri="{FF2B5EF4-FFF2-40B4-BE49-F238E27FC236}">
+                <a16:creationId xmlns:a16="http://schemas.microsoft.com/office/drawing/2014/main" id="{55ACAADE-10AC-A5C6-B021-C668BC2068AC}"/>
+              </a:ext>
+            </a:extLst>
+          </p:cNvPr>
+          <p:cNvSpPr>
+            <a:spLocks noGrp="1"/>
+          </p:cNvSpPr>
+          <p:nvPr>
+            <p:ph type="ftr" sz="quarter" idx="11"/>
+          </p:nvPr>
+        </p:nvSpPr>
+        <p:spPr/>
+        <p:txBody>
+          <a:bodyPr/>
+          <a:lstStyle/>
+          <a:p>
+            <a:endParaRPr lang="fr-BE"/>
+          </a:p>
+        </p:txBody>
+      </p:sp>
+      <p:sp>
+        <p:nvSpPr>
+          <p:cNvPr id="5" name="Espace réservé du numéro de diapositive 4">
+            <a:extLst>
+              <a:ext uri="{FF2B5EF4-FFF2-40B4-BE49-F238E27FC236}">
+                <a16:creationId xmlns:a16="http://schemas.microsoft.com/office/drawing/2014/main" id="{64BD460E-C94D-0F17-7C77-D32F9CC12D7A}"/>
+              </a:ext>
+            </a:extLst>
+          </p:cNvPr>
+          <p:cNvSpPr>
+            <a:spLocks noGrp="1"/>
+          </p:cNvSpPr>
+          <p:nvPr>
+            <p:ph type="sldNum" sz="quarter" idx="12"/>
+          </p:nvPr>
+        </p:nvSpPr>
+        <p:spPr/>
+        <p:txBody>
+          <a:bodyPr/>
+          <a:lstStyle/>
+          <a:p>
+            <a:fld id="{02C092ED-0E97-497E-99D9-BB9DD7276F53}" type="slidenum">
+              <a:rPr lang="fr-BE" smtClean="0"/>
+              <a:t>‹N°›</a:t>
+            </a:fld>
+            <a:endParaRPr lang="fr-BE"/>
+          </a:p>
+        </p:txBody>
+      </p:sp>
     </p:spTree>
     <p:extLst>
       <p:ext uri="{BB962C8B-B14F-4D97-AF65-F5344CB8AC3E}">
-        <p14:creationId xmlns:p14="http://schemas.microsoft.com/office/powerpoint/2010/main" val="1351765376"/>
+        <p14:creationId xmlns:p14="http://schemas.microsoft.com/office/powerpoint/2010/main" val="4270867636"/>
       </p:ext>
     </p:extLst>
   </p:cSld>
@@ -5586,7 +6330,7 @@
     </p:spTree>
     <p:extLst>
       <p:ext uri="{BB962C8B-B14F-4D97-AF65-F5344CB8AC3E}">
-        <p14:creationId xmlns:p14="http://schemas.microsoft.com/office/powerpoint/2010/main" val="3931488030"/>
+        <p14:creationId xmlns:p14="http://schemas.microsoft.com/office/powerpoint/2010/main" val="745142781"/>
       </p:ext>
     </p:extLst>
   </p:cSld>
@@ -5807,10 +6551,93 @@
           </a:p>
         </p:txBody>
       </p:sp>
+      <p:sp>
+        <p:nvSpPr>
+          <p:cNvPr id="5" name="Espace réservé de la date 4">
+            <a:extLst>
+              <a:ext uri="{FF2B5EF4-FFF2-40B4-BE49-F238E27FC236}">
+                <a16:creationId xmlns:a16="http://schemas.microsoft.com/office/drawing/2014/main" id="{433BACDB-1022-3581-CB46-1F85D70253ED}"/>
+              </a:ext>
+            </a:extLst>
+          </p:cNvPr>
+          <p:cNvSpPr>
+            <a:spLocks noGrp="1"/>
+          </p:cNvSpPr>
+          <p:nvPr>
+            <p:ph type="dt" sz="half" idx="10"/>
+          </p:nvPr>
+        </p:nvSpPr>
+        <p:spPr/>
+        <p:txBody>
+          <a:bodyPr/>
+          <a:lstStyle/>
+          <a:p>
+            <a:fld id="{F3953782-D06E-4853-BE3C-64C197273937}" type="datetimeFigureOut">
+              <a:rPr lang="fr-BE" smtClean="0"/>
+              <a:t>27-01-25</a:t>
+            </a:fld>
+            <a:endParaRPr lang="fr-BE"/>
+          </a:p>
+        </p:txBody>
+      </p:sp>
+      <p:sp>
+        <p:nvSpPr>
+          <p:cNvPr id="6" name="Espace réservé du pied de page 5">
+            <a:extLst>
+              <a:ext uri="{FF2B5EF4-FFF2-40B4-BE49-F238E27FC236}">
+                <a16:creationId xmlns:a16="http://schemas.microsoft.com/office/drawing/2014/main" id="{9C8F4609-0312-F825-CC91-FAC10F330180}"/>
+              </a:ext>
+            </a:extLst>
+          </p:cNvPr>
+          <p:cNvSpPr>
+            <a:spLocks noGrp="1"/>
+          </p:cNvSpPr>
+          <p:nvPr>
+            <p:ph type="ftr" sz="quarter" idx="11"/>
+          </p:nvPr>
+        </p:nvSpPr>
+        <p:spPr/>
+        <p:txBody>
+          <a:bodyPr/>
+          <a:lstStyle/>
+          <a:p>
+            <a:endParaRPr lang="fr-BE"/>
+          </a:p>
+        </p:txBody>
+      </p:sp>
+      <p:sp>
+        <p:nvSpPr>
+          <p:cNvPr id="7" name="Espace réservé du numéro de diapositive 6">
+            <a:extLst>
+              <a:ext uri="{FF2B5EF4-FFF2-40B4-BE49-F238E27FC236}">
+                <a16:creationId xmlns:a16="http://schemas.microsoft.com/office/drawing/2014/main" id="{91F0E555-3A77-670E-9C69-DE1D8DE232F9}"/>
+              </a:ext>
+            </a:extLst>
+          </p:cNvPr>
+          <p:cNvSpPr>
+            <a:spLocks noGrp="1"/>
+          </p:cNvSpPr>
+          <p:nvPr>
+            <p:ph type="sldNum" sz="quarter" idx="12"/>
+          </p:nvPr>
+        </p:nvSpPr>
+        <p:spPr/>
+        <p:txBody>
+          <a:bodyPr/>
+          <a:lstStyle/>
+          <a:p>
+            <a:fld id="{02C092ED-0E97-497E-99D9-BB9DD7276F53}" type="slidenum">
+              <a:rPr lang="fr-BE" smtClean="0"/>
+              <a:t>‹N°›</a:t>
+            </a:fld>
+            <a:endParaRPr lang="fr-BE"/>
+          </a:p>
+        </p:txBody>
+      </p:sp>
     </p:spTree>
     <p:extLst>
       <p:ext uri="{BB962C8B-B14F-4D97-AF65-F5344CB8AC3E}">
-        <p14:creationId xmlns:p14="http://schemas.microsoft.com/office/powerpoint/2010/main" val="3017668453"/>
+        <p14:creationId xmlns:p14="http://schemas.microsoft.com/office/powerpoint/2010/main" val="999740917"/>
       </p:ext>
     </p:extLst>
   </p:cSld>
@@ -5838,7 +6665,10 @@
     <p:bg>
       <p:bgPr>
         <a:solidFill>
-          <a:schemeClr val="accent6"/>
+          <a:schemeClr val="accent3">
+            <a:lumMod val="40000"/>
+            <a:lumOff val="60000"/>
+          </a:schemeClr>
         </a:solidFill>
         <a:effectLst/>
       </p:bgPr>
@@ -5958,10 +6788,183 @@
           <p:cNvPicPr>
             <a:picLocks noChangeAspect="1"/>
           </p:cNvPicPr>
+          <p:nvPr/>
+        </p:nvPicPr>
+        <p:blipFill>
+          <a:blip r:embed="rId14">
+            <a:extLst>
+              <a:ext uri="{28A0092B-C50C-407E-A947-70E740481C1C}">
+                <a14:useLocalDpi xmlns:a14="http://schemas.microsoft.com/office/drawing/2010/main" val="0"/>
+              </a:ext>
+            </a:extLst>
+          </a:blip>
+          <a:stretch>
+            <a:fillRect/>
+          </a:stretch>
+        </p:blipFill>
+        <p:spPr>
+          <a:xfrm>
+            <a:off x="10830515" y="5719725"/>
+            <a:ext cx="1046571" cy="914479"/>
+          </a:xfrm>
+          <a:prstGeom prst="rect">
+            <a:avLst/>
+          </a:prstGeom>
+        </p:spPr>
+      </p:pic>
+      <p:sp>
+        <p:nvSpPr>
+          <p:cNvPr id="4" name="Espace réservé du numéro de diapositive 3">
+            <a:extLst>
+              <a:ext uri="{FF2B5EF4-FFF2-40B4-BE49-F238E27FC236}">
+                <a16:creationId xmlns:a16="http://schemas.microsoft.com/office/drawing/2014/main" id="{FD73148E-CCCA-4F1F-A836-655D884BBFFF}"/>
+              </a:ext>
+            </a:extLst>
+          </p:cNvPr>
+          <p:cNvSpPr>
+            <a:spLocks noGrp="1"/>
+          </p:cNvSpPr>
+          <p:nvPr>
+            <p:ph type="sldNum" sz="quarter" idx="4"/>
+          </p:nvPr>
+        </p:nvSpPr>
+        <p:spPr>
+          <a:xfrm>
+            <a:off x="8610600" y="6359526"/>
+            <a:ext cx="2743200" cy="365125"/>
+          </a:xfrm>
+          <a:prstGeom prst="rect">
+            <a:avLst/>
+          </a:prstGeom>
+        </p:spPr>
+        <p:txBody>
+          <a:bodyPr vert="horz" lIns="91440" tIns="45720" rIns="91440" bIns="45720" rtlCol="0" anchor="ctr"/>
+          <a:lstStyle>
+            <a:lvl1pPr algn="r">
+              <a:defRPr sz="1200">
+                <a:solidFill>
+                  <a:schemeClr val="tx1">
+                    <a:tint val="75000"/>
+                  </a:schemeClr>
+                </a:solidFill>
+              </a:defRPr>
+            </a:lvl1pPr>
+          </a:lstStyle>
+          <a:p>
+            <a:fld id="{02C092ED-0E97-497E-99D9-BB9DD7276F53}" type="slidenum">
+              <a:rPr lang="fr-BE" smtClean="0"/>
+              <a:t>‹N°›</a:t>
+            </a:fld>
+            <a:endParaRPr lang="fr-BE"/>
+          </a:p>
+        </p:txBody>
+      </p:sp>
+      <p:sp>
+        <p:nvSpPr>
+          <p:cNvPr id="5" name="Espace réservé de la date 4">
+            <a:extLst>
+              <a:ext uri="{FF2B5EF4-FFF2-40B4-BE49-F238E27FC236}">
+                <a16:creationId xmlns:a16="http://schemas.microsoft.com/office/drawing/2014/main" id="{7E29B381-A1A5-FC30-27CA-947A2690386C}"/>
+              </a:ext>
+            </a:extLst>
+          </p:cNvPr>
+          <p:cNvSpPr>
+            <a:spLocks noGrp="1"/>
+          </p:cNvSpPr>
+          <p:nvPr>
+            <p:ph type="dt" sz="half" idx="2"/>
+          </p:nvPr>
+        </p:nvSpPr>
+        <p:spPr>
+          <a:xfrm>
+            <a:off x="838200" y="6356350"/>
+            <a:ext cx="2743200" cy="365125"/>
+          </a:xfrm>
+          <a:prstGeom prst="rect">
+            <a:avLst/>
+          </a:prstGeom>
+        </p:spPr>
+        <p:txBody>
+          <a:bodyPr vert="horz" lIns="91440" tIns="45720" rIns="91440" bIns="45720" rtlCol="0" anchor="ctr"/>
+          <a:lstStyle>
+            <a:lvl1pPr algn="l">
+              <a:defRPr sz="1200">
+                <a:solidFill>
+                  <a:schemeClr val="tx1">
+                    <a:tint val="75000"/>
+                  </a:schemeClr>
+                </a:solidFill>
+              </a:defRPr>
+            </a:lvl1pPr>
+          </a:lstStyle>
+          <a:p>
+            <a:fld id="{F3953782-D06E-4853-BE3C-64C197273937}" type="datetimeFigureOut">
+              <a:rPr lang="fr-BE" smtClean="0"/>
+              <a:t>27-01-25</a:t>
+            </a:fld>
+            <a:endParaRPr lang="fr-BE"/>
+          </a:p>
+        </p:txBody>
+      </p:sp>
+      <p:sp>
+        <p:nvSpPr>
+          <p:cNvPr id="6" name="Espace réservé du pied de page 5">
+            <a:extLst>
+              <a:ext uri="{FF2B5EF4-FFF2-40B4-BE49-F238E27FC236}">
+                <a16:creationId xmlns:a16="http://schemas.microsoft.com/office/drawing/2014/main" id="{7BFB2116-0A00-B6AB-43FF-F23B8EB09A31}"/>
+              </a:ext>
+            </a:extLst>
+          </p:cNvPr>
+          <p:cNvSpPr>
+            <a:spLocks noGrp="1"/>
+          </p:cNvSpPr>
+          <p:nvPr>
+            <p:ph type="ftr" sz="quarter" idx="3"/>
+          </p:nvPr>
+        </p:nvSpPr>
+        <p:spPr>
+          <a:xfrm>
+            <a:off x="4038600" y="6356350"/>
+            <a:ext cx="4114800" cy="365125"/>
+          </a:xfrm>
+          <a:prstGeom prst="rect">
+            <a:avLst/>
+          </a:prstGeom>
+        </p:spPr>
+        <p:txBody>
+          <a:bodyPr vert="horz" lIns="91440" tIns="45720" rIns="91440" bIns="45720" rtlCol="0" anchor="ctr"/>
+          <a:lstStyle>
+            <a:lvl1pPr algn="ctr">
+              <a:defRPr sz="1200">
+                <a:solidFill>
+                  <a:schemeClr val="tx1">
+                    <a:tint val="75000"/>
+                  </a:schemeClr>
+                </a:solidFill>
+              </a:defRPr>
+            </a:lvl1pPr>
+          </a:lstStyle>
+          <a:p>
+            <a:endParaRPr lang="fr-BE"/>
+          </a:p>
+        </p:txBody>
+      </p:sp>
+      <p:pic>
+        <p:nvPicPr>
+          <p:cNvPr id="7" name="Picture 7">
+            <a:extLst>
+              <a:ext uri="{FF2B5EF4-FFF2-40B4-BE49-F238E27FC236}">
+                <a16:creationId xmlns:a16="http://schemas.microsoft.com/office/drawing/2014/main" id="{1F1469A2-7ED3-9A0C-A999-D137C58477D3}"/>
+              </a:ext>
+            </a:extLst>
+          </p:cNvPr>
+          <p:cNvPicPr>
+            <a:picLocks noChangeAspect="1"/>
+          </p:cNvPicPr>
           <p:nvPr userDrawn="1"/>
         </p:nvPicPr>
         <p:blipFill>
-          <a:blip r:embed="rId13">
+          <a:blip r:embed="rId14">
             <a:extLst>
               <a:ext uri="{28A0092B-C50C-407E-A947-70E740481C1C}">
                 <a14:useLocalDpi xmlns:a14="http://schemas.microsoft.com/office/drawing/2010/main" val="0"/>
@@ -5985,23 +6988,24 @@
     </p:spTree>
     <p:extLst>
       <p:ext uri="{BB962C8B-B14F-4D97-AF65-F5344CB8AC3E}">
-        <p14:creationId xmlns:p14="http://schemas.microsoft.com/office/powerpoint/2010/main" val="87028773"/>
+        <p14:creationId xmlns:p14="http://schemas.microsoft.com/office/powerpoint/2010/main" val="3161275211"/>
       </p:ext>
     </p:extLst>
   </p:cSld>
   <p:clrMap bg1="lt1" tx1="dk1" bg2="lt2" tx2="dk2" accent1="accent1" accent2="accent2" accent3="accent3" accent4="accent4" accent5="accent5" accent6="accent6" hlink="hlink" folHlink="folHlink"/>
   <p:sldLayoutIdLst>
-    <p:sldLayoutId id="2147483844" r:id="rId1"/>
-    <p:sldLayoutId id="2147483845" r:id="rId2"/>
-    <p:sldLayoutId id="2147483853" r:id="rId3"/>
-    <p:sldLayoutId id="2147483852" r:id="rId4"/>
-    <p:sldLayoutId id="2147483847" r:id="rId5"/>
-    <p:sldLayoutId id="2147483848" r:id="rId6"/>
-    <p:sldLayoutId id="2147483849" r:id="rId7"/>
-    <p:sldLayoutId id="2147483850" r:id="rId8"/>
-    <p:sldLayoutId id="2147483851" r:id="rId9"/>
-    <p:sldLayoutId id="2147483854" r:id="rId10"/>
-    <p:sldLayoutId id="2147483855" r:id="rId11"/>
+    <p:sldLayoutId id="2147483857" r:id="rId1"/>
+    <p:sldLayoutId id="2147483858" r:id="rId2"/>
+    <p:sldLayoutId id="2147483859" r:id="rId3"/>
+    <p:sldLayoutId id="2147483860" r:id="rId4"/>
+    <p:sldLayoutId id="2147483861" r:id="rId5"/>
+    <p:sldLayoutId id="2147483862" r:id="rId6"/>
+    <p:sldLayoutId id="2147483863" r:id="rId7"/>
+    <p:sldLayoutId id="2147483864" r:id="rId8"/>
+    <p:sldLayoutId id="2147483865" r:id="rId9"/>
+    <p:sldLayoutId id="2147483866" r:id="rId10"/>
+    <p:sldLayoutId id="2147483853" r:id="rId11"/>
+    <p:sldLayoutId id="2147483852" r:id="rId12"/>
   </p:sldLayoutIdLst>
   <mc:AlternateContent xmlns:mc="http://schemas.openxmlformats.org/markup-compatibility/2006" xmlns:p14="http://schemas.microsoft.com/office/powerpoint/2010/main">
     <mc:Choice Requires="p14">
@@ -6100,8 +7104,13 @@
         <a:spcBef>
           <a:spcPts val="1000"/>
         </a:spcBef>
-        <a:buFont typeface="Arial" panose="020B0604020202020204" pitchFamily="34" charset="0"/>
-        <a:buChar char="•"/>
+        <a:buClr>
+          <a:schemeClr val="bg1">
+            <a:lumMod val="50000"/>
+          </a:schemeClr>
+        </a:buClr>
+        <a:buFont typeface="Wingdings" panose="05000000000000000000" pitchFamily="2" charset="2"/>
+        <a:buChar char="§"/>
         <a:defRPr sz="3600" kern="1200">
           <a:solidFill>
             <a:schemeClr val="tx1"/>
@@ -6118,8 +7127,13 @@
         <a:spcBef>
           <a:spcPts val="500"/>
         </a:spcBef>
-        <a:buFont typeface="Arial" panose="020B0604020202020204" pitchFamily="34" charset="0"/>
-        <a:buChar char="•"/>
+        <a:buClr>
+          <a:schemeClr val="bg1">
+            <a:lumMod val="50000"/>
+          </a:schemeClr>
+        </a:buClr>
+        <a:buFont typeface="Wingdings" panose="05000000000000000000" pitchFamily="2" charset="2"/>
+        <a:buChar char="§"/>
         <a:defRPr sz="3200" kern="1200">
           <a:solidFill>
             <a:schemeClr val="tx1"/>
@@ -6136,8 +7150,13 @@
         <a:spcBef>
           <a:spcPts val="500"/>
         </a:spcBef>
-        <a:buFont typeface="Arial" panose="020B0604020202020204" pitchFamily="34" charset="0"/>
-        <a:buChar char="•"/>
+        <a:buClr>
+          <a:schemeClr val="bg1">
+            <a:lumMod val="50000"/>
+          </a:schemeClr>
+        </a:buClr>
+        <a:buFont typeface="Wingdings" panose="05000000000000000000" pitchFamily="2" charset="2"/>
+        <a:buChar char="§"/>
         <a:defRPr sz="2800" kern="1200">
           <a:solidFill>
             <a:schemeClr val="tx1"/>
@@ -6154,8 +7173,13 @@
         <a:spcBef>
           <a:spcPts val="500"/>
         </a:spcBef>
-        <a:buFont typeface="Arial" panose="020B0604020202020204" pitchFamily="34" charset="0"/>
-        <a:buChar char="•"/>
+        <a:buClr>
+          <a:schemeClr val="bg1">
+            <a:lumMod val="50000"/>
+          </a:schemeClr>
+        </a:buClr>
+        <a:buFont typeface="Wingdings" panose="05000000000000000000" pitchFamily="2" charset="2"/>
+        <a:buChar char="§"/>
         <a:defRPr sz="2400" kern="1200">
           <a:solidFill>
             <a:schemeClr val="tx1"/>
@@ -6172,8 +7196,13 @@
         <a:spcBef>
           <a:spcPts val="500"/>
         </a:spcBef>
-        <a:buFont typeface="Arial" panose="020B0604020202020204" pitchFamily="34" charset="0"/>
-        <a:buChar char="•"/>
+        <a:buClr>
+          <a:schemeClr val="bg1">
+            <a:lumMod val="50000"/>
+          </a:schemeClr>
+        </a:buClr>
+        <a:buFont typeface="Wingdings" panose="05000000000000000000" pitchFamily="2" charset="2"/>
+        <a:buChar char="§"/>
         <a:defRPr sz="2400" kern="1200">
           <a:solidFill>
             <a:schemeClr val="tx1"/>
@@ -6447,10 +7476,6 @@
           </p:nvPr>
         </p:nvSpPr>
         <p:spPr>
-          <a:xfrm>
-            <a:off x="1524000" y="3602037"/>
-            <a:ext cx="9144000" cy="1655763"/>
-          </a:xfrm>
           <a:prstGeom prst="rect">
             <a:avLst/>
           </a:prstGeom>
@@ -6600,7 +7625,7 @@
         <p14:reveal/>
       </p:transition>
     </mc:Choice>
-    <mc:Fallback xmlns="" xmlns:mv="urn:schemas-microsoft-com:mac:vml" xmlns:c="http://schemas.openxmlformats.org/drawingml/2006/chart" xmlns:dgm="http://schemas.openxmlformats.org/drawingml/2006/diagram" xmlns:o="urn:schemas-microsoft-com:office:office" xmlns:v="urn:schemas-microsoft-com:vml" xmlns:pvml="urn:schemas-microsoft-com:office:powerpoint" xmlns:com="http://schemas.openxmlformats.org/drawingml/2006/compatibility" xmlns:p15="http://schemas.microsoft.com/office/powerpoint/2012/main" xmlns:ahyp="http://schemas.microsoft.com/office/drawing/2018/hyperlinkcolor">
+    <mc:Fallback xmlns:ahyp="http://schemas.microsoft.com/office/drawing/2018/hyperlinkcolor" xmlns:p15="http://schemas.microsoft.com/office/powerpoint/2012/main" xmlns:com="http://schemas.openxmlformats.org/drawingml/2006/compatibility" xmlns:pvml="urn:schemas-microsoft-com:office:powerpoint" xmlns:v="urn:schemas-microsoft-com:vml" xmlns:o="urn:schemas-microsoft-com:office:office" xmlns:dgm="http://schemas.openxmlformats.org/drawingml/2006/diagram" xmlns:c="http://schemas.openxmlformats.org/drawingml/2006/chart" xmlns:mv="urn:schemas-microsoft-com:mac:vml" xmlns="">
       <p:transition spd="med">
         <p:fade/>
       </p:transition>
@@ -6610,6 +7635,295 @@
 </file>
 
 <file path=ppt/slides/slide10.xml><?xml version="1.0" encoding="utf-8"?>
+<p:sld xmlns:a="http://schemas.openxmlformats.org/drawingml/2006/main" xmlns:r="http://schemas.openxmlformats.org/officeDocument/2006/relationships" xmlns:p="http://schemas.openxmlformats.org/presentationml/2006/main">
+  <p:cSld>
+    <p:spTree>
+      <p:nvGrpSpPr>
+        <p:cNvPr id="1" name="Shape 61"/>
+        <p:cNvGrpSpPr/>
+        <p:nvPr/>
+      </p:nvGrpSpPr>
+      <p:grpSpPr>
+        <a:xfrm>
+          <a:off x="0" y="0"/>
+          <a:ext cx="0" cy="0"/>
+          <a:chOff x="0" y="0"/>
+          <a:chExt cx="0" cy="0"/>
+        </a:xfrm>
+      </p:grpSpPr>
+      <p:sp>
+        <p:nvSpPr>
+          <p:cNvPr id="62" name="Google Shape;62;p12"/>
+          <p:cNvSpPr txBox="1">
+            <a:spLocks noGrp="1"/>
+          </p:cNvSpPr>
+          <p:nvPr>
+            <p:ph type="title"/>
+          </p:nvPr>
+        </p:nvSpPr>
+        <p:spPr/>
+        <p:txBody>
+          <a:bodyPr/>
+          <a:lstStyle/>
+          <a:p>
+            <a:r>
+              <a:rPr lang="fr-BE">
+                <a:sym typeface="Calibri"/>
+              </a:rPr>
+              <a:t>Exemple de formulaire</a:t>
+            </a:r>
+          </a:p>
+        </p:txBody>
+      </p:sp>
+      <p:sp>
+        <p:nvSpPr>
+          <p:cNvPr id="63" name="Google Shape;63;p12"/>
+          <p:cNvSpPr txBox="1">
+            <a:spLocks noGrp="1"/>
+          </p:cNvSpPr>
+          <p:nvPr>
+            <p:ph idx="1"/>
+          </p:nvPr>
+        </p:nvSpPr>
+        <p:spPr/>
+        <p:txBody>
+          <a:bodyPr/>
+          <a:lstStyle/>
+          <a:p>
+            <a:r>
+              <a:rPr lang="fr-BE">
+                <a:sym typeface="Calibri"/>
+              </a:rPr>
+              <a:t>Déclaration d'un formulaire</a:t>
+            </a:r>
+          </a:p>
+          <a:p>
+            <a:endParaRPr lang="fr-BE">
+              <a:sym typeface="Courier New"/>
+            </a:endParaRPr>
+          </a:p>
+          <a:p>
+            <a:pPr marL="0" indent="0">
+              <a:buNone/>
+            </a:pPr>
+            <a:r>
+              <a:rPr lang="fr-BE" sz="2800" b="1">
+                <a:solidFill>
+                  <a:schemeClr val="accent6">
+                    <a:lumMod val="50000"/>
+                  </a:schemeClr>
+                </a:solidFill>
+                <a:latin typeface="Courier New" panose="02070309020205020404" pitchFamily="49" charset="0"/>
+                <a:cs typeface="Courier New" panose="02070309020205020404" pitchFamily="49" charset="0"/>
+                <a:sym typeface="Courier New"/>
+              </a:rPr>
+              <a:t>&lt;form method="get" action="./register.php"&gt;</a:t>
+            </a:r>
+          </a:p>
+          <a:p>
+            <a:pPr marL="0" indent="0">
+              <a:buNone/>
+            </a:pPr>
+            <a:r>
+              <a:rPr lang="fr-BE" sz="2800" b="1">
+                <a:solidFill>
+                  <a:schemeClr val="accent6">
+                    <a:lumMod val="50000"/>
+                  </a:schemeClr>
+                </a:solidFill>
+                <a:latin typeface="Courier New" panose="02070309020205020404" pitchFamily="49" charset="0"/>
+                <a:cs typeface="Courier New" panose="02070309020205020404" pitchFamily="49" charset="0"/>
+                <a:sym typeface="Courier New"/>
+              </a:rPr>
+              <a:t>	...</a:t>
+            </a:r>
+          </a:p>
+          <a:p>
+            <a:pPr marL="0" indent="0">
+              <a:buNone/>
+            </a:pPr>
+            <a:r>
+              <a:rPr lang="fr-BE" sz="2800" b="1">
+                <a:solidFill>
+                  <a:schemeClr val="accent6">
+                    <a:lumMod val="50000"/>
+                  </a:schemeClr>
+                </a:solidFill>
+                <a:latin typeface="Courier New" panose="02070309020205020404" pitchFamily="49" charset="0"/>
+                <a:cs typeface="Courier New" panose="02070309020205020404" pitchFamily="49" charset="0"/>
+                <a:sym typeface="Courier New"/>
+              </a:rPr>
+              <a:t>&lt;/form&gt;</a:t>
+            </a:r>
+          </a:p>
+          <a:p>
+            <a:endParaRPr lang="fr-BE"/>
+          </a:p>
+        </p:txBody>
+      </p:sp>
+    </p:spTree>
+    <p:extLst>
+      <p:ext uri="{BB962C8B-B14F-4D97-AF65-F5344CB8AC3E}">
+        <p14:creationId xmlns:p14="http://schemas.microsoft.com/office/powerpoint/2010/main" val="2573610486"/>
+      </p:ext>
+    </p:extLst>
+  </p:cSld>
+  <p:clrMapOvr>
+    <a:masterClrMapping/>
+  </p:clrMapOvr>
+  <mc:AlternateContent xmlns:mc="http://schemas.openxmlformats.org/markup-compatibility/2006" xmlns:p14="http://schemas.microsoft.com/office/powerpoint/2010/main">
+    <mc:Choice Requires="p14">
+      <p:transition spd="slow">
+        <p14:reveal/>
+      </p:transition>
+    </mc:Choice>
+    <mc:Fallback xmlns="">
+      <p:transition spd="slow">
+        <p:fade/>
+      </p:transition>
+    </mc:Fallback>
+  </mc:AlternateContent>
+</p:sld>
+</file>
+
+<file path=ppt/slides/slide11.xml><?xml version="1.0" encoding="utf-8"?>
+<p:sld xmlns:a="http://schemas.openxmlformats.org/drawingml/2006/main" xmlns:r="http://schemas.openxmlformats.org/officeDocument/2006/relationships" xmlns:p="http://schemas.openxmlformats.org/presentationml/2006/main">
+  <p:cSld>
+    <p:spTree>
+      <p:nvGrpSpPr>
+        <p:cNvPr id="1" name=""/>
+        <p:cNvGrpSpPr/>
+        <p:nvPr/>
+      </p:nvGrpSpPr>
+      <p:grpSpPr>
+        <a:xfrm>
+          <a:off x="0" y="0"/>
+          <a:ext cx="0" cy="0"/>
+          <a:chOff x="0" y="0"/>
+          <a:chExt cx="0" cy="0"/>
+        </a:xfrm>
+      </p:grpSpPr>
+      <p:sp>
+        <p:nvSpPr>
+          <p:cNvPr id="4" name="Titre 3">
+            <a:extLst>
+              <a:ext uri="{FF2B5EF4-FFF2-40B4-BE49-F238E27FC236}">
+                <a16:creationId xmlns:a16="http://schemas.microsoft.com/office/drawing/2014/main" id="{6BC2345B-F403-44E5-97C3-F5BDF024DC43}"/>
+              </a:ext>
+            </a:extLst>
+          </p:cNvPr>
+          <p:cNvSpPr>
+            <a:spLocks noGrp="1"/>
+          </p:cNvSpPr>
+          <p:nvPr>
+            <p:ph type="title"/>
+          </p:nvPr>
+        </p:nvSpPr>
+        <p:spPr/>
+        <p:txBody>
+          <a:bodyPr/>
+          <a:lstStyle/>
+          <a:p>
+            <a:r>
+              <a:rPr lang="fr-BE">
+                <a:sym typeface="Calibri"/>
+              </a:rPr>
+              <a:t>Balises HTML</a:t>
+            </a:r>
+            <a:endParaRPr lang="fr-BE"/>
+          </a:p>
+        </p:txBody>
+      </p:sp>
+      <p:sp>
+        <p:nvSpPr>
+          <p:cNvPr id="2" name="Espace réservé du texte 1">
+            <a:extLst>
+              <a:ext uri="{FF2B5EF4-FFF2-40B4-BE49-F238E27FC236}">
+                <a16:creationId xmlns:a16="http://schemas.microsoft.com/office/drawing/2014/main" id="{476AB62D-B7ED-86E3-C02B-C782347789A9}"/>
+              </a:ext>
+            </a:extLst>
+          </p:cNvPr>
+          <p:cNvSpPr>
+            <a:spLocks noGrp="1"/>
+          </p:cNvSpPr>
+          <p:nvPr>
+            <p:ph type="body" idx="1"/>
+          </p:nvPr>
+        </p:nvSpPr>
+        <p:spPr/>
+        <p:txBody>
+          <a:bodyPr/>
+          <a:lstStyle/>
+          <a:p>
+            <a:endParaRPr lang="fr-BE"/>
+          </a:p>
+        </p:txBody>
+      </p:sp>
+      <p:pic>
+        <p:nvPicPr>
+          <p:cNvPr id="6" name="Google Shape;39;p8">
+            <a:hlinkClick r:id="rId2"/>
+            <a:extLst>
+              <a:ext uri="{FF2B5EF4-FFF2-40B4-BE49-F238E27FC236}">
+                <a16:creationId xmlns:a16="http://schemas.microsoft.com/office/drawing/2014/main" id="{F73F5139-A5C5-497C-AE5C-231EBB7AE61F}"/>
+              </a:ext>
+            </a:extLst>
+          </p:cNvPr>
+          <p:cNvPicPr preferRelativeResize="0">
+            <a:picLocks noGrp="1"/>
+          </p:cNvPicPr>
+          <p:nvPr>
+            <p:ph type="pic" sz="quarter" idx="10"/>
+          </p:nvPr>
+        </p:nvPicPr>
+        <p:blipFill>
+          <a:blip r:embed="rId3" cstate="email">
+            <a:alphaModFix/>
+            <a:extLst>
+              <a:ext uri="{28A0092B-C50C-407E-A947-70E740481C1C}">
+                <a14:useLocalDpi xmlns:a14="http://schemas.microsoft.com/office/drawing/2010/main"/>
+              </a:ext>
+            </a:extLst>
+          </a:blip>
+          <a:srcRect t="37" b="37"/>
+          <a:stretch/>
+        </p:blipFill>
+        <p:spPr>
+          <a:prstGeom prst="rect">
+            <a:avLst/>
+          </a:prstGeom>
+          <a:noFill/>
+          <a:ln>
+            <a:noFill/>
+          </a:ln>
+        </p:spPr>
+      </p:pic>
+    </p:spTree>
+    <p:extLst>
+      <p:ext uri="{BB962C8B-B14F-4D97-AF65-F5344CB8AC3E}">
+        <p14:creationId xmlns:p14="http://schemas.microsoft.com/office/powerpoint/2010/main" val="3335409893"/>
+      </p:ext>
+    </p:extLst>
+  </p:cSld>
+  <p:clrMapOvr>
+    <a:masterClrMapping/>
+  </p:clrMapOvr>
+  <mc:AlternateContent xmlns:mc="http://schemas.openxmlformats.org/markup-compatibility/2006" xmlns:p14="http://schemas.microsoft.com/office/powerpoint/2010/main">
+    <mc:Choice Requires="p14">
+      <p:transition spd="slow">
+        <p14:reveal/>
+      </p:transition>
+    </mc:Choice>
+    <mc:Fallback xmlns="">
+      <p:transition spd="slow">
+        <p:fade/>
+      </p:transition>
+    </mc:Fallback>
+  </mc:AlternateContent>
+</p:sld>
+</file>
+
+<file path=ppt/slides/slide12.xml><?xml version="1.0" encoding="utf-8"?>
 <p:sld xmlns:a="http://schemas.openxmlformats.org/drawingml/2006/main" xmlns:r="http://schemas.openxmlformats.org/officeDocument/2006/relationships" xmlns:p="http://schemas.openxmlformats.org/presentationml/2006/main">
   <p:cSld>
     <p:spTree>
@@ -6791,7 +8105,7 @@
 </p:sld>
 </file>
 
-<file path=ppt/slides/slide11.xml><?xml version="1.0" encoding="utf-8"?>
+<file path=ppt/slides/slide13.xml><?xml version="1.0" encoding="utf-8"?>
 <p:sld xmlns:a="http://schemas.openxmlformats.org/drawingml/2006/main" xmlns:r="http://schemas.openxmlformats.org/officeDocument/2006/relationships" xmlns:p="http://schemas.openxmlformats.org/presentationml/2006/main">
   <p:cSld>
     <p:spTree>
@@ -7145,7 +8459,7 @@
 </p:sld>
 </file>
 
-<file path=ppt/slides/slide12.xml><?xml version="1.0" encoding="utf-8"?>
+<file path=ppt/slides/slide14.xml><?xml version="1.0" encoding="utf-8"?>
 <p:sld xmlns:a="http://schemas.openxmlformats.org/drawingml/2006/main" xmlns:r="http://schemas.openxmlformats.org/officeDocument/2006/relationships" xmlns:p="http://schemas.openxmlformats.org/presentationml/2006/main">
   <p:cSld>
     <p:spTree>
@@ -7540,7 +8854,7 @@
 </p:sld>
 </file>
 
-<file path=ppt/slides/slide13.xml><?xml version="1.0" encoding="utf-8"?>
+<file path=ppt/slides/slide15.xml><?xml version="1.0" encoding="utf-8"?>
 <p:sld xmlns:a="http://schemas.openxmlformats.org/drawingml/2006/main" xmlns:r="http://schemas.openxmlformats.org/officeDocument/2006/relationships" xmlns:p="http://schemas.openxmlformats.org/presentationml/2006/main">
   <p:cSld>
     <p:spTree>
@@ -7918,7 +9232,7 @@
 </p:sld>
 </file>
 
-<file path=ppt/slides/slide14.xml><?xml version="1.0" encoding="utf-8"?>
+<file path=ppt/slides/slide16.xml><?xml version="1.0" encoding="utf-8"?>
 <p:sld xmlns:a="http://schemas.openxmlformats.org/drawingml/2006/main" xmlns:r="http://schemas.openxmlformats.org/officeDocument/2006/relationships" xmlns:p="http://schemas.openxmlformats.org/presentationml/2006/main">
   <p:cSld>
     <p:spTree>
@@ -8086,7 +9400,7 @@
 </p:sld>
 </file>
 
-<file path=ppt/slides/slide15.xml><?xml version="1.0" encoding="utf-8"?>
+<file path=ppt/slides/slide17.xml><?xml version="1.0" encoding="utf-8"?>
 <p:sld xmlns:a="http://schemas.openxmlformats.org/drawingml/2006/main" xmlns:r="http://schemas.openxmlformats.org/officeDocument/2006/relationships" xmlns:p="http://schemas.openxmlformats.org/presentationml/2006/main">
   <p:cSld>
     <p:spTree>
@@ -8296,7 +9610,7 @@
 </p:sld>
 </file>
 
-<file path=ppt/slides/slide16.xml><?xml version="1.0" encoding="utf-8"?>
+<file path=ppt/slides/slide18.xml><?xml version="1.0" encoding="utf-8"?>
 <p:sld xmlns:a="http://schemas.openxmlformats.org/drawingml/2006/main" xmlns:r="http://schemas.openxmlformats.org/officeDocument/2006/relationships" xmlns:p="http://schemas.openxmlformats.org/presentationml/2006/main">
   <p:cSld>
     <p:spTree>
@@ -8717,7 +10031,7 @@
 </p:sld>
 </file>
 
-<file path=ppt/slides/slide17.xml><?xml version="1.0" encoding="utf-8"?>
+<file path=ppt/slides/slide19.xml><?xml version="1.0" encoding="utf-8"?>
 <p:sld xmlns:a="http://schemas.openxmlformats.org/drawingml/2006/main" xmlns:r="http://schemas.openxmlformats.org/officeDocument/2006/relationships" xmlns:p="http://schemas.openxmlformats.org/presentationml/2006/main">
   <p:cSld>
     <p:spTree>
@@ -9107,13 +10421,13 @@
   <p:clrMapOvr>
     <a:masterClrMapping/>
   </p:clrMapOvr>
-  <mc:AlternateContent xmlns:mc="http://schemas.openxmlformats.org/markup-compatibility/2006">
-    <mc:Choice xmlns:p14="http://schemas.microsoft.com/office/powerpoint/2010/main" Requires="p14">
+  <mc:AlternateContent xmlns:mc="http://schemas.openxmlformats.org/markup-compatibility/2006" xmlns:p14="http://schemas.microsoft.com/office/powerpoint/2010/main">
+    <mc:Choice Requires="p14">
       <p:transition spd="slow">
         <p14:reveal/>
       </p:transition>
     </mc:Choice>
-    <mc:Fallback>
+    <mc:Fallback xmlns="">
       <p:transition spd="slow">
         <p:fade/>
       </p:transition>
@@ -9122,7 +10436,393 @@
 </p:sld>
 </file>
 
-<file path=ppt/slides/slide18.xml><?xml version="1.0" encoding="utf-8"?>
+<file path=ppt/slides/slide2.xml><?xml version="1.0" encoding="utf-8"?>
+<p:sld xmlns:a="http://schemas.openxmlformats.org/drawingml/2006/main" xmlns:r="http://schemas.openxmlformats.org/officeDocument/2006/relationships" xmlns:p="http://schemas.openxmlformats.org/presentationml/2006/main">
+  <p:cSld>
+    <p:spTree>
+      <p:nvGrpSpPr>
+        <p:cNvPr id="1" name="Shape 117"/>
+        <p:cNvGrpSpPr/>
+        <p:nvPr/>
+      </p:nvGrpSpPr>
+      <p:grpSpPr>
+        <a:xfrm>
+          <a:off x="0" y="0"/>
+          <a:ext cx="0" cy="0"/>
+          <a:chOff x="0" y="0"/>
+          <a:chExt cx="0" cy="0"/>
+        </a:xfrm>
+      </p:grpSpPr>
+      <p:sp>
+        <p:nvSpPr>
+          <p:cNvPr id="118" name="Google Shape;118;p5"/>
+          <p:cNvSpPr txBox="1">
+            <a:spLocks noGrp="1"/>
+          </p:cNvSpPr>
+          <p:nvPr>
+            <p:ph type="title"/>
+          </p:nvPr>
+        </p:nvSpPr>
+        <p:spPr>
+          <a:noFill/>
+          <a:ln>
+            <a:noFill/>
+          </a:ln>
+        </p:spPr>
+        <p:txBody>
+          <a:bodyPr spcFirstLastPara="1" wrap="square" lIns="91425" tIns="45700" rIns="91425" bIns="45700" anchor="ctr" anchorCtr="0">
+            <a:normAutofit/>
+          </a:bodyPr>
+          <a:lstStyle/>
+          <a:p>
+            <a:pPr lvl="0"/>
+            <a:r>
+              <a:rPr lang="fr-BE"/>
+              <a:t>Table des matières</a:t>
+            </a:r>
+          </a:p>
+        </p:txBody>
+      </p:sp>
+      <p:sp>
+        <p:nvSpPr>
+          <p:cNvPr id="119" name="Google Shape;119;p5"/>
+          <p:cNvSpPr txBox="1">
+            <a:spLocks noGrp="1"/>
+          </p:cNvSpPr>
+          <p:nvPr>
+            <p:ph type="body" idx="1"/>
+          </p:nvPr>
+        </p:nvSpPr>
+        <p:spPr>
+          <a:noFill/>
+          <a:ln>
+            <a:noFill/>
+          </a:ln>
+        </p:spPr>
+        <p:txBody>
+          <a:bodyPr spcFirstLastPara="1" wrap="square" lIns="91425" tIns="45700" rIns="91425" bIns="45700" numCol="1" anchor="t" anchorCtr="0">
+            <a:normAutofit/>
+          </a:bodyPr>
+          <a:lstStyle/>
+          <a:p>
+            <a:pPr lvl="0"/>
+            <a:r>
+              <a:rPr lang="fr-FR"/>
+              <a:t>Généralités</a:t>
+            </a:r>
+          </a:p>
+        </p:txBody>
+      </p:sp>
+      <p:sp>
+        <p:nvSpPr>
+          <p:cNvPr id="2" name="Espace réservé du texte 1">
+            <a:extLst>
+              <a:ext uri="{FF2B5EF4-FFF2-40B4-BE49-F238E27FC236}">
+                <a16:creationId xmlns:a16="http://schemas.microsoft.com/office/drawing/2014/main" id="{D1162652-D4A8-152D-F88F-9B8516AF8775}"/>
+              </a:ext>
+            </a:extLst>
+          </p:cNvPr>
+          <p:cNvSpPr>
+            <a:spLocks noGrp="1"/>
+          </p:cNvSpPr>
+          <p:nvPr>
+            <p:ph type="body" idx="2"/>
+          </p:nvPr>
+        </p:nvSpPr>
+        <p:spPr/>
+        <p:txBody>
+          <a:bodyPr>
+            <a:normAutofit/>
+          </a:bodyPr>
+          <a:lstStyle/>
+          <a:p>
+            <a:pPr marL="114300" indent="0">
+              <a:buNone/>
+            </a:pPr>
+            <a:r>
+              <a:rPr lang="fr-BE" sz="2400"/>
+              <a:t>01. Introduction au web</a:t>
+            </a:r>
+          </a:p>
+          <a:p>
+            <a:pPr marL="114300" indent="0">
+              <a:buNone/>
+            </a:pPr>
+            <a:r>
+              <a:rPr lang="fr-BE" sz="2400"/>
+              <a:t>03. Outils</a:t>
+            </a:r>
+          </a:p>
+          <a:p>
+            <a:pPr marL="114300" indent="0">
+              <a:buNone/>
+            </a:pPr>
+            <a:r>
+              <a:rPr lang="fr-BE" sz="2400"/>
+              <a:t>05. Frameworks</a:t>
+            </a:r>
+          </a:p>
+          <a:p>
+            <a:pPr marL="114300" indent="0">
+              <a:buNone/>
+            </a:pPr>
+            <a:endParaRPr lang="fr-BE" sz="2400"/>
+          </a:p>
+        </p:txBody>
+      </p:sp>
+      <p:sp>
+        <p:nvSpPr>
+          <p:cNvPr id="3" name="Espace réservé du texte 2">
+            <a:extLst>
+              <a:ext uri="{FF2B5EF4-FFF2-40B4-BE49-F238E27FC236}">
+                <a16:creationId xmlns:a16="http://schemas.microsoft.com/office/drawing/2014/main" id="{D06D5135-B8A1-9E24-38EE-4C72679CDE7E}"/>
+              </a:ext>
+            </a:extLst>
+          </p:cNvPr>
+          <p:cNvSpPr>
+            <a:spLocks noGrp="1"/>
+          </p:cNvSpPr>
+          <p:nvPr>
+            <p:ph type="body" idx="3"/>
+          </p:nvPr>
+        </p:nvSpPr>
+        <p:spPr/>
+        <p:txBody>
+          <a:bodyPr anchor="t"/>
+          <a:lstStyle/>
+          <a:p>
+            <a:pPr lvl="0"/>
+            <a:r>
+              <a:rPr lang="fr-FR"/>
+              <a:t>Côté Client</a:t>
+            </a:r>
+          </a:p>
+        </p:txBody>
+      </p:sp>
+      <p:sp>
+        <p:nvSpPr>
+          <p:cNvPr id="4" name="Espace réservé du texte 3">
+            <a:extLst>
+              <a:ext uri="{FF2B5EF4-FFF2-40B4-BE49-F238E27FC236}">
+                <a16:creationId xmlns:a16="http://schemas.microsoft.com/office/drawing/2014/main" id="{17D87172-3FAF-5725-E789-9405D66598A7}"/>
+              </a:ext>
+            </a:extLst>
+          </p:cNvPr>
+          <p:cNvSpPr>
+            <a:spLocks noGrp="1"/>
+          </p:cNvSpPr>
+          <p:nvPr>
+            <p:ph type="body" idx="4"/>
+          </p:nvPr>
+        </p:nvSpPr>
+        <p:spPr/>
+        <p:txBody>
+          <a:bodyPr>
+            <a:normAutofit/>
+          </a:bodyPr>
+          <a:lstStyle/>
+          <a:p>
+            <a:pPr marL="114300" lvl="0" indent="0">
+              <a:buNone/>
+            </a:pPr>
+            <a:r>
+              <a:rPr lang="fr-BE" sz="2400"/>
+              <a:t>12. Structure HTML </a:t>
+            </a:r>
+          </a:p>
+          <a:p>
+            <a:pPr marL="114300" indent="0">
+              <a:buNone/>
+            </a:pPr>
+            <a:r>
+              <a:rPr lang="fr-BE" sz="2400">
+                <a:solidFill>
+                  <a:schemeClr val="accent2"/>
+                </a:solidFill>
+              </a:rPr>
+              <a:t>13. Formulaire HTML</a:t>
+            </a:r>
+          </a:p>
+          <a:p>
+            <a:pPr marL="114300" lvl="0" indent="0">
+              <a:buNone/>
+            </a:pPr>
+            <a:r>
+              <a:rPr lang="fr-BE" sz="2400"/>
+              <a:t>14. Mise en forme CSS</a:t>
+            </a:r>
+          </a:p>
+          <a:p>
+            <a:pPr marL="114300" lvl="0" indent="0">
+              <a:buNone/>
+            </a:pPr>
+            <a:r>
+              <a:rPr lang="fr-BE" sz="2400"/>
+              <a:t>15. Adaptabilité</a:t>
+            </a:r>
+          </a:p>
+          <a:p>
+            <a:pPr marL="114300" lvl="0" indent="0">
+              <a:buNone/>
+            </a:pPr>
+            <a:r>
+              <a:rPr lang="fr-BE" sz="2400"/>
+              <a:t>17. Javascript</a:t>
+            </a:r>
+          </a:p>
+          <a:p>
+            <a:pPr marL="114300" lvl="0" indent="0">
+              <a:buNone/>
+            </a:pPr>
+            <a:r>
+              <a:rPr lang="fr-BE" sz="2400"/>
+              <a:t>18. Framework jQuery</a:t>
+            </a:r>
+          </a:p>
+          <a:p>
+            <a:pPr marL="114300" lvl="0" indent="0">
+              <a:buNone/>
+            </a:pPr>
+            <a:r>
+              <a:rPr lang="fr-BE" sz="2400"/>
+              <a:t>19. AJAX</a:t>
+            </a:r>
+          </a:p>
+        </p:txBody>
+      </p:sp>
+      <p:sp>
+        <p:nvSpPr>
+          <p:cNvPr id="10" name="Espace réservé du texte 9">
+            <a:extLst>
+              <a:ext uri="{FF2B5EF4-FFF2-40B4-BE49-F238E27FC236}">
+                <a16:creationId xmlns:a16="http://schemas.microsoft.com/office/drawing/2014/main" id="{A5FC1231-1E2C-7231-4486-8114EAEE6AAF}"/>
+              </a:ext>
+            </a:extLst>
+          </p:cNvPr>
+          <p:cNvSpPr>
+            <a:spLocks noGrp="1"/>
+          </p:cNvSpPr>
+          <p:nvPr>
+            <p:ph type="body" idx="10"/>
+          </p:nvPr>
+        </p:nvSpPr>
+        <p:spPr/>
+        <p:txBody>
+          <a:bodyPr anchor="t"/>
+          <a:lstStyle/>
+          <a:p>
+            <a:r>
+              <a:rPr lang="fr-BE"/>
+              <a:t>Côté Serveur</a:t>
+            </a:r>
+          </a:p>
+        </p:txBody>
+      </p:sp>
+      <p:sp>
+        <p:nvSpPr>
+          <p:cNvPr id="18" name="Espace réservé du texte 17">
+            <a:extLst>
+              <a:ext uri="{FF2B5EF4-FFF2-40B4-BE49-F238E27FC236}">
+                <a16:creationId xmlns:a16="http://schemas.microsoft.com/office/drawing/2014/main" id="{EDB2CC52-B967-555D-C3A7-C4B10EB02D18}"/>
+              </a:ext>
+            </a:extLst>
+          </p:cNvPr>
+          <p:cNvSpPr>
+            <a:spLocks noGrp="1"/>
+          </p:cNvSpPr>
+          <p:nvPr>
+            <p:ph type="body" idx="11"/>
+          </p:nvPr>
+        </p:nvSpPr>
+        <p:spPr/>
+        <p:txBody>
+          <a:bodyPr>
+            <a:normAutofit/>
+          </a:bodyPr>
+          <a:lstStyle/>
+          <a:p>
+            <a:pPr marL="114300" lvl="0" indent="0">
+              <a:buNone/>
+            </a:pPr>
+            <a:r>
+              <a:rPr lang="fr-BE" sz="2400"/>
+              <a:t>21. Middleware PHP</a:t>
+            </a:r>
+          </a:p>
+          <a:p>
+            <a:pPr marL="114300" indent="0">
+              <a:buNone/>
+            </a:pPr>
+            <a:r>
+              <a:rPr lang="fr-BE" sz="2400"/>
+              <a:t>22. Traitement du formulaire</a:t>
+            </a:r>
+          </a:p>
+          <a:p>
+            <a:pPr marL="114300" lvl="0" indent="0">
+              <a:buNone/>
+            </a:pPr>
+            <a:r>
+              <a:rPr lang="fr-BE" sz="2400"/>
+              <a:t>23. Architecture MVC</a:t>
+            </a:r>
+          </a:p>
+          <a:p>
+            <a:pPr marL="114300" lvl="0" indent="0">
+              <a:buNone/>
+            </a:pPr>
+            <a:r>
+              <a:rPr lang="fr-BE" sz="2400"/>
+              <a:t>24. Base de données SQL</a:t>
+            </a:r>
+          </a:p>
+          <a:p>
+            <a:pPr marL="114300" lvl="0" indent="0">
+              <a:buNone/>
+            </a:pPr>
+            <a:r>
+              <a:rPr lang="fr-BE" sz="2400"/>
+              <a:t>25. Données XML</a:t>
+            </a:r>
+          </a:p>
+          <a:p>
+            <a:pPr marL="114300" lvl="0" indent="0">
+              <a:buNone/>
+            </a:pPr>
+            <a:r>
+              <a:rPr lang="fr-BE" sz="2400"/>
+              <a:t>26. Données JSON</a:t>
+            </a:r>
+          </a:p>
+          <a:p>
+            <a:pPr marL="114300" indent="0">
+              <a:buNone/>
+            </a:pPr>
+            <a:endParaRPr lang="fr-BE" sz="2400"/>
+          </a:p>
+        </p:txBody>
+      </p:sp>
+    </p:spTree>
+  </p:cSld>
+  <p:clrMapOvr>
+    <a:masterClrMapping/>
+  </p:clrMapOvr>
+  <mc:AlternateContent xmlns:mc="http://schemas.openxmlformats.org/markup-compatibility/2006" xmlns:p14="http://schemas.microsoft.com/office/powerpoint/2010/main">
+    <mc:Choice Requires="p14">
+      <p:transition spd="slow">
+        <p14:reveal/>
+      </p:transition>
+    </mc:Choice>
+    <mc:Fallback xmlns:ahyp="http://schemas.microsoft.com/office/drawing/2018/hyperlinkcolor" xmlns:p15="http://schemas.microsoft.com/office/powerpoint/2012/main" xmlns:com="http://schemas.openxmlformats.org/drawingml/2006/compatibility" xmlns:pvml="urn:schemas-microsoft-com:office:powerpoint" xmlns:v="urn:schemas-microsoft-com:vml" xmlns:o="urn:schemas-microsoft-com:office:office" xmlns:dgm="http://schemas.openxmlformats.org/drawingml/2006/diagram" xmlns:c="http://schemas.openxmlformats.org/drawingml/2006/chart" xmlns:mv="urn:schemas-microsoft-com:mac:vml" xmlns="">
+      <p:transition spd="med">
+        <p:fade/>
+      </p:transition>
+    </mc:Fallback>
+  </mc:AlternateContent>
+</p:sld>
+</file>
+
+<file path=ppt/slides/slide20.xml><?xml version="1.0" encoding="utf-8"?>
 <p:sld xmlns:a="http://schemas.openxmlformats.org/drawingml/2006/main" xmlns:r="http://schemas.openxmlformats.org/officeDocument/2006/relationships" xmlns:p="http://schemas.openxmlformats.org/presentationml/2006/main">
   <p:cSld>
     <p:spTree>
@@ -9452,7 +11152,7 @@
 </p:sld>
 </file>
 
-<file path=ppt/slides/slide19.xml><?xml version="1.0" encoding="utf-8"?>
+<file path=ppt/slides/slide21.xml><?xml version="1.0" encoding="utf-8"?>
 <p:sld xmlns:a="http://schemas.openxmlformats.org/drawingml/2006/main" xmlns:r="http://schemas.openxmlformats.org/officeDocument/2006/relationships" xmlns:p="http://schemas.openxmlformats.org/presentationml/2006/main">
   <p:cSld>
     <p:spTree>
@@ -9589,422 +11289,7 @@
 </p:sld>
 </file>
 
-<file path=ppt/slides/slide2.xml><?xml version="1.0" encoding="utf-8"?>
-<p:sld xmlns:a="http://schemas.openxmlformats.org/drawingml/2006/main" xmlns:r="http://schemas.openxmlformats.org/officeDocument/2006/relationships" xmlns:p="http://schemas.openxmlformats.org/presentationml/2006/main">
-  <p:cSld>
-    <p:spTree>
-      <p:nvGrpSpPr>
-        <p:cNvPr id="1" name="Shape 117"/>
-        <p:cNvGrpSpPr/>
-        <p:nvPr/>
-      </p:nvGrpSpPr>
-      <p:grpSpPr>
-        <a:xfrm>
-          <a:off x="0" y="0"/>
-          <a:ext cx="0" cy="0"/>
-          <a:chOff x="0" y="0"/>
-          <a:chExt cx="0" cy="0"/>
-        </a:xfrm>
-      </p:grpSpPr>
-      <p:sp>
-        <p:nvSpPr>
-          <p:cNvPr id="118" name="Google Shape;118;p5"/>
-          <p:cNvSpPr txBox="1">
-            <a:spLocks noGrp="1"/>
-          </p:cNvSpPr>
-          <p:nvPr>
-            <p:ph type="title"/>
-          </p:nvPr>
-        </p:nvSpPr>
-        <p:spPr>
-          <a:xfrm>
-            <a:off x="839788" y="365125"/>
-            <a:ext cx="10515600" cy="1325563"/>
-          </a:xfrm>
-          <a:noFill/>
-          <a:ln>
-            <a:noFill/>
-          </a:ln>
-        </p:spPr>
-        <p:txBody>
-          <a:bodyPr spcFirstLastPara="1" wrap="square" lIns="91425" tIns="45700" rIns="91425" bIns="45700" anchor="ctr" anchorCtr="0">
-            <a:normAutofit/>
-          </a:bodyPr>
-          <a:lstStyle/>
-          <a:p>
-            <a:pPr lvl="0"/>
-            <a:r>
-              <a:rPr lang="fr-BE"/>
-              <a:t>Table des matières</a:t>
-            </a:r>
-          </a:p>
-        </p:txBody>
-      </p:sp>
-      <p:sp>
-        <p:nvSpPr>
-          <p:cNvPr id="119" name="Google Shape;119;p5"/>
-          <p:cNvSpPr txBox="1">
-            <a:spLocks noGrp="1"/>
-          </p:cNvSpPr>
-          <p:nvPr>
-            <p:ph type="body" idx="1"/>
-          </p:nvPr>
-        </p:nvSpPr>
-        <p:spPr>
-          <a:xfrm>
-            <a:off x="839788" y="1681163"/>
-            <a:ext cx="3420000" cy="823912"/>
-          </a:xfrm>
-          <a:noFill/>
-          <a:ln>
-            <a:noFill/>
-          </a:ln>
-        </p:spPr>
-        <p:txBody>
-          <a:bodyPr spcFirstLastPara="1" wrap="square" lIns="91425" tIns="45700" rIns="91425" bIns="45700" numCol="1" anchor="t" anchorCtr="0">
-            <a:normAutofit/>
-          </a:bodyPr>
-          <a:lstStyle/>
-          <a:p>
-            <a:pPr lvl="0"/>
-            <a:r>
-              <a:rPr lang="fr-FR"/>
-              <a:t>Généralités</a:t>
-            </a:r>
-          </a:p>
-        </p:txBody>
-      </p:sp>
-      <p:sp>
-        <p:nvSpPr>
-          <p:cNvPr id="2" name="Espace réservé du texte 1">
-            <a:extLst>
-              <a:ext uri="{FF2B5EF4-FFF2-40B4-BE49-F238E27FC236}">
-                <a16:creationId xmlns:a16="http://schemas.microsoft.com/office/drawing/2014/main" id="{D1162652-D4A8-152D-F88F-9B8516AF8775}"/>
-              </a:ext>
-            </a:extLst>
-          </p:cNvPr>
-          <p:cNvSpPr>
-            <a:spLocks noGrp="1"/>
-          </p:cNvSpPr>
-          <p:nvPr>
-            <p:ph type="body" idx="2"/>
-          </p:nvPr>
-        </p:nvSpPr>
-        <p:spPr>
-          <a:xfrm>
-            <a:off x="839788" y="2505075"/>
-            <a:ext cx="3419999" cy="3684588"/>
-          </a:xfrm>
-        </p:spPr>
-        <p:txBody>
-          <a:bodyPr>
-            <a:normAutofit/>
-          </a:bodyPr>
-          <a:lstStyle/>
-          <a:p>
-            <a:pPr marL="114300" indent="0">
-              <a:buNone/>
-            </a:pPr>
-            <a:r>
-              <a:rPr lang="fr-BE" sz="2400"/>
-              <a:t>01. Introduction au web</a:t>
-            </a:r>
-          </a:p>
-          <a:p>
-            <a:pPr marL="114300" indent="0">
-              <a:buNone/>
-            </a:pPr>
-            <a:r>
-              <a:rPr lang="fr-BE" sz="2400"/>
-              <a:t>03. Outils</a:t>
-            </a:r>
-          </a:p>
-          <a:p>
-            <a:pPr marL="114300" indent="0">
-              <a:buNone/>
-            </a:pPr>
-            <a:r>
-              <a:rPr lang="fr-BE" sz="2400"/>
-              <a:t>05. Frameworks</a:t>
-            </a:r>
-          </a:p>
-          <a:p>
-            <a:pPr marL="114300" indent="0">
-              <a:buNone/>
-            </a:pPr>
-            <a:endParaRPr lang="fr-BE" sz="2400"/>
-          </a:p>
-        </p:txBody>
-      </p:sp>
-      <p:sp>
-        <p:nvSpPr>
-          <p:cNvPr id="3" name="Espace réservé du texte 2">
-            <a:extLst>
-              <a:ext uri="{FF2B5EF4-FFF2-40B4-BE49-F238E27FC236}">
-                <a16:creationId xmlns:a16="http://schemas.microsoft.com/office/drawing/2014/main" id="{D06D5135-B8A1-9E24-38EE-4C72679CDE7E}"/>
-              </a:ext>
-            </a:extLst>
-          </p:cNvPr>
-          <p:cNvSpPr>
-            <a:spLocks noGrp="1"/>
-          </p:cNvSpPr>
-          <p:nvPr>
-            <p:ph type="body" idx="3"/>
-          </p:nvPr>
-        </p:nvSpPr>
-        <p:spPr>
-          <a:xfrm>
-            <a:off x="4394864" y="1677195"/>
-            <a:ext cx="3420000" cy="823912"/>
-          </a:xfrm>
-        </p:spPr>
-        <p:txBody>
-          <a:bodyPr anchor="t"/>
-          <a:lstStyle/>
-          <a:p>
-            <a:pPr lvl="0"/>
-            <a:r>
-              <a:rPr lang="fr-FR"/>
-              <a:t>Côté Client</a:t>
-            </a:r>
-          </a:p>
-        </p:txBody>
-      </p:sp>
-      <p:sp>
-        <p:nvSpPr>
-          <p:cNvPr id="4" name="Espace réservé du texte 3">
-            <a:extLst>
-              <a:ext uri="{FF2B5EF4-FFF2-40B4-BE49-F238E27FC236}">
-                <a16:creationId xmlns:a16="http://schemas.microsoft.com/office/drawing/2014/main" id="{17D87172-3FAF-5725-E789-9405D66598A7}"/>
-              </a:ext>
-            </a:extLst>
-          </p:cNvPr>
-          <p:cNvSpPr>
-            <a:spLocks noGrp="1"/>
-          </p:cNvSpPr>
-          <p:nvPr>
-            <p:ph type="body" idx="4"/>
-          </p:nvPr>
-        </p:nvSpPr>
-        <p:spPr>
-          <a:xfrm>
-            <a:off x="4394863" y="2501107"/>
-            <a:ext cx="3419999" cy="3684588"/>
-          </a:xfrm>
-        </p:spPr>
-        <p:txBody>
-          <a:bodyPr>
-            <a:normAutofit/>
-          </a:bodyPr>
-          <a:lstStyle/>
-          <a:p>
-            <a:pPr marL="114300" lvl="0" indent="0">
-              <a:buNone/>
-            </a:pPr>
-            <a:r>
-              <a:rPr lang="fr-BE" sz="2400"/>
-              <a:t>12. Structure HTML </a:t>
-            </a:r>
-          </a:p>
-          <a:p>
-            <a:pPr marL="114300" indent="0">
-              <a:buNone/>
-            </a:pPr>
-            <a:r>
-              <a:rPr lang="fr-BE" sz="2400"/>
-              <a:t>13. Formulaire HTML</a:t>
-            </a:r>
-          </a:p>
-          <a:p>
-            <a:pPr marL="114300" lvl="0" indent="0">
-              <a:buNone/>
-            </a:pPr>
-            <a:r>
-              <a:rPr lang="fr-BE" sz="2400"/>
-              <a:t>14. Mise en forme CSS</a:t>
-            </a:r>
-          </a:p>
-          <a:p>
-            <a:pPr marL="114300" lvl="0" indent="0">
-              <a:buNone/>
-            </a:pPr>
-            <a:r>
-              <a:rPr lang="fr-BE" sz="2400"/>
-              <a:t>15. Adaptabilité</a:t>
-            </a:r>
-          </a:p>
-          <a:p>
-            <a:pPr marL="114300" lvl="0" indent="0">
-              <a:buNone/>
-            </a:pPr>
-            <a:r>
-              <a:rPr lang="fr-BE" sz="2400"/>
-              <a:t>17. Javascript</a:t>
-            </a:r>
-          </a:p>
-          <a:p>
-            <a:pPr marL="114300" lvl="0" indent="0">
-              <a:buNone/>
-            </a:pPr>
-            <a:r>
-              <a:rPr lang="fr-BE" sz="2400"/>
-              <a:t>18. Framework jQuery</a:t>
-            </a:r>
-          </a:p>
-          <a:p>
-            <a:pPr marL="114300" lvl="0" indent="0">
-              <a:buNone/>
-            </a:pPr>
-            <a:r>
-              <a:rPr lang="fr-BE" sz="2400"/>
-              <a:t>19. AJAX</a:t>
-            </a:r>
-          </a:p>
-        </p:txBody>
-      </p:sp>
-      <p:sp>
-        <p:nvSpPr>
-          <p:cNvPr id="10" name="Espace réservé du texte 9">
-            <a:extLst>
-              <a:ext uri="{FF2B5EF4-FFF2-40B4-BE49-F238E27FC236}">
-                <a16:creationId xmlns:a16="http://schemas.microsoft.com/office/drawing/2014/main" id="{A5FC1231-1E2C-7231-4486-8114EAEE6AAF}"/>
-              </a:ext>
-            </a:extLst>
-          </p:cNvPr>
-          <p:cNvSpPr>
-            <a:spLocks noGrp="1"/>
-          </p:cNvSpPr>
-          <p:nvPr>
-            <p:ph type="body" idx="10"/>
-          </p:nvPr>
-        </p:nvSpPr>
-        <p:spPr>
-          <a:xfrm>
-            <a:off x="7949940" y="1690688"/>
-            <a:ext cx="3420000" cy="823912"/>
-          </a:xfrm>
-        </p:spPr>
-        <p:txBody>
-          <a:bodyPr anchor="t"/>
-          <a:lstStyle/>
-          <a:p>
-            <a:r>
-              <a:rPr lang="fr-BE"/>
-              <a:t>Côté Serveur</a:t>
-            </a:r>
-          </a:p>
-        </p:txBody>
-      </p:sp>
-      <p:sp>
-        <p:nvSpPr>
-          <p:cNvPr id="18" name="Espace réservé du texte 17">
-            <a:extLst>
-              <a:ext uri="{FF2B5EF4-FFF2-40B4-BE49-F238E27FC236}">
-                <a16:creationId xmlns:a16="http://schemas.microsoft.com/office/drawing/2014/main" id="{EDB2CC52-B967-555D-C3A7-C4B10EB02D18}"/>
-              </a:ext>
-            </a:extLst>
-          </p:cNvPr>
-          <p:cNvSpPr>
-            <a:spLocks noGrp="1"/>
-          </p:cNvSpPr>
-          <p:nvPr>
-            <p:ph type="body" idx="11"/>
-          </p:nvPr>
-        </p:nvSpPr>
-        <p:spPr>
-          <a:xfrm>
-            <a:off x="7949937" y="2529543"/>
-            <a:ext cx="3433923" cy="3684588"/>
-          </a:xfrm>
-        </p:spPr>
-        <p:txBody>
-          <a:bodyPr>
-            <a:normAutofit/>
-          </a:bodyPr>
-          <a:lstStyle/>
-          <a:p>
-            <a:pPr marL="114300" lvl="0" indent="0">
-              <a:buNone/>
-            </a:pPr>
-            <a:r>
-              <a:rPr lang="fr-BE" sz="2400"/>
-              <a:t>21. Middleware PHP</a:t>
-            </a:r>
-          </a:p>
-          <a:p>
-            <a:pPr marL="114300" indent="0">
-              <a:buNone/>
-            </a:pPr>
-            <a:r>
-              <a:rPr lang="fr-BE" sz="2400"/>
-              <a:t>22. Traitement du formulaire</a:t>
-            </a:r>
-          </a:p>
-          <a:p>
-            <a:pPr marL="114300" lvl="0" indent="0">
-              <a:buNone/>
-            </a:pPr>
-            <a:r>
-              <a:rPr lang="fr-BE" sz="2400"/>
-              <a:t>23. Architecture MVC</a:t>
-            </a:r>
-          </a:p>
-          <a:p>
-            <a:pPr marL="114300" lvl="0" indent="0">
-              <a:buNone/>
-            </a:pPr>
-            <a:r>
-              <a:rPr lang="fr-BE" sz="2400"/>
-              <a:t>24. Base de données SQL</a:t>
-            </a:r>
-          </a:p>
-          <a:p>
-            <a:pPr marL="114300" lvl="0" indent="0">
-              <a:buNone/>
-            </a:pPr>
-            <a:r>
-              <a:rPr lang="fr-BE" sz="2400"/>
-              <a:t>25. Données XML</a:t>
-            </a:r>
-          </a:p>
-          <a:p>
-            <a:pPr marL="114300" lvl="0" indent="0">
-              <a:buNone/>
-            </a:pPr>
-            <a:r>
-              <a:rPr lang="fr-BE" sz="2400"/>
-              <a:t>26. Données JSON</a:t>
-            </a:r>
-          </a:p>
-          <a:p>
-            <a:pPr marL="114300" indent="0">
-              <a:buNone/>
-            </a:pPr>
-            <a:endParaRPr lang="fr-BE" sz="2400"/>
-          </a:p>
-        </p:txBody>
-      </p:sp>
-    </p:spTree>
-  </p:cSld>
-  <p:clrMapOvr>
-    <a:masterClrMapping/>
-  </p:clrMapOvr>
-  <mc:AlternateContent xmlns:mc="http://schemas.openxmlformats.org/markup-compatibility/2006" xmlns:p14="http://schemas.microsoft.com/office/powerpoint/2010/main">
-    <mc:Choice Requires="p14">
-      <p:transition spd="slow">
-        <p14:reveal/>
-      </p:transition>
-    </mc:Choice>
-    <mc:Fallback xmlns="" xmlns:mv="urn:schemas-microsoft-com:mac:vml" xmlns:c="http://schemas.openxmlformats.org/drawingml/2006/chart" xmlns:dgm="http://schemas.openxmlformats.org/drawingml/2006/diagram" xmlns:o="urn:schemas-microsoft-com:office:office" xmlns:v="urn:schemas-microsoft-com:vml" xmlns:pvml="urn:schemas-microsoft-com:office:powerpoint" xmlns:com="http://schemas.openxmlformats.org/drawingml/2006/compatibility" xmlns:p15="http://schemas.microsoft.com/office/powerpoint/2012/main" xmlns:ahyp="http://schemas.microsoft.com/office/drawing/2018/hyperlinkcolor">
-      <p:transition spd="med">
-        <p:fade/>
-      </p:transition>
-    </mc:Fallback>
-  </mc:AlternateContent>
-</p:sld>
-</file>
-
-<file path=ppt/slides/slide20.xml><?xml version="1.0" encoding="utf-8"?>
+<file path=ppt/slides/slide22.xml><?xml version="1.0" encoding="utf-8"?>
 <p:sld xmlns:a="http://schemas.openxmlformats.org/drawingml/2006/main" xmlns:r="http://schemas.openxmlformats.org/officeDocument/2006/relationships" xmlns:p="http://schemas.openxmlformats.org/presentationml/2006/main">
   <p:cSld>
     <p:spTree>
@@ -10145,64 +11430,6 @@
           </a:p>
         </p:txBody>
       </p:sp>
-      <p:sp>
-        <p:nvSpPr>
-          <p:cNvPr id="4" name="Rectangle 3"/>
-          <p:cNvSpPr/>
-          <p:nvPr/>
-        </p:nvSpPr>
-        <p:spPr>
-          <a:xfrm>
-            <a:off x="6202042" y="1533237"/>
-            <a:ext cx="5121915" cy="584775"/>
-          </a:xfrm>
-          <a:prstGeom prst="rect">
-            <a:avLst/>
-          </a:prstGeom>
-        </p:spPr>
-        <p:txBody>
-          <a:bodyPr wrap="none">
-            <a:spAutoFit/>
-          </a:bodyPr>
-          <a:lstStyle/>
-          <a:p>
-            <a:r>
-              <a:rPr lang="fr-BE" sz="3200" b="1">
-                <a:solidFill>
-                  <a:schemeClr val="accent6">
-                    <a:lumMod val="50000"/>
-                  </a:schemeClr>
-                </a:solidFill>
-                <a:latin typeface="Courier New" panose="02070309020205020404" pitchFamily="49" charset="0"/>
-                <a:cs typeface="Courier New" panose="02070309020205020404" pitchFamily="49" charset="0"/>
-              </a:rPr>
-              <a:t>&lt;input type="</a:t>
-            </a:r>
-            <a:r>
-              <a:rPr lang="fr-BE" sz="3200" b="1">
-                <a:solidFill>
-                  <a:schemeClr val="accent2"/>
-                </a:solidFill>
-                <a:latin typeface="Courier New" panose="02070309020205020404" pitchFamily="49" charset="0"/>
-                <a:cs typeface="Courier New" panose="02070309020205020404" pitchFamily="49" charset="0"/>
-              </a:rPr>
-              <a:t>color</a:t>
-            </a:r>
-            <a:r>
-              <a:rPr lang="fr-BE" sz="3200" b="1">
-                <a:solidFill>
-                  <a:schemeClr val="accent6">
-                    <a:lumMod val="50000"/>
-                  </a:schemeClr>
-                </a:solidFill>
-                <a:latin typeface="Courier New" panose="02070309020205020404" pitchFamily="49" charset="0"/>
-                <a:cs typeface="Courier New" panose="02070309020205020404" pitchFamily="49" charset="0"/>
-              </a:rPr>
-              <a:t>"&gt;</a:t>
-            </a:r>
-          </a:p>
-        </p:txBody>
-      </p:sp>
       <p:pic>
         <p:nvPicPr>
           <p:cNvPr id="9" name="Content Placeholder 8"/>
@@ -10227,7 +11454,7 @@
         </p:blipFill>
         <p:spPr>
           <a:xfrm>
-            <a:off x="6172200" y="2138719"/>
+            <a:off x="6172200" y="2071250"/>
             <a:ext cx="5181600" cy="3725150"/>
           </a:xfrm>
           <a:prstGeom prst="rect">
@@ -10235,6 +11462,64 @@
           </a:prstGeom>
         </p:spPr>
       </p:pic>
+      <p:sp>
+        <p:nvSpPr>
+          <p:cNvPr id="4" name="Rectangle 3"/>
+          <p:cNvSpPr/>
+          <p:nvPr/>
+        </p:nvSpPr>
+        <p:spPr>
+          <a:xfrm>
+            <a:off x="6202042" y="1533237"/>
+            <a:ext cx="5121915" cy="584775"/>
+          </a:xfrm>
+          <a:prstGeom prst="rect">
+            <a:avLst/>
+          </a:prstGeom>
+        </p:spPr>
+        <p:txBody>
+          <a:bodyPr wrap="none">
+            <a:spAutoFit/>
+          </a:bodyPr>
+          <a:lstStyle/>
+          <a:p>
+            <a:r>
+              <a:rPr lang="fr-BE" sz="3200" b="1">
+                <a:solidFill>
+                  <a:schemeClr val="accent6">
+                    <a:lumMod val="50000"/>
+                  </a:schemeClr>
+                </a:solidFill>
+                <a:latin typeface="Courier New" panose="02070309020205020404" pitchFamily="49" charset="0"/>
+                <a:cs typeface="Courier New" panose="02070309020205020404" pitchFamily="49" charset="0"/>
+              </a:rPr>
+              <a:t>&lt;input type="</a:t>
+            </a:r>
+            <a:r>
+              <a:rPr lang="fr-BE" sz="3200" b="1">
+                <a:solidFill>
+                  <a:schemeClr val="accent2"/>
+                </a:solidFill>
+                <a:latin typeface="Courier New" panose="02070309020205020404" pitchFamily="49" charset="0"/>
+                <a:cs typeface="Courier New" panose="02070309020205020404" pitchFamily="49" charset="0"/>
+              </a:rPr>
+              <a:t>color</a:t>
+            </a:r>
+            <a:r>
+              <a:rPr lang="fr-BE" sz="3200" b="1">
+                <a:solidFill>
+                  <a:schemeClr val="accent6">
+                    <a:lumMod val="50000"/>
+                  </a:schemeClr>
+                </a:solidFill>
+                <a:latin typeface="Courier New" panose="02070309020205020404" pitchFamily="49" charset="0"/>
+                <a:cs typeface="Courier New" panose="02070309020205020404" pitchFamily="49" charset="0"/>
+              </a:rPr>
+              <a:t>"&gt;</a:t>
+            </a:r>
+          </a:p>
+        </p:txBody>
+      </p:sp>
     </p:spTree>
     <p:extLst>
       <p:ext uri="{BB962C8B-B14F-4D97-AF65-F5344CB8AC3E}">
@@ -10260,7 +11545,7 @@
 </p:sld>
 </file>
 
-<file path=ppt/slides/slide21.xml><?xml version="1.0" encoding="utf-8"?>
+<file path=ppt/slides/slide23.xml><?xml version="1.0" encoding="utf-8"?>
 <p:sld xmlns:a="http://schemas.openxmlformats.org/drawingml/2006/main" xmlns:r="http://schemas.openxmlformats.org/officeDocument/2006/relationships" xmlns:p="http://schemas.openxmlformats.org/presentationml/2006/main">
   <p:cSld>
     <p:spTree>
@@ -10717,7 +12002,7 @@
 </p:sld>
 </file>
 
-<file path=ppt/slides/slide22.xml><?xml version="1.0" encoding="utf-8"?>
+<file path=ppt/slides/slide24.xml><?xml version="1.0" encoding="utf-8"?>
 <p:sld xmlns:a="http://schemas.openxmlformats.org/drawingml/2006/main" xmlns:r="http://schemas.openxmlformats.org/officeDocument/2006/relationships" xmlns:p="http://schemas.openxmlformats.org/presentationml/2006/main">
   <p:cSld>
     <p:spTree>
@@ -11091,7 +12376,7 @@
 </p:sld>
 </file>
 
-<file path=ppt/slides/slide23.xml><?xml version="1.0" encoding="utf-8"?>
+<file path=ppt/slides/slide25.xml><?xml version="1.0" encoding="utf-8"?>
 <p:sld xmlns:a="http://schemas.openxmlformats.org/drawingml/2006/main" xmlns:r="http://schemas.openxmlformats.org/officeDocument/2006/relationships" xmlns:p="http://schemas.openxmlformats.org/presentationml/2006/main">
   <p:cSld>
     <p:spTree>
@@ -11228,8 +12513,8 @@
         </p:nvSpPr>
         <p:spPr>
           <a:xfrm>
-            <a:off x="711994" y="3425827"/>
-            <a:ext cx="10768012" cy="2747963"/>
+            <a:off x="0" y="3425825"/>
+            <a:ext cx="10766425" cy="2747963"/>
           </a:xfrm>
         </p:spPr>
         <p:txBody>
@@ -11354,7 +12639,7 @@
 </p:sld>
 </file>
 
-<file path=ppt/slides/slide24.xml><?xml version="1.0" encoding="utf-8"?>
+<file path=ppt/slides/slide26.xml><?xml version="1.0" encoding="utf-8"?>
 <p:sld xmlns:a="http://schemas.openxmlformats.org/drawingml/2006/main" xmlns:r="http://schemas.openxmlformats.org/officeDocument/2006/relationships" xmlns:p="http://schemas.openxmlformats.org/presentationml/2006/main">
   <p:cSld>
     <p:spTree>
@@ -11503,7 +12788,7 @@
 </p:sld>
 </file>
 
-<file path=ppt/slides/slide25.xml><?xml version="1.0" encoding="utf-8"?>
+<file path=ppt/slides/slide27.xml><?xml version="1.0" encoding="utf-8"?>
 <p:sld xmlns:a="http://schemas.openxmlformats.org/drawingml/2006/main" xmlns:r="http://schemas.openxmlformats.org/officeDocument/2006/relationships" xmlns:p="http://schemas.openxmlformats.org/presentationml/2006/main">
   <p:cSld>
     <p:spTree>
@@ -11607,7 +12892,7 @@
         </p:blipFill>
         <p:spPr>
           <a:xfrm>
-            <a:off x="6840940" y="4541795"/>
+            <a:off x="6172200" y="2863891"/>
             <a:ext cx="5181600" cy="2139869"/>
           </a:xfrm>
           <a:prstGeom prst="rect">
@@ -11644,7 +12929,7 @@
 </p:sld>
 </file>
 
-<file path=ppt/slides/slide26.xml><?xml version="1.0" encoding="utf-8"?>
+<file path=ppt/slides/slide28.xml><?xml version="1.0" encoding="utf-8"?>
 <p:sld xmlns:a="http://schemas.openxmlformats.org/drawingml/2006/main" xmlns:r="http://schemas.openxmlformats.org/officeDocument/2006/relationships" xmlns:p="http://schemas.openxmlformats.org/presentationml/2006/main">
   <p:cSld>
     <p:spTree>
@@ -11813,7 +13098,7 @@
               <a:rPr lang="fr-BE">
                 <a:sym typeface="Calibri"/>
               </a:rPr>
-              <a:t>13. Formulaires</a:t>
+              <a:t>13. Formulaires HTML</a:t>
             </a:r>
           </a:p>
         </p:txBody>
@@ -12096,7 +13381,7 @@
   <p:cSld>
     <p:spTree>
       <p:nvGrpSpPr>
-        <p:cNvPr id="1" name="Shape 43"/>
+        <p:cNvPr id="1" name=""/>
         <p:cNvGrpSpPr/>
         <p:nvPr/>
       </p:nvGrpSpPr>
@@ -12110,8 +13395,14 @@
       </p:grpSpPr>
       <p:sp>
         <p:nvSpPr>
-          <p:cNvPr id="44" name="Google Shape;44;p9"/>
-          <p:cNvSpPr txBox="1">
+          <p:cNvPr id="5" name="Titre 4">
+            <a:extLst>
+              <a:ext uri="{FF2B5EF4-FFF2-40B4-BE49-F238E27FC236}">
+                <a16:creationId xmlns:a16="http://schemas.microsoft.com/office/drawing/2014/main" id="{254A5A39-B674-EF53-040B-C0C074F19108}"/>
+              </a:ext>
+            </a:extLst>
+          </p:cNvPr>
+          <p:cNvSpPr>
             <a:spLocks noGrp="1"/>
           </p:cNvSpPr>
           <p:nvPr>
@@ -12124,83 +13415,268 @@
           <a:lstStyle/>
           <a:p>
             <a:r>
-              <a:rPr lang="fr-BE">
-                <a:sym typeface="Calibri"/>
-              </a:rPr>
-              <a:t>Objectifs des formulaires</a:t>
-            </a:r>
-          </a:p>
-        </p:txBody>
-      </p:sp>
-      <p:sp>
-        <p:nvSpPr>
-          <p:cNvPr id="45" name="Google Shape;45;p9"/>
-          <p:cNvSpPr txBox="1">
-            <a:spLocks noGrp="1"/>
-          </p:cNvSpPr>
+              <a:rPr lang="fr-BE"/>
+              <a:t>Single Page App. vs Multiple Page App.</a:t>
+            </a:r>
+          </a:p>
+        </p:txBody>
+      </p:sp>
+      <p:pic>
+        <p:nvPicPr>
+          <p:cNvPr id="1026" name="Picture 2" descr="SPA vs MPA user experience comparison - SPA is only updating the relevant parts of the page">
+            <a:extLst>
+              <a:ext uri="{FF2B5EF4-FFF2-40B4-BE49-F238E27FC236}">
+                <a16:creationId xmlns:a16="http://schemas.microsoft.com/office/drawing/2014/main" id="{8E2AACD6-13DF-EC45-3257-A94F0D9BEA01}"/>
+              </a:ext>
+            </a:extLst>
+          </p:cNvPr>
+          <p:cNvPicPr>
+            <a:picLocks noGrp="1" noChangeAspect="1" noChangeArrowheads="1"/>
+          </p:cNvPicPr>
           <p:nvPr>
             <p:ph idx="1"/>
           </p:nvPr>
-        </p:nvSpPr>
-        <p:spPr/>
-        <p:txBody>
-          <a:bodyPr>
-            <a:normAutofit/>
+        </p:nvPicPr>
+        <p:blipFill>
+          <a:blip r:embed="rId2" cstate="print">
+            <a:clrChange>
+              <a:clrFrom>
+                <a:srgbClr val="DFF0F0"/>
+              </a:clrFrom>
+              <a:clrTo>
+                <a:srgbClr val="DFF0F0">
+                  <a:alpha val="0"/>
+                </a:srgbClr>
+              </a:clrTo>
+            </a:clrChange>
+            <a:extLst>
+              <a:ext uri="{28A0092B-C50C-407E-A947-70E740481C1C}">
+                <a14:useLocalDpi xmlns:a14="http://schemas.microsoft.com/office/drawing/2010/main" val="0"/>
+              </a:ext>
+            </a:extLst>
+          </a:blip>
+          <a:stretch>
+            <a:fillRect/>
+          </a:stretch>
+        </p:blipFill>
+        <p:spPr bwMode="auto">
+          <a:xfrm>
+            <a:off x="2064593" y="1690688"/>
+            <a:ext cx="6345509" cy="4486275"/>
+          </a:xfrm>
+          <a:prstGeom prst="rect">
+            <a:avLst/>
+          </a:prstGeom>
+          <a:noFill/>
+          <a:extLst>
+            <a:ext uri="{909E8E84-426E-40DD-AFC4-6F175D3DCCD1}">
+              <a14:hiddenFill xmlns:a14="http://schemas.microsoft.com/office/drawing/2010/main">
+                <a:solidFill>
+                  <a:srgbClr val="FFFFFF"/>
+                </a:solidFill>
+              </a14:hiddenFill>
+            </a:ext>
+          </a:extLst>
+        </p:spPr>
+      </p:pic>
+      <p:sp>
+        <p:nvSpPr>
+          <p:cNvPr id="7" name="ZoneTexte 6">
+            <a:extLst>
+              <a:ext uri="{FF2B5EF4-FFF2-40B4-BE49-F238E27FC236}">
+                <a16:creationId xmlns:a16="http://schemas.microsoft.com/office/drawing/2014/main" id="{A63729AB-B542-54F9-0CA0-C38CE94C7DEA}"/>
+              </a:ext>
+            </a:extLst>
+          </p:cNvPr>
+          <p:cNvSpPr txBox="1"/>
+          <p:nvPr/>
+        </p:nvSpPr>
+        <p:spPr>
+          <a:xfrm>
+            <a:off x="9565858" y="2235175"/>
+            <a:ext cx="1622795" cy="523220"/>
+          </a:xfrm>
+          <a:prstGeom prst="rect">
+            <a:avLst/>
+          </a:prstGeom>
+          <a:noFill/>
+        </p:spPr>
+        <p:txBody>
+          <a:bodyPr wrap="square" rtlCol="0">
+            <a:spAutoFit/>
           </a:bodyPr>
           <a:lstStyle/>
           <a:p>
             <a:r>
-              <a:rPr lang="fr-BE">
-                <a:sym typeface="Calibri"/>
-              </a:rPr>
-              <a:t>La création d'un formulaire se fait via la balise </a:t>
-            </a:r>
-            <a:r>
-              <a:rPr lang="fr-BE" b="1">
+              <a:rPr lang="fr-BE" sz="2800">
                 <a:solidFill>
                   <a:schemeClr val="accent6">
                     <a:lumMod val="50000"/>
                   </a:schemeClr>
                 </a:solidFill>
-                <a:latin typeface="Courier New" panose="02070309020205020404" pitchFamily="49" charset="0"/>
-                <a:cs typeface="Courier New" panose="02070309020205020404" pitchFamily="49" charset="0"/>
-                <a:sym typeface="Courier New"/>
+                <a:latin typeface="Consolas" panose="020B0609020204030204" pitchFamily="49" charset="0"/>
               </a:rPr>
               <a:t>&lt;form&gt;</a:t>
             </a:r>
           </a:p>
+        </p:txBody>
+      </p:sp>
+      <p:sp>
+        <p:nvSpPr>
+          <p:cNvPr id="8" name="ZoneTexte 7">
+            <a:extLst>
+              <a:ext uri="{FF2B5EF4-FFF2-40B4-BE49-F238E27FC236}">
+                <a16:creationId xmlns:a16="http://schemas.microsoft.com/office/drawing/2014/main" id="{C6CD49B6-9686-BA3C-E252-B090D501E3ED}"/>
+              </a:ext>
+            </a:extLst>
+          </p:cNvPr>
+          <p:cNvSpPr txBox="1"/>
+          <p:nvPr/>
+        </p:nvSpPr>
+        <p:spPr>
+          <a:xfrm>
+            <a:off x="431988" y="3933825"/>
+            <a:ext cx="1937646" cy="523220"/>
+          </a:xfrm>
+          <a:prstGeom prst="rect">
+            <a:avLst/>
+          </a:prstGeom>
+          <a:noFill/>
+        </p:spPr>
+        <p:txBody>
+          <a:bodyPr wrap="square" rtlCol="0">
+            <a:spAutoFit/>
+          </a:bodyPr>
+          <a:lstStyle/>
+          <a:p>
+            <a:r>
+              <a:rPr lang="fr-BE" sz="2800">
+                <a:solidFill>
+                  <a:schemeClr val="accent6">
+                    <a:lumMod val="50000"/>
+                  </a:schemeClr>
+                </a:solidFill>
+                <a:latin typeface="Consolas" panose="020B0609020204030204" pitchFamily="49" charset="0"/>
+              </a:rPr>
+              <a:t>$.ajax()</a:t>
+            </a:r>
+          </a:p>
+        </p:txBody>
+      </p:sp>
+      <p:sp>
+        <p:nvSpPr>
+          <p:cNvPr id="9" name="ZoneTexte 8">
+            <a:extLst>
+              <a:ext uri="{FF2B5EF4-FFF2-40B4-BE49-F238E27FC236}">
+                <a16:creationId xmlns:a16="http://schemas.microsoft.com/office/drawing/2014/main" id="{A760C94B-9822-6519-593A-334C3BAA6F05}"/>
+              </a:ext>
+            </a:extLst>
+          </p:cNvPr>
+          <p:cNvSpPr txBox="1"/>
+          <p:nvPr/>
+        </p:nvSpPr>
+        <p:spPr>
+          <a:xfrm>
+            <a:off x="256478" y="4661212"/>
+            <a:ext cx="4226312" cy="1569660"/>
+          </a:xfrm>
+          <a:prstGeom prst="rect">
+            <a:avLst/>
+          </a:prstGeom>
+          <a:noFill/>
+        </p:spPr>
+        <p:txBody>
+          <a:bodyPr wrap="square" rtlCol="0">
+            <a:spAutoFit/>
+          </a:bodyPr>
+          <a:lstStyle/>
           <a:p>
             <a:r>
               <a:rPr lang="fr-BE">
-                <a:sym typeface="Calibri"/>
-              </a:rPr>
-              <a:t>Les formulaires sont utilisés pour récolter des informations des utilisateurs.</a:t>
-            </a:r>
-          </a:p>
+                <a:solidFill>
+                  <a:schemeClr val="accent2"/>
+                </a:solidFill>
+              </a:rPr>
+              <a:t>SPA</a:t>
+            </a:r>
+          </a:p>
+          <a:p>
+            <a:pPr marL="342900" indent="-342900">
+              <a:buFont typeface="Arial" panose="020B0604020202020204" pitchFamily="34" charset="0"/>
+              <a:buChar char="•"/>
+            </a:pPr>
+            <a:r>
+              <a:rPr lang="fr-BE"/>
+              <a:t>une seule page HTML</a:t>
+            </a:r>
+          </a:p>
+          <a:p>
+            <a:pPr marL="342900" indent="-342900">
+              <a:buFont typeface="Arial" panose="020B0604020202020204" pitchFamily="34" charset="0"/>
+              <a:buChar char="•"/>
+            </a:pPr>
+            <a:r>
+              <a:rPr lang="fr-BE"/>
+              <a:t>seules les parties pertinentes sont modifiées </a:t>
+            </a:r>
+          </a:p>
+        </p:txBody>
+      </p:sp>
+      <p:sp>
+        <p:nvSpPr>
+          <p:cNvPr id="10" name="ZoneTexte 9">
+            <a:extLst>
+              <a:ext uri="{FF2B5EF4-FFF2-40B4-BE49-F238E27FC236}">
+                <a16:creationId xmlns:a16="http://schemas.microsoft.com/office/drawing/2014/main" id="{DF449FF9-E953-FDDA-36C8-90AF0FF5ED65}"/>
+              </a:ext>
+            </a:extLst>
+          </p:cNvPr>
+          <p:cNvSpPr txBox="1"/>
+          <p:nvPr/>
+        </p:nvSpPr>
+        <p:spPr>
+          <a:xfrm>
+            <a:off x="8688893" y="2771520"/>
+            <a:ext cx="3376727" cy="1569660"/>
+          </a:xfrm>
+          <a:prstGeom prst="rect">
+            <a:avLst/>
+          </a:prstGeom>
+          <a:noFill/>
+        </p:spPr>
+        <p:txBody>
+          <a:bodyPr wrap="square" rtlCol="0">
+            <a:spAutoFit/>
+          </a:bodyPr>
+          <a:lstStyle/>
           <a:p>
             <a:r>
               <a:rPr lang="fr-BE">
-                <a:sym typeface="Calibri"/>
-              </a:rPr>
-              <a:t>Deux problèmes:</a:t>
-            </a:r>
-          </a:p>
-          <a:p>
-            <a:pPr lvl="1"/>
-            <a:r>
-              <a:rPr lang="fr-BE">
-                <a:sym typeface="Calibri"/>
-              </a:rPr>
-              <a:t>Comment envoyer les données au serveur ?</a:t>
-            </a:r>
-          </a:p>
-          <a:p>
-            <a:pPr lvl="1"/>
-            <a:r>
-              <a:rPr lang="fr-BE">
-                <a:sym typeface="Calibri"/>
-              </a:rPr>
-              <a:t>Comment le serveur traite-t-il les données reçues?</a:t>
+                <a:solidFill>
+                  <a:schemeClr val="accent2"/>
+                </a:solidFill>
+              </a:rPr>
+              <a:t>MPA</a:t>
+            </a:r>
+          </a:p>
+          <a:p>
+            <a:pPr marL="342900" indent="-342900">
+              <a:buFont typeface="Arial" panose="020B0604020202020204" pitchFamily="34" charset="0"/>
+              <a:buChar char="•"/>
+            </a:pPr>
+            <a:r>
+              <a:rPr lang="fr-BE"/>
+              <a:t>plusieurs pages HTML</a:t>
+            </a:r>
+          </a:p>
+          <a:p>
+            <a:pPr marL="342900" indent="-342900">
+              <a:buFont typeface="Arial" panose="020B0604020202020204" pitchFamily="34" charset="0"/>
+              <a:buChar char="•"/>
+            </a:pPr>
+            <a:r>
+              <a:rPr lang="fr-BE"/>
+              <a:t>page entièrement rechargée</a:t>
             </a:r>
           </a:p>
         </p:txBody>
@@ -12208,7 +13684,7 @@
     </p:spTree>
     <p:extLst>
       <p:ext uri="{BB962C8B-B14F-4D97-AF65-F5344CB8AC3E}">
-        <p14:creationId xmlns:p14="http://schemas.microsoft.com/office/powerpoint/2010/main" val="2817179324"/>
+        <p14:creationId xmlns:p14="http://schemas.microsoft.com/office/powerpoint/2010/main" val="642635547"/>
       </p:ext>
     </p:extLst>
   </p:cSld>
@@ -12235,7 +13711,7 @@
   <p:cSld>
     <p:spTree>
       <p:nvGrpSpPr>
-        <p:cNvPr id="1" name="Shape 49"/>
+        <p:cNvPr id="1" name=""/>
         <p:cNvGrpSpPr/>
         <p:nvPr/>
       </p:nvGrpSpPr>
@@ -12249,8 +13725,14 @@
       </p:grpSpPr>
       <p:sp>
         <p:nvSpPr>
-          <p:cNvPr id="50" name="Google Shape;50;p10"/>
-          <p:cNvSpPr txBox="1">
+          <p:cNvPr id="5" name="Titre 4">
+            <a:extLst>
+              <a:ext uri="{FF2B5EF4-FFF2-40B4-BE49-F238E27FC236}">
+                <a16:creationId xmlns:a16="http://schemas.microsoft.com/office/drawing/2014/main" id="{60567DB5-40A3-D689-2A49-2F35E1661C1E}"/>
+              </a:ext>
+            </a:extLst>
+          </p:cNvPr>
+          <p:cNvSpPr>
             <a:spLocks noGrp="1"/>
           </p:cNvSpPr>
           <p:nvPr>
@@ -12263,387 +13745,212 @@
           <a:lstStyle/>
           <a:p>
             <a:r>
-              <a:rPr lang="fr-BE">
-                <a:sym typeface="Calibri"/>
-              </a:rPr>
-              <a:t>Comment faire transiter les données?</a:t>
-            </a:r>
-          </a:p>
-        </p:txBody>
-      </p:sp>
-      <p:sp>
-        <p:nvSpPr>
-          <p:cNvPr id="51" name="Google Shape;51;p10"/>
-          <p:cNvSpPr txBox="1">
-            <a:spLocks noGrp="1"/>
-          </p:cNvSpPr>
-          <p:nvPr>
-            <p:ph idx="1"/>
+              <a:rPr lang="fr-BE"/>
+              <a:t>MPA vs SPA, use cases</a:t>
+            </a:r>
+          </a:p>
+        </p:txBody>
+      </p:sp>
+      <p:sp>
+        <p:nvSpPr>
+          <p:cNvPr id="7" name="Espace réservé du texte 6">
+            <a:extLst>
+              <a:ext uri="{FF2B5EF4-FFF2-40B4-BE49-F238E27FC236}">
+                <a16:creationId xmlns:a16="http://schemas.microsoft.com/office/drawing/2014/main" id="{037A0327-C066-39FA-3EB7-0985D48AFB6E}"/>
+              </a:ext>
+            </a:extLst>
+          </p:cNvPr>
+          <p:cNvSpPr>
+            <a:spLocks noGrp="1"/>
+          </p:cNvSpPr>
+          <p:nvPr>
+            <p:ph type="body" idx="1"/>
           </p:nvPr>
         </p:nvSpPr>
         <p:spPr/>
         <p:txBody>
           <a:bodyPr>
-            <a:normAutofit fontScale="92500" lnSpcReduction="20000"/>
+            <a:normAutofit/>
           </a:bodyPr>
           <a:lstStyle/>
           <a:p>
             <a:r>
-              <a:rPr lang="fr-BE">
-                <a:sym typeface="Calibri"/>
-              </a:rPr>
-              <a:t>Deux méthodes :</a:t>
-            </a:r>
-          </a:p>
-          <a:p>
-            <a:pPr lvl="1"/>
-            <a:r>
-              <a:rPr lang="fr-BE">
+              <a:rPr lang="fr-BE" sz="3200">
                 <a:solidFill>
                   <a:schemeClr val="accent2"/>
                 </a:solidFill>
-                <a:sym typeface="Calibri"/>
-              </a:rPr>
-              <a:t>GET</a:t>
-            </a:r>
-            <a:r>
-              <a:rPr lang="fr-BE">
-                <a:sym typeface="Calibri"/>
-              </a:rPr>
-              <a:t>: envoie les données dans l'URL de la page</a:t>
-            </a:r>
-          </a:p>
-          <a:p>
-            <a:pPr lvl="2"/>
-            <a:r>
-              <a:rPr lang="fr-BE">
-                <a:sym typeface="Courier New"/>
-              </a:rPr>
-              <a:t>https://www.google.com/search ? </a:t>
-            </a:r>
-            <a:r>
-              <a:rPr lang="fr-BE">
+              </a:rPr>
+              <a:t>MPA</a:t>
+            </a:r>
+          </a:p>
+        </p:txBody>
+      </p:sp>
+      <p:sp>
+        <p:nvSpPr>
+          <p:cNvPr id="6" name="Espace réservé du contenu 5">
+            <a:extLst>
+              <a:ext uri="{FF2B5EF4-FFF2-40B4-BE49-F238E27FC236}">
+                <a16:creationId xmlns:a16="http://schemas.microsoft.com/office/drawing/2014/main" id="{4A1F8FF8-6C56-04E4-42D5-78D0BA8E4142}"/>
+              </a:ext>
+            </a:extLst>
+          </p:cNvPr>
+          <p:cNvSpPr>
+            <a:spLocks noGrp="1"/>
+          </p:cNvSpPr>
+          <p:nvPr>
+            <p:ph sz="half" idx="2"/>
+          </p:nvPr>
+        </p:nvSpPr>
+        <p:spPr/>
+        <p:txBody>
+          <a:bodyPr>
+            <a:normAutofit/>
+          </a:bodyPr>
+          <a:lstStyle/>
+          <a:p>
+            <a:r>
+              <a:rPr lang="fr-BE"/>
+              <a:t>app statique</a:t>
+            </a:r>
+          </a:p>
+          <a:p>
+            <a:r>
+              <a:rPr lang="fr-BE"/>
+              <a:t>services B2B</a:t>
+            </a:r>
+          </a:p>
+          <a:p>
+            <a:r>
+              <a:rPr lang="fr-BE"/>
+              <a:t>e-commerce</a:t>
+            </a:r>
+          </a:p>
+        </p:txBody>
+      </p:sp>
+      <p:sp>
+        <p:nvSpPr>
+          <p:cNvPr id="8" name="Espace réservé du texte 7">
+            <a:extLst>
+              <a:ext uri="{FF2B5EF4-FFF2-40B4-BE49-F238E27FC236}">
+                <a16:creationId xmlns:a16="http://schemas.microsoft.com/office/drawing/2014/main" id="{BC14CB71-9959-51E0-732D-43C5077BED5E}"/>
+              </a:ext>
+            </a:extLst>
+          </p:cNvPr>
+          <p:cNvSpPr>
+            <a:spLocks noGrp="1"/>
+          </p:cNvSpPr>
+          <p:nvPr>
+            <p:ph type="body" sz="quarter" idx="3"/>
+          </p:nvPr>
+        </p:nvSpPr>
+        <p:spPr/>
+        <p:txBody>
+          <a:bodyPr vert="horz" lIns="91440" tIns="45720" rIns="91440" bIns="45720" rtlCol="0" anchor="b">
+            <a:normAutofit/>
+          </a:bodyPr>
+          <a:lstStyle/>
+          <a:p>
+            <a:r>
+              <a:rPr lang="fr-BE" sz="3200">
                 <a:solidFill>
                   <a:schemeClr val="accent2"/>
                 </a:solidFill>
-                <a:sym typeface="Courier New"/>
-              </a:rPr>
-              <a:t>q=</a:t>
-            </a:r>
-            <a:r>
-              <a:rPr lang="fr-BE" err="1">
-                <a:solidFill>
-                  <a:schemeClr val="accent2"/>
-                </a:solidFill>
-                <a:sym typeface="Courier New"/>
-              </a:rPr>
-              <a:t>developpement+photo</a:t>
-            </a:r>
-            <a:endParaRPr lang="fr-BE">
-              <a:solidFill>
-                <a:schemeClr val="accent2"/>
-              </a:solidFill>
-              <a:sym typeface="Courier New"/>
-            </a:endParaRPr>
-          </a:p>
-          <a:p>
-            <a:pPr lvl="2"/>
-            <a:r>
-              <a:rPr lang="fr-BE">
-                <a:sym typeface="Calibri"/>
-              </a:rPr>
-              <a:t>Limité à 255 caractères</a:t>
-            </a:r>
-          </a:p>
-          <a:p>
-            <a:pPr lvl="2"/>
-            <a:r>
-              <a:rPr lang="fr-BE">
-                <a:sym typeface="Calibri"/>
-              </a:rPr>
-              <a:t>Paramètres visibles</a:t>
-            </a:r>
-          </a:p>
-          <a:p>
-            <a:pPr lvl="1"/>
-            <a:r>
-              <a:rPr lang="fr-BE">
-                <a:solidFill>
-                  <a:schemeClr val="accent2"/>
-                </a:solidFill>
-                <a:sym typeface="Calibri"/>
-              </a:rPr>
-              <a:t>POST</a:t>
-            </a:r>
-            <a:r>
-              <a:rPr lang="fr-BE">
-                <a:sym typeface="Calibri"/>
-              </a:rPr>
-              <a:t>: envoie les données via la requête HTTP</a:t>
-            </a:r>
-          </a:p>
-          <a:p>
-            <a:pPr lvl="2"/>
-            <a:r>
-              <a:rPr lang="fr-BE">
-                <a:sym typeface="Calibri"/>
-              </a:rPr>
-              <a:t>Permet de faire transiter un plus gros nombre de caractères</a:t>
-            </a:r>
-          </a:p>
-          <a:p>
-            <a:pPr lvl="2"/>
-            <a:r>
-              <a:rPr lang="fr-BE">
-                <a:sym typeface="Calibri"/>
-              </a:rPr>
-              <a:t>Paramètres invisibles</a:t>
-            </a:r>
-          </a:p>
-          <a:p>
-            <a:r>
-              <a:rPr lang="fr-BE">
-                <a:sym typeface="Calibri"/>
-              </a:rPr>
-              <a:t>Défini avec l'attribut "</a:t>
-            </a:r>
-            <a:r>
-              <a:rPr lang="fr-BE" b="1" err="1">
-                <a:solidFill>
-                  <a:schemeClr val="accent6">
-                    <a:lumMod val="50000"/>
-                  </a:schemeClr>
-                </a:solidFill>
-                <a:latin typeface="Courier New" panose="02070309020205020404" pitchFamily="49" charset="0"/>
-                <a:cs typeface="Courier New" panose="02070309020205020404" pitchFamily="49" charset="0"/>
-                <a:sym typeface="Courier New"/>
-              </a:rPr>
-              <a:t>method</a:t>
-            </a:r>
-            <a:r>
-              <a:rPr lang="fr-BE">
-                <a:sym typeface="Courier New"/>
-              </a:rPr>
-              <a:t>"</a:t>
-            </a:r>
-            <a:r>
-              <a:rPr lang="fr-BE">
-                <a:sym typeface="Calibri"/>
-              </a:rPr>
-              <a:t> de la balise </a:t>
-            </a:r>
-            <a:r>
-              <a:rPr lang="fr-BE" b="1">
-                <a:solidFill>
-                  <a:schemeClr val="accent6">
-                    <a:lumMod val="50000"/>
-                  </a:schemeClr>
-                </a:solidFill>
-                <a:latin typeface="Courier New" panose="02070309020205020404" pitchFamily="49" charset="0"/>
-                <a:cs typeface="Courier New" panose="02070309020205020404" pitchFamily="49" charset="0"/>
-                <a:sym typeface="Calibri"/>
-              </a:rPr>
-              <a:t>&lt;</a:t>
-            </a:r>
-            <a:r>
-              <a:rPr lang="fr-BE" b="1" err="1">
-                <a:solidFill>
-                  <a:schemeClr val="accent6">
-                    <a:lumMod val="50000"/>
-                  </a:schemeClr>
-                </a:solidFill>
-                <a:latin typeface="Courier New" panose="02070309020205020404" pitchFamily="49" charset="0"/>
-                <a:cs typeface="Courier New" panose="02070309020205020404" pitchFamily="49" charset="0"/>
-                <a:sym typeface="Calibri"/>
-              </a:rPr>
-              <a:t>form</a:t>
-            </a:r>
-            <a:r>
-              <a:rPr lang="fr-BE" b="1">
-                <a:solidFill>
-                  <a:schemeClr val="accent6">
-                    <a:lumMod val="50000"/>
-                  </a:schemeClr>
-                </a:solidFill>
-                <a:latin typeface="Courier New" panose="02070309020205020404" pitchFamily="49" charset="0"/>
-                <a:cs typeface="Courier New" panose="02070309020205020404" pitchFamily="49" charset="0"/>
-                <a:sym typeface="Calibri"/>
-              </a:rPr>
-              <a:t>&gt;</a:t>
-            </a:r>
-          </a:p>
-          <a:p>
-            <a:pPr marL="457189" lvl="1" indent="0">
-              <a:buNone/>
-            </a:pPr>
-            <a:r>
-              <a:rPr lang="fr-BE" sz="2800" b="1">
-                <a:solidFill>
-                  <a:schemeClr val="accent6">
-                    <a:lumMod val="50000"/>
-                  </a:schemeClr>
-                </a:solidFill>
-                <a:latin typeface="Courier New" panose="02070309020205020404" pitchFamily="49" charset="0"/>
-                <a:cs typeface="Courier New" panose="02070309020205020404" pitchFamily="49" charset="0"/>
-                <a:sym typeface="Calibri"/>
-              </a:rPr>
-              <a:t>&lt;</a:t>
-            </a:r>
-            <a:r>
-              <a:rPr lang="fr-BE" sz="2800" b="1" err="1">
-                <a:solidFill>
-                  <a:schemeClr val="accent6">
-                    <a:lumMod val="50000"/>
-                  </a:schemeClr>
-                </a:solidFill>
-                <a:latin typeface="Courier New" panose="02070309020205020404" pitchFamily="49" charset="0"/>
-                <a:cs typeface="Courier New" panose="02070309020205020404" pitchFamily="49" charset="0"/>
-                <a:sym typeface="Calibri"/>
-              </a:rPr>
-              <a:t>form</a:t>
-            </a:r>
-            <a:r>
-              <a:rPr lang="fr-BE" sz="2800" b="1">
-                <a:solidFill>
-                  <a:schemeClr val="accent6">
-                    <a:lumMod val="50000"/>
-                  </a:schemeClr>
-                </a:solidFill>
-                <a:latin typeface="Courier New" panose="02070309020205020404" pitchFamily="49" charset="0"/>
-                <a:cs typeface="Courier New" panose="02070309020205020404" pitchFamily="49" charset="0"/>
-                <a:sym typeface="Calibri"/>
-              </a:rPr>
-              <a:t> </a:t>
-            </a:r>
-            <a:r>
-              <a:rPr lang="fr-BE" sz="2800" b="1" err="1">
-                <a:solidFill>
-                  <a:schemeClr val="accent6">
-                    <a:lumMod val="50000"/>
-                  </a:schemeClr>
-                </a:solidFill>
-                <a:latin typeface="Courier New" panose="02070309020205020404" pitchFamily="49" charset="0"/>
-                <a:cs typeface="Courier New" panose="02070309020205020404" pitchFamily="49" charset="0"/>
-                <a:sym typeface="Courier New"/>
-              </a:rPr>
-              <a:t>method</a:t>
-            </a:r>
-            <a:r>
-              <a:rPr lang="fr-BE" sz="2800" b="1">
-                <a:solidFill>
-                  <a:schemeClr val="accent6">
-                    <a:lumMod val="50000"/>
-                  </a:schemeClr>
-                </a:solidFill>
-                <a:latin typeface="Courier New" panose="02070309020205020404" pitchFamily="49" charset="0"/>
-                <a:cs typeface="Courier New" panose="02070309020205020404" pitchFamily="49" charset="0"/>
-                <a:sym typeface="Courier New"/>
-              </a:rPr>
-              <a:t>="</a:t>
-            </a:r>
-            <a:r>
-              <a:rPr lang="fr-BE" sz="2800" b="1" err="1">
-                <a:solidFill>
-                  <a:schemeClr val="accent6">
-                    <a:lumMod val="50000"/>
-                  </a:schemeClr>
-                </a:solidFill>
-                <a:latin typeface="Courier New" panose="02070309020205020404" pitchFamily="49" charset="0"/>
-                <a:cs typeface="Courier New" panose="02070309020205020404" pitchFamily="49" charset="0"/>
-                <a:sym typeface="Courier New"/>
-              </a:rPr>
-              <a:t>get</a:t>
-            </a:r>
-            <a:r>
-              <a:rPr lang="fr-BE" sz="2800" b="1">
-                <a:solidFill>
-                  <a:schemeClr val="accent6">
-                    <a:lumMod val="50000"/>
-                  </a:schemeClr>
-                </a:solidFill>
-                <a:latin typeface="Courier New" panose="02070309020205020404" pitchFamily="49" charset="0"/>
-                <a:cs typeface="Courier New" panose="02070309020205020404" pitchFamily="49" charset="0"/>
-                <a:sym typeface="Courier New"/>
-              </a:rPr>
-              <a:t>" …</a:t>
-            </a:r>
-          </a:p>
-          <a:p>
-            <a:pPr marL="457189" lvl="1" indent="0">
-              <a:buNone/>
-            </a:pPr>
-            <a:r>
-              <a:rPr lang="fr-BE" sz="2800" b="1">
-                <a:solidFill>
-                  <a:schemeClr val="accent6">
-                    <a:lumMod val="50000"/>
-                  </a:schemeClr>
-                </a:solidFill>
-                <a:latin typeface="Courier New" panose="02070309020205020404" pitchFamily="49" charset="0"/>
-                <a:cs typeface="Courier New" panose="02070309020205020404" pitchFamily="49" charset="0"/>
-                <a:sym typeface="Calibri"/>
-              </a:rPr>
-              <a:t>&lt;</a:t>
-            </a:r>
-            <a:r>
-              <a:rPr lang="fr-BE" sz="2800" b="1" err="1">
-                <a:solidFill>
-                  <a:schemeClr val="accent6">
-                    <a:lumMod val="50000"/>
-                  </a:schemeClr>
-                </a:solidFill>
-                <a:latin typeface="Courier New" panose="02070309020205020404" pitchFamily="49" charset="0"/>
-                <a:cs typeface="Courier New" panose="02070309020205020404" pitchFamily="49" charset="0"/>
-                <a:sym typeface="Calibri"/>
-              </a:rPr>
-              <a:t>form</a:t>
-            </a:r>
-            <a:r>
-              <a:rPr lang="fr-BE" sz="2800" b="1">
-                <a:solidFill>
-                  <a:schemeClr val="accent6">
-                    <a:lumMod val="50000"/>
-                  </a:schemeClr>
-                </a:solidFill>
-                <a:latin typeface="Courier New" panose="02070309020205020404" pitchFamily="49" charset="0"/>
-                <a:cs typeface="Courier New" panose="02070309020205020404" pitchFamily="49" charset="0"/>
-                <a:sym typeface="Calibri"/>
-              </a:rPr>
-              <a:t> </a:t>
-            </a:r>
-            <a:r>
-              <a:rPr lang="fr-BE" sz="2800" b="1" err="1">
-                <a:solidFill>
-                  <a:schemeClr val="accent6">
-                    <a:lumMod val="50000"/>
-                  </a:schemeClr>
-                </a:solidFill>
-                <a:latin typeface="Courier New" panose="02070309020205020404" pitchFamily="49" charset="0"/>
-                <a:cs typeface="Courier New" panose="02070309020205020404" pitchFamily="49" charset="0"/>
-                <a:sym typeface="Courier New"/>
-              </a:rPr>
-              <a:t>method</a:t>
-            </a:r>
-            <a:r>
-              <a:rPr lang="fr-BE" sz="2800" b="1">
-                <a:solidFill>
-                  <a:schemeClr val="accent6">
-                    <a:lumMod val="50000"/>
-                  </a:schemeClr>
-                </a:solidFill>
-                <a:latin typeface="Courier New" panose="02070309020205020404" pitchFamily="49" charset="0"/>
-                <a:cs typeface="Courier New" panose="02070309020205020404" pitchFamily="49" charset="0"/>
-                <a:sym typeface="Courier New"/>
-              </a:rPr>
-              <a:t>="post" …</a:t>
-            </a:r>
+              </a:rPr>
+              <a:t>SPA</a:t>
+            </a:r>
+          </a:p>
+        </p:txBody>
+      </p:sp>
+      <p:sp>
+        <p:nvSpPr>
+          <p:cNvPr id="9" name="Espace réservé du contenu 8">
+            <a:extLst>
+              <a:ext uri="{FF2B5EF4-FFF2-40B4-BE49-F238E27FC236}">
+                <a16:creationId xmlns:a16="http://schemas.microsoft.com/office/drawing/2014/main" id="{EB175BB3-32CE-C415-3536-9E3113A203F5}"/>
+              </a:ext>
+            </a:extLst>
+          </p:cNvPr>
+          <p:cNvSpPr>
+            <a:spLocks noGrp="1"/>
+          </p:cNvSpPr>
+          <p:nvPr>
+            <p:ph sz="quarter" idx="4"/>
+          </p:nvPr>
+        </p:nvSpPr>
+        <p:spPr/>
+        <p:txBody>
+          <a:bodyPr>
+            <a:normAutofit/>
+          </a:bodyPr>
+          <a:lstStyle/>
+          <a:p>
+            <a:r>
+              <a:rPr lang="fr-BE"/>
+              <a:t>app dynamique</a:t>
+            </a:r>
+          </a:p>
+          <a:p>
+            <a:r>
+              <a:rPr lang="fr-BE"/>
+              <a:t>social networks</a:t>
+            </a:r>
+          </a:p>
+          <a:p>
+            <a:r>
+              <a:rPr lang="fr-BE"/>
+              <a:t>streaming services</a:t>
+            </a:r>
+          </a:p>
+          <a:p>
+            <a:r>
+              <a:rPr lang="fr-BE"/>
+              <a:t>real-time location services</a:t>
+            </a:r>
+          </a:p>
+        </p:txBody>
+      </p:sp>
+      <p:sp>
+        <p:nvSpPr>
+          <p:cNvPr id="10" name="ZoneTexte 9">
+            <a:extLst>
+              <a:ext uri="{FF2B5EF4-FFF2-40B4-BE49-F238E27FC236}">
+                <a16:creationId xmlns:a16="http://schemas.microsoft.com/office/drawing/2014/main" id="{12506C64-A250-8371-EEAC-00B2AADD7EEE}"/>
+              </a:ext>
+            </a:extLst>
+          </p:cNvPr>
+          <p:cNvSpPr txBox="1"/>
+          <p:nvPr/>
+        </p:nvSpPr>
+        <p:spPr>
+          <a:xfrm>
+            <a:off x="4626692" y="5666443"/>
+            <a:ext cx="3802566" cy="523220"/>
+          </a:xfrm>
+          <a:prstGeom prst="rect">
+            <a:avLst/>
+          </a:prstGeom>
+          <a:noFill/>
+        </p:spPr>
+        <p:txBody>
+          <a:bodyPr wrap="square" rtlCol="0">
+            <a:spAutoFit/>
+          </a:bodyPr>
+          <a:lstStyle/>
+          <a:p>
+            <a:r>
+              <a:rPr lang="fr-BE" sz="2800">
+                <a:hlinkClick r:id="rId2"/>
+              </a:rPr>
+              <a:t>discussion sur Reddit </a:t>
+            </a:r>
+            <a:endParaRPr lang="fr-BE" sz="2800"/>
           </a:p>
         </p:txBody>
       </p:sp>
     </p:spTree>
     <p:extLst>
       <p:ext uri="{BB962C8B-B14F-4D97-AF65-F5344CB8AC3E}">
-        <p14:creationId xmlns:p14="http://schemas.microsoft.com/office/powerpoint/2010/main" val="1761849454"/>
+        <p14:creationId xmlns:p14="http://schemas.microsoft.com/office/powerpoint/2010/main" val="2145867279"/>
       </p:ext>
     </p:extLst>
   </p:cSld>
@@ -12670,7 +13977,7 @@
   <p:cSld>
     <p:spTree>
       <p:nvGrpSpPr>
-        <p:cNvPr id="1" name="Shape 55"/>
+        <p:cNvPr id="1" name="Shape 43"/>
         <p:cNvGrpSpPr/>
         <p:nvPr/>
       </p:nvGrpSpPr>
@@ -12684,7 +13991,7 @@
       </p:grpSpPr>
       <p:sp>
         <p:nvSpPr>
-          <p:cNvPr id="56" name="Google Shape;56;p11"/>
+          <p:cNvPr id="44" name="Google Shape;44;p9"/>
           <p:cNvSpPr txBox="1">
             <a:spLocks noGrp="1"/>
           </p:cNvSpPr>
@@ -12701,14 +14008,14 @@
               <a:rPr lang="fr-BE">
                 <a:sym typeface="Calibri"/>
               </a:rPr>
-              <a:t>Comment traiter les données?</a:t>
-            </a:r>
-          </a:p>
-        </p:txBody>
-      </p:sp>
-      <p:sp>
-        <p:nvSpPr>
-          <p:cNvPr id="57" name="Google Shape;57;p11"/>
+              <a:t>Objectifs des formulaires</a:t>
+            </a:r>
+          </a:p>
+        </p:txBody>
+      </p:sp>
+      <p:sp>
+        <p:nvSpPr>
+          <p:cNvPr id="45" name="Google Shape;45;p9"/>
           <p:cNvSpPr txBox="1">
             <a:spLocks noGrp="1"/>
           </p:cNvSpPr>
@@ -12718,74 +14025,92 @@
         </p:nvSpPr>
         <p:spPr/>
         <p:txBody>
-          <a:bodyPr/>
+          <a:bodyPr>
+            <a:normAutofit fontScale="92500" lnSpcReduction="10000"/>
+          </a:bodyPr>
           <a:lstStyle/>
           <a:p>
+            <a:r>
+              <a:rPr lang="fr-BE">
+                <a:sym typeface="Courier New"/>
+              </a:rPr>
+              <a:t>Approche MPA </a:t>
+            </a:r>
+          </a:p>
+          <a:p>
+            <a:pPr lvl="1"/>
             <a:r>
               <a:rPr lang="fr-BE">
                 <a:sym typeface="Calibri"/>
               </a:rPr>
-              <a:t>Il faut envoyer la requête contenant les données du formulaire (via GET ou POST) à un </a:t>
-            </a:r>
+              <a:t>création d'un formulaire via la balise </a:t>
+            </a:r>
+            <a:r>
+              <a:rPr lang="fr-BE" b="1">
+                <a:solidFill>
+                  <a:schemeClr val="accent6">
+                    <a:lumMod val="50000"/>
+                  </a:schemeClr>
+                </a:solidFill>
+                <a:latin typeface="Courier New" panose="02070309020205020404" pitchFamily="49" charset="0"/>
+                <a:cs typeface="Courier New" panose="02070309020205020404" pitchFamily="49" charset="0"/>
+                <a:sym typeface="Courier New"/>
+              </a:rPr>
+              <a:t>&lt;form&gt;</a:t>
+            </a:r>
+          </a:p>
+          <a:p>
             <a:r>
               <a:rPr lang="fr-BE">
-                <a:solidFill>
-                  <a:schemeClr val="accent2"/>
-                </a:solidFill>
-                <a:sym typeface="Calibri"/>
-              </a:rPr>
-              <a:t>script</a:t>
-            </a:r>
+                <a:sym typeface="Courier New"/>
+              </a:rPr>
+              <a:t>Approche SPA</a:t>
+            </a:r>
+          </a:p>
+          <a:p>
+            <a:pPr lvl="1"/>
             <a:r>
               <a:rPr lang="fr-BE">
                 <a:sym typeface="Calibri"/>
               </a:rPr>
-              <a:t> qui pourra les traiter (ex. page contenant du PHP)</a:t>
-            </a:r>
+              <a:t>création d'un formulaire muni de requêtes AJAX</a:t>
+            </a:r>
+            <a:endParaRPr lang="fr-BE">
+              <a:sym typeface="Courier New"/>
+            </a:endParaRPr>
           </a:p>
           <a:p>
             <a:r>
               <a:rPr lang="fr-BE">
                 <a:sym typeface="Calibri"/>
               </a:rPr>
-              <a:t>Défini avec l'attribut </a:t>
-            </a:r>
+              <a:t>Les formulaires sont utilisés pour récolter des informations des utilisateurs.</a:t>
+            </a:r>
+          </a:p>
+          <a:p>
             <a:r>
               <a:rPr lang="fr-BE">
-                <a:sym typeface="Courier New"/>
-              </a:rPr>
-              <a:t>action</a:t>
-            </a:r>
-          </a:p>
-          <a:p>
-            <a:pPr marL="457189" lvl="1" indent="0">
-              <a:buNone/>
-            </a:pPr>
-            <a:r>
-              <a:rPr lang="fr-BE" sz="2800" b="1">
-                <a:solidFill>
-                  <a:schemeClr val="accent6">
-                    <a:lumMod val="50000"/>
-                  </a:schemeClr>
-                </a:solidFill>
-                <a:latin typeface="Courier New" panose="02070309020205020404" pitchFamily="49" charset="0"/>
-                <a:cs typeface="Courier New" panose="02070309020205020404" pitchFamily="49" charset="0"/>
                 <a:sym typeface="Calibri"/>
               </a:rPr>
-              <a:t>&lt;form </a:t>
-            </a:r>
-            <a:r>
-              <a:rPr lang="fr-BE" sz="2800" b="1">
-                <a:solidFill>
-                  <a:schemeClr val="accent6">
-                    <a:lumMod val="50000"/>
-                  </a:schemeClr>
-                </a:solidFill>
-                <a:latin typeface="Courier New" panose="02070309020205020404" pitchFamily="49" charset="0"/>
-                <a:cs typeface="Courier New" panose="02070309020205020404" pitchFamily="49" charset="0"/>
-                <a:sym typeface="Courier New"/>
-              </a:rPr>
-              <a:t>method="get" action="./register.php" …</a:t>
+              <a:t>Deux problèmes:</a:t>
+            </a:r>
+          </a:p>
+          <a:p>
+            <a:pPr lvl="1"/>
+            <a:r>
+              <a:rPr lang="fr-BE">
+                <a:sym typeface="Calibri"/>
+              </a:rPr>
+              <a:t>Comment envoyer les données au serveur ?</a:t>
+            </a:r>
+          </a:p>
+          <a:p>
+            <a:pPr lvl="1"/>
+            <a:r>
+              <a:rPr lang="fr-BE">
+                <a:sym typeface="Calibri"/>
+              </a:rPr>
+              <a:t>Comment le serveur traite-t-il les données reçues?</a:t>
             </a:r>
           </a:p>
         </p:txBody>
@@ -12793,7 +14118,7 @@
     </p:spTree>
     <p:extLst>
       <p:ext uri="{BB962C8B-B14F-4D97-AF65-F5344CB8AC3E}">
-        <p14:creationId xmlns:p14="http://schemas.microsoft.com/office/powerpoint/2010/main" val="1654815679"/>
+        <p14:creationId xmlns:p14="http://schemas.microsoft.com/office/powerpoint/2010/main" val="2817179324"/>
       </p:ext>
     </p:extLst>
   </p:cSld>
@@ -12820,7 +14145,7 @@
   <p:cSld>
     <p:spTree>
       <p:nvGrpSpPr>
-        <p:cNvPr id="1" name="Shape 61"/>
+        <p:cNvPr id="1" name="Shape 49"/>
         <p:cNvGrpSpPr/>
         <p:nvPr/>
       </p:nvGrpSpPr>
@@ -12834,7 +14159,7 @@
       </p:grpSpPr>
       <p:sp>
         <p:nvSpPr>
-          <p:cNvPr id="62" name="Google Shape;62;p12"/>
+          <p:cNvPr id="50" name="Google Shape;50;p10"/>
           <p:cNvSpPr txBox="1">
             <a:spLocks noGrp="1"/>
           </p:cNvSpPr>
@@ -12851,14 +14176,14 @@
               <a:rPr lang="fr-BE">
                 <a:sym typeface="Calibri"/>
               </a:rPr>
-              <a:t>Exemple de formulaire</a:t>
-            </a:r>
-          </a:p>
-        </p:txBody>
-      </p:sp>
-      <p:sp>
-        <p:nvSpPr>
-          <p:cNvPr id="63" name="Google Shape;63;p12"/>
+              <a:t>Comment faire transiter les données?</a:t>
+            </a:r>
+          </a:p>
+        </p:txBody>
+      </p:sp>
+      <p:sp>
+        <p:nvSpPr>
+          <p:cNvPr id="51" name="Google Shape;51;p10"/>
           <p:cNvSpPr txBox="1">
             <a:spLocks noGrp="1"/>
           </p:cNvSpPr>
@@ -12868,27 +14193,132 @@
         </p:nvSpPr>
         <p:spPr/>
         <p:txBody>
-          <a:bodyPr/>
+          <a:bodyPr>
+            <a:normAutofit fontScale="92500" lnSpcReduction="20000"/>
+          </a:bodyPr>
           <a:lstStyle/>
           <a:p>
             <a:r>
               <a:rPr lang="fr-BE">
                 <a:sym typeface="Calibri"/>
               </a:rPr>
-              <a:t>Déclaration d'un formulaire</a:t>
-            </a:r>
-          </a:p>
-          <a:p>
+              <a:t>Deux méthodes :</a:t>
+            </a:r>
+          </a:p>
+          <a:p>
+            <a:pPr lvl="1"/>
+            <a:r>
+              <a:rPr lang="fr-BE">
+                <a:solidFill>
+                  <a:schemeClr val="accent2"/>
+                </a:solidFill>
+                <a:sym typeface="Calibri"/>
+              </a:rPr>
+              <a:t>GET</a:t>
+            </a:r>
+            <a:r>
+              <a:rPr lang="fr-BE">
+                <a:sym typeface="Calibri"/>
+              </a:rPr>
+              <a:t>: envoie les données dans l'URL de la page</a:t>
+            </a:r>
+          </a:p>
+          <a:p>
+            <a:pPr lvl="2"/>
+            <a:r>
+              <a:rPr lang="fr-BE">
+                <a:sym typeface="Courier New"/>
+              </a:rPr>
+              <a:t>https://www.google.com/search ? </a:t>
+            </a:r>
+            <a:r>
+              <a:rPr lang="fr-BE">
+                <a:solidFill>
+                  <a:schemeClr val="accent2"/>
+                </a:solidFill>
+                <a:sym typeface="Courier New"/>
+              </a:rPr>
+              <a:t>q=</a:t>
+            </a:r>
+            <a:r>
+              <a:rPr lang="fr-BE" err="1">
+                <a:solidFill>
+                  <a:schemeClr val="accent2"/>
+                </a:solidFill>
+                <a:sym typeface="Courier New"/>
+              </a:rPr>
+              <a:t>developpement+photo</a:t>
+            </a:r>
             <a:endParaRPr lang="fr-BE">
+              <a:solidFill>
+                <a:schemeClr val="accent2"/>
+              </a:solidFill>
               <a:sym typeface="Courier New"/>
             </a:endParaRPr>
           </a:p>
           <a:p>
-            <a:pPr marL="0" indent="0">
-              <a:buNone/>
-            </a:pPr>
-            <a:r>
-              <a:rPr lang="fr-BE" sz="2800" b="1">
+            <a:pPr lvl="2"/>
+            <a:r>
+              <a:rPr lang="fr-BE">
+                <a:sym typeface="Calibri"/>
+              </a:rPr>
+              <a:t>Limité à 255 caractères</a:t>
+            </a:r>
+          </a:p>
+          <a:p>
+            <a:pPr lvl="2"/>
+            <a:r>
+              <a:rPr lang="fr-BE">
+                <a:sym typeface="Calibri"/>
+              </a:rPr>
+              <a:t>Paramètres visibles</a:t>
+            </a:r>
+          </a:p>
+          <a:p>
+            <a:pPr lvl="1"/>
+            <a:r>
+              <a:rPr lang="fr-BE">
+                <a:solidFill>
+                  <a:schemeClr val="accent2"/>
+                </a:solidFill>
+                <a:sym typeface="Calibri"/>
+              </a:rPr>
+              <a:t>POST</a:t>
+            </a:r>
+            <a:r>
+              <a:rPr lang="fr-BE">
+                <a:sym typeface="Calibri"/>
+              </a:rPr>
+              <a:t>: envoie les données via la requête HTTP</a:t>
+            </a:r>
+          </a:p>
+          <a:p>
+            <a:pPr lvl="2"/>
+            <a:r>
+              <a:rPr lang="fr-BE">
+                <a:sym typeface="Calibri"/>
+              </a:rPr>
+              <a:t>Permet de faire transiter un plus gros nombre de caractères</a:t>
+            </a:r>
+          </a:p>
+          <a:p>
+            <a:pPr lvl="2"/>
+            <a:r>
+              <a:rPr lang="fr-BE">
+                <a:sym typeface="Calibri"/>
+              </a:rPr>
+              <a:t>Paramètres invisibles</a:t>
+            </a:r>
+          </a:p>
+          <a:p>
+            <a:r>
+              <a:rPr lang="fr-BE">
+                <a:sym typeface="Calibri"/>
+              </a:rPr>
+              <a:t>Défini avec l'attribut "</a:t>
+            </a:r>
+            <a:r>
+              <a:rPr lang="fr-BE" b="1" err="1">
                 <a:solidFill>
                   <a:schemeClr val="accent6">
                     <a:lumMod val="50000"/>
@@ -12898,15 +14328,22 @@
                 <a:cs typeface="Courier New" panose="02070309020205020404" pitchFamily="49" charset="0"/>
                 <a:sym typeface="Courier New"/>
               </a:rPr>
-              <a:t>&lt;form method="get" action="./register.php"&gt;</a:t>
-            </a:r>
-          </a:p>
-          <a:p>
-            <a:pPr marL="0" indent="0">
-              <a:buNone/>
-            </a:pPr>
-            <a:r>
-              <a:rPr lang="fr-BE" sz="2800" b="1">
+              <a:t>method</a:t>
+            </a:r>
+            <a:r>
+              <a:rPr lang="fr-BE">
+                <a:sym typeface="Courier New"/>
+              </a:rPr>
+              <a:t>"</a:t>
+            </a:r>
+            <a:r>
+              <a:rPr lang="fr-BE">
+                <a:sym typeface="Calibri"/>
+              </a:rPr>
+              <a:t> de la balise </a:t>
+            </a:r>
+            <a:r>
+              <a:rPr lang="fr-BE" b="1">
                 <a:solidFill>
                   <a:schemeClr val="accent6">
                     <a:lumMod val="50000"/>
@@ -12914,17 +14351,12 @@
                 </a:solidFill>
                 <a:latin typeface="Courier New" panose="02070309020205020404" pitchFamily="49" charset="0"/>
                 <a:cs typeface="Courier New" panose="02070309020205020404" pitchFamily="49" charset="0"/>
-                <a:sym typeface="Courier New"/>
-              </a:rPr>
-              <a:t>	...</a:t>
-            </a:r>
-          </a:p>
-          <a:p>
-            <a:pPr marL="0" indent="0">
-              <a:buNone/>
-            </a:pPr>
-            <a:r>
-              <a:rPr lang="fr-BE" sz="2800" b="1">
+                <a:sym typeface="Calibri"/>
+              </a:rPr>
+              <a:t>&lt;</a:t>
+            </a:r>
+            <a:r>
+              <a:rPr lang="fr-BE" b="1" err="1">
                 <a:solidFill>
                   <a:schemeClr val="accent6">
                     <a:lumMod val="50000"/>
@@ -12932,20 +14364,196 @@
                 </a:solidFill>
                 <a:latin typeface="Courier New" panose="02070309020205020404" pitchFamily="49" charset="0"/>
                 <a:cs typeface="Courier New" panose="02070309020205020404" pitchFamily="49" charset="0"/>
-                <a:sym typeface="Courier New"/>
-              </a:rPr>
-              <a:t>&lt;/form&gt;</a:t>
-            </a:r>
-          </a:p>
-          <a:p>
-            <a:endParaRPr lang="fr-BE"/>
+                <a:sym typeface="Calibri"/>
+              </a:rPr>
+              <a:t>form</a:t>
+            </a:r>
+            <a:r>
+              <a:rPr lang="fr-BE" b="1">
+                <a:solidFill>
+                  <a:schemeClr val="accent6">
+                    <a:lumMod val="50000"/>
+                  </a:schemeClr>
+                </a:solidFill>
+                <a:latin typeface="Courier New" panose="02070309020205020404" pitchFamily="49" charset="0"/>
+                <a:cs typeface="Courier New" panose="02070309020205020404" pitchFamily="49" charset="0"/>
+                <a:sym typeface="Calibri"/>
+              </a:rPr>
+              <a:t>&gt;</a:t>
+            </a:r>
+          </a:p>
+          <a:p>
+            <a:pPr marL="457189" lvl="1" indent="0">
+              <a:buNone/>
+            </a:pPr>
+            <a:r>
+              <a:rPr lang="fr-BE" sz="2800" b="1">
+                <a:solidFill>
+                  <a:schemeClr val="accent6">
+                    <a:lumMod val="50000"/>
+                  </a:schemeClr>
+                </a:solidFill>
+                <a:latin typeface="Courier New" panose="02070309020205020404" pitchFamily="49" charset="0"/>
+                <a:cs typeface="Courier New" panose="02070309020205020404" pitchFamily="49" charset="0"/>
+                <a:sym typeface="Calibri"/>
+              </a:rPr>
+              <a:t>&lt;</a:t>
+            </a:r>
+            <a:r>
+              <a:rPr lang="fr-BE" sz="2800" b="1" err="1">
+                <a:solidFill>
+                  <a:schemeClr val="accent6">
+                    <a:lumMod val="50000"/>
+                  </a:schemeClr>
+                </a:solidFill>
+                <a:latin typeface="Courier New" panose="02070309020205020404" pitchFamily="49" charset="0"/>
+                <a:cs typeface="Courier New" panose="02070309020205020404" pitchFamily="49" charset="0"/>
+                <a:sym typeface="Calibri"/>
+              </a:rPr>
+              <a:t>form</a:t>
+            </a:r>
+            <a:r>
+              <a:rPr lang="fr-BE" sz="2800" b="1">
+                <a:solidFill>
+                  <a:schemeClr val="accent6">
+                    <a:lumMod val="50000"/>
+                  </a:schemeClr>
+                </a:solidFill>
+                <a:latin typeface="Courier New" panose="02070309020205020404" pitchFamily="49" charset="0"/>
+                <a:cs typeface="Courier New" panose="02070309020205020404" pitchFamily="49" charset="0"/>
+                <a:sym typeface="Calibri"/>
+              </a:rPr>
+              <a:t> </a:t>
+            </a:r>
+            <a:r>
+              <a:rPr lang="fr-BE" sz="2800" b="1" err="1">
+                <a:solidFill>
+                  <a:schemeClr val="accent6">
+                    <a:lumMod val="50000"/>
+                  </a:schemeClr>
+                </a:solidFill>
+                <a:latin typeface="Courier New" panose="02070309020205020404" pitchFamily="49" charset="0"/>
+                <a:cs typeface="Courier New" panose="02070309020205020404" pitchFamily="49" charset="0"/>
+                <a:sym typeface="Courier New"/>
+              </a:rPr>
+              <a:t>method</a:t>
+            </a:r>
+            <a:r>
+              <a:rPr lang="fr-BE" sz="2800" b="1">
+                <a:solidFill>
+                  <a:schemeClr val="accent6">
+                    <a:lumMod val="50000"/>
+                  </a:schemeClr>
+                </a:solidFill>
+                <a:latin typeface="Courier New" panose="02070309020205020404" pitchFamily="49" charset="0"/>
+                <a:cs typeface="Courier New" panose="02070309020205020404" pitchFamily="49" charset="0"/>
+                <a:sym typeface="Courier New"/>
+              </a:rPr>
+              <a:t>="</a:t>
+            </a:r>
+            <a:r>
+              <a:rPr lang="fr-BE" sz="2800" b="1" err="1">
+                <a:solidFill>
+                  <a:schemeClr val="accent6">
+                    <a:lumMod val="50000"/>
+                  </a:schemeClr>
+                </a:solidFill>
+                <a:latin typeface="Courier New" panose="02070309020205020404" pitchFamily="49" charset="0"/>
+                <a:cs typeface="Courier New" panose="02070309020205020404" pitchFamily="49" charset="0"/>
+                <a:sym typeface="Courier New"/>
+              </a:rPr>
+              <a:t>get</a:t>
+            </a:r>
+            <a:r>
+              <a:rPr lang="fr-BE" sz="2800" b="1">
+                <a:solidFill>
+                  <a:schemeClr val="accent6">
+                    <a:lumMod val="50000"/>
+                  </a:schemeClr>
+                </a:solidFill>
+                <a:latin typeface="Courier New" panose="02070309020205020404" pitchFamily="49" charset="0"/>
+                <a:cs typeface="Courier New" panose="02070309020205020404" pitchFamily="49" charset="0"/>
+                <a:sym typeface="Courier New"/>
+              </a:rPr>
+              <a:t>" …</a:t>
+            </a:r>
+          </a:p>
+          <a:p>
+            <a:pPr marL="457189" lvl="1" indent="0">
+              <a:buNone/>
+            </a:pPr>
+            <a:r>
+              <a:rPr lang="fr-BE" sz="2800" b="1">
+                <a:solidFill>
+                  <a:schemeClr val="accent6">
+                    <a:lumMod val="50000"/>
+                  </a:schemeClr>
+                </a:solidFill>
+                <a:latin typeface="Courier New" panose="02070309020205020404" pitchFamily="49" charset="0"/>
+                <a:cs typeface="Courier New" panose="02070309020205020404" pitchFamily="49" charset="0"/>
+                <a:sym typeface="Calibri"/>
+              </a:rPr>
+              <a:t>&lt;</a:t>
+            </a:r>
+            <a:r>
+              <a:rPr lang="fr-BE" sz="2800" b="1" err="1">
+                <a:solidFill>
+                  <a:schemeClr val="accent6">
+                    <a:lumMod val="50000"/>
+                  </a:schemeClr>
+                </a:solidFill>
+                <a:latin typeface="Courier New" panose="02070309020205020404" pitchFamily="49" charset="0"/>
+                <a:cs typeface="Courier New" panose="02070309020205020404" pitchFamily="49" charset="0"/>
+                <a:sym typeface="Calibri"/>
+              </a:rPr>
+              <a:t>form</a:t>
+            </a:r>
+            <a:r>
+              <a:rPr lang="fr-BE" sz="2800" b="1">
+                <a:solidFill>
+                  <a:schemeClr val="accent6">
+                    <a:lumMod val="50000"/>
+                  </a:schemeClr>
+                </a:solidFill>
+                <a:latin typeface="Courier New" panose="02070309020205020404" pitchFamily="49" charset="0"/>
+                <a:cs typeface="Courier New" panose="02070309020205020404" pitchFamily="49" charset="0"/>
+                <a:sym typeface="Calibri"/>
+              </a:rPr>
+              <a:t> </a:t>
+            </a:r>
+            <a:r>
+              <a:rPr lang="fr-BE" sz="2800" b="1" err="1">
+                <a:solidFill>
+                  <a:schemeClr val="accent6">
+                    <a:lumMod val="50000"/>
+                  </a:schemeClr>
+                </a:solidFill>
+                <a:latin typeface="Courier New" panose="02070309020205020404" pitchFamily="49" charset="0"/>
+                <a:cs typeface="Courier New" panose="02070309020205020404" pitchFamily="49" charset="0"/>
+                <a:sym typeface="Courier New"/>
+              </a:rPr>
+              <a:t>method</a:t>
+            </a:r>
+            <a:r>
+              <a:rPr lang="fr-BE" sz="2800" b="1">
+                <a:solidFill>
+                  <a:schemeClr val="accent6">
+                    <a:lumMod val="50000"/>
+                  </a:schemeClr>
+                </a:solidFill>
+                <a:latin typeface="Courier New" panose="02070309020205020404" pitchFamily="49" charset="0"/>
+                <a:cs typeface="Courier New" panose="02070309020205020404" pitchFamily="49" charset="0"/>
+                <a:sym typeface="Courier New"/>
+              </a:rPr>
+              <a:t>="post" …</a:t>
+            </a:r>
           </a:p>
         </p:txBody>
       </p:sp>
     </p:spTree>
     <p:extLst>
       <p:ext uri="{BB962C8B-B14F-4D97-AF65-F5344CB8AC3E}">
-        <p14:creationId xmlns:p14="http://schemas.microsoft.com/office/powerpoint/2010/main" val="2573610486"/>
+        <p14:creationId xmlns:p14="http://schemas.microsoft.com/office/powerpoint/2010/main" val="1761849454"/>
       </p:ext>
     </p:extLst>
   </p:cSld>
@@ -12972,7 +14580,7 @@
   <p:cSld>
     <p:spTree>
       <p:nvGrpSpPr>
-        <p:cNvPr id="1" name=""/>
+        <p:cNvPr id="1" name="Shape 55"/>
         <p:cNvGrpSpPr/>
         <p:nvPr/>
       </p:nvGrpSpPr>
@@ -12986,14 +14594,8 @@
       </p:grpSpPr>
       <p:sp>
         <p:nvSpPr>
-          <p:cNvPr id="4" name="Titre 3">
-            <a:extLst>
-              <a:ext uri="{FF2B5EF4-FFF2-40B4-BE49-F238E27FC236}">
-                <a16:creationId xmlns:a16="http://schemas.microsoft.com/office/drawing/2014/main" id="{6BC2345B-F403-44E5-97C3-F5BDF024DC43}"/>
-              </a:ext>
-            </a:extLst>
-          </p:cNvPr>
-          <p:cNvSpPr>
+          <p:cNvPr id="56" name="Google Shape;56;p11"/>
+          <p:cNvSpPr txBox="1">
             <a:spLocks noGrp="1"/>
           </p:cNvSpPr>
           <p:nvPr>
@@ -13009,26 +14611,19 @@
               <a:rPr lang="fr-BE">
                 <a:sym typeface="Calibri"/>
               </a:rPr>
-              <a:t>Balises HTML</a:t>
-            </a:r>
-            <a:endParaRPr lang="fr-BE"/>
-          </a:p>
-        </p:txBody>
-      </p:sp>
-      <p:sp>
-        <p:nvSpPr>
-          <p:cNvPr id="2" name="Espace réservé du texte 1">
-            <a:extLst>
-              <a:ext uri="{FF2B5EF4-FFF2-40B4-BE49-F238E27FC236}">
-                <a16:creationId xmlns:a16="http://schemas.microsoft.com/office/drawing/2014/main" id="{476AB62D-B7ED-86E3-C02B-C782347789A9}"/>
-              </a:ext>
-            </a:extLst>
-          </p:cNvPr>
-          <p:cNvSpPr>
-            <a:spLocks noGrp="1"/>
-          </p:cNvSpPr>
-          <p:nvPr>
-            <p:ph type="body" idx="1"/>
+              <a:t>Comment traiter les données?</a:t>
+            </a:r>
+          </a:p>
+        </p:txBody>
+      </p:sp>
+      <p:sp>
+        <p:nvSpPr>
+          <p:cNvPr id="57" name="Google Shape;57;p11"/>
+          <p:cNvSpPr txBox="1">
+            <a:spLocks noGrp="1"/>
+          </p:cNvSpPr>
+          <p:nvPr>
+            <p:ph idx="1"/>
           </p:nvPr>
         </p:nvSpPr>
         <p:spPr/>
@@ -13036,53 +14631,79 @@
           <a:bodyPr/>
           <a:lstStyle/>
           <a:p>
-            <a:endParaRPr lang="fr-BE"/>
-          </a:p>
-        </p:txBody>
-      </p:sp>
-      <p:pic>
-        <p:nvPicPr>
-          <p:cNvPr id="6" name="Google Shape;39;p8">
-            <a:hlinkClick r:id="rId2"/>
-            <a:extLst>
-              <a:ext uri="{FF2B5EF4-FFF2-40B4-BE49-F238E27FC236}">
-                <a16:creationId xmlns:a16="http://schemas.microsoft.com/office/drawing/2014/main" id="{F73F5139-A5C5-497C-AE5C-231EBB7AE61F}"/>
-              </a:ext>
-            </a:extLst>
-          </p:cNvPr>
-          <p:cNvPicPr preferRelativeResize="0">
-            <a:picLocks noGrp="1"/>
-          </p:cNvPicPr>
-          <p:nvPr>
-            <p:ph type="pic" sz="quarter" idx="10"/>
-          </p:nvPr>
-        </p:nvPicPr>
-        <p:blipFill>
-          <a:blip r:embed="rId3" cstate="email">
-            <a:alphaModFix/>
-            <a:extLst>
-              <a:ext uri="{28A0092B-C50C-407E-A947-70E740481C1C}">
-                <a14:useLocalDpi xmlns:a14="http://schemas.microsoft.com/office/drawing/2010/main"/>
-              </a:ext>
-            </a:extLst>
-          </a:blip>
-          <a:srcRect t="37" b="37"/>
-          <a:stretch/>
-        </p:blipFill>
-        <p:spPr>
-          <a:prstGeom prst="rect">
-            <a:avLst/>
-          </a:prstGeom>
-          <a:noFill/>
-          <a:ln>
-            <a:noFill/>
-          </a:ln>
-        </p:spPr>
-      </p:pic>
+            <a:r>
+              <a:rPr lang="fr-BE">
+                <a:sym typeface="Calibri"/>
+              </a:rPr>
+              <a:t>Il faut envoyer la requête contenant les données du formulaire (via GET ou POST) à un </a:t>
+            </a:r>
+            <a:r>
+              <a:rPr lang="fr-BE">
+                <a:solidFill>
+                  <a:schemeClr val="accent2"/>
+                </a:solidFill>
+                <a:sym typeface="Calibri"/>
+              </a:rPr>
+              <a:t>script</a:t>
+            </a:r>
+            <a:r>
+              <a:rPr lang="fr-BE">
+                <a:sym typeface="Calibri"/>
+              </a:rPr>
+              <a:t> qui pourra les traiter (ex. page contenant du PHP)</a:t>
+            </a:r>
+          </a:p>
+          <a:p>
+            <a:r>
+              <a:rPr lang="fr-BE">
+                <a:sym typeface="Calibri"/>
+              </a:rPr>
+              <a:t>Défini avec l'attribut </a:t>
+            </a:r>
+            <a:r>
+              <a:rPr lang="fr-BE">
+                <a:sym typeface="Courier New"/>
+              </a:rPr>
+              <a:t>action</a:t>
+            </a:r>
+          </a:p>
+          <a:p>
+            <a:pPr marL="457189" lvl="1" indent="0">
+              <a:buNone/>
+            </a:pPr>
+            <a:r>
+              <a:rPr lang="fr-BE" sz="2800" b="1">
+                <a:solidFill>
+                  <a:schemeClr val="accent6">
+                    <a:lumMod val="50000"/>
+                  </a:schemeClr>
+                </a:solidFill>
+                <a:latin typeface="Courier New" panose="02070309020205020404" pitchFamily="49" charset="0"/>
+                <a:cs typeface="Courier New" panose="02070309020205020404" pitchFamily="49" charset="0"/>
+                <a:sym typeface="Calibri"/>
+              </a:rPr>
+              <a:t>&lt;form </a:t>
+            </a:r>
+            <a:r>
+              <a:rPr lang="fr-BE" sz="2800" b="1">
+                <a:solidFill>
+                  <a:schemeClr val="accent6">
+                    <a:lumMod val="50000"/>
+                  </a:schemeClr>
+                </a:solidFill>
+                <a:latin typeface="Courier New" panose="02070309020205020404" pitchFamily="49" charset="0"/>
+                <a:cs typeface="Courier New" panose="02070309020205020404" pitchFamily="49" charset="0"/>
+                <a:sym typeface="Courier New"/>
+              </a:rPr>
+              <a:t>method="get" action="./register.php" …</a:t>
+            </a:r>
+          </a:p>
+        </p:txBody>
+      </p:sp>
     </p:spTree>
     <p:extLst>
       <p:ext uri="{BB962C8B-B14F-4D97-AF65-F5344CB8AC3E}">
-        <p14:creationId xmlns:p14="http://schemas.microsoft.com/office/powerpoint/2010/main" val="3335409893"/>
+        <p14:creationId xmlns:p14="http://schemas.microsoft.com/office/powerpoint/2010/main" val="1654815679"/>
       </p:ext>
     </p:extLst>
   </p:cSld>
@@ -13217,7 +14838,7 @@
         <a:font script="Geor" typeface="Sylfaen"/>
       </a:minorFont>
     </a:fontScheme>
-    <a:fmtScheme name="Subtle Solids">
+    <a:fmtScheme name="Solides discrets">
       <a:fillStyleLst>
         <a:solidFill>
           <a:schemeClr val="phClr"/>
@@ -13307,7 +14928,7 @@
   <a:extraClrSchemeLst/>
   <a:extLst>
     <a:ext uri="{05A4C25C-085E-4340-85A3-A5531E510DB2}">
-      <thm15:themeFamily xmlns:thm15="http://schemas.microsoft.com/office/thememl/2012/main" name="burotix2020.potx" id="{B92524B4-BEEA-4B97-B375-A904F228DAF8}" vid="{CE07423F-07A9-4193-9AF7-63482ADD9406}"/>
+      <thm15:themeFamily xmlns:thm15="http://schemas.microsoft.com/office/thememl/2012/main" name="burotix2022.potm" id="{7A707283-01BA-4932-B574-4A389620091B}" vid="{093B5C4F-DD58-40B6-A0EE-0D8451AE628D}"/>
     </a:ext>
   </a:extLst>
 </a:theme>

--- a/syllabus/13_formulaire_HTML/syllabus_13_form.pptx
+++ b/syllabus/13_formulaire_HTML/syllabus_13_form.pptx
@@ -302,7 +302,7 @@
           <a:p>
             <a:fld id="{FCE9742F-4DAE-47F5-9244-6ACC3985DD6B}" type="datetimeFigureOut">
               <a:rPr lang="fr-BE" smtClean="0"/>
-              <a:t>09-09-25</a:t>
+              <a:t>24-11-25</a:t>
             </a:fld>
             <a:endParaRPr lang="fr-BE"/>
           </a:p>
@@ -3045,7 +3045,7 @@
           <a:p>
             <a:fld id="{F3953782-D06E-4853-BE3C-64C197273937}" type="datetimeFigureOut">
               <a:rPr lang="fr-BE" smtClean="0"/>
-              <a:t>09-09-25</a:t>
+              <a:t>24-11-25</a:t>
             </a:fld>
             <a:endParaRPr lang="fr-BE"/>
           </a:p>
@@ -4913,7 +4913,7 @@
           <a:p>
             <a:fld id="{F3953782-D06E-4853-BE3C-64C197273937}" type="datetimeFigureOut">
               <a:rPr lang="fr-BE" smtClean="0"/>
-              <a:t>09-09-25</a:t>
+              <a:t>24-11-25</a:t>
             </a:fld>
             <a:endParaRPr lang="fr-BE"/>
           </a:p>
@@ -5229,7 +5229,7 @@
           <a:p>
             <a:fld id="{F3953782-D06E-4853-BE3C-64C197273937}" type="datetimeFigureOut">
               <a:rPr lang="fr-BE" smtClean="0"/>
-              <a:t>09-09-25</a:t>
+              <a:t>24-11-25</a:t>
             </a:fld>
             <a:endParaRPr lang="fr-BE"/>
           </a:p>
@@ -5426,7 +5426,7 @@
           <a:p>
             <a:fld id="{F3953782-D06E-4853-BE3C-64C197273937}" type="datetimeFigureOut">
               <a:rPr lang="fr-BE" smtClean="0"/>
-              <a:t>09-09-25</a:t>
+              <a:t>24-11-25</a:t>
             </a:fld>
             <a:endParaRPr lang="fr-BE"/>
           </a:p>
@@ -5688,7 +5688,7 @@
           <a:p>
             <a:fld id="{F3953782-D06E-4853-BE3C-64C197273937}" type="datetimeFigureOut">
               <a:rPr lang="fr-BE" smtClean="0"/>
-              <a:t>09-09-25</a:t>
+              <a:t>24-11-25</a:t>
             </a:fld>
             <a:endParaRPr lang="fr-BE"/>
           </a:p>
@@ -6086,7 +6086,7 @@
           <a:p>
             <a:fld id="{F3953782-D06E-4853-BE3C-64C197273937}" type="datetimeFigureOut">
               <a:rPr lang="fr-BE" smtClean="0"/>
-              <a:t>09-09-25</a:t>
+              <a:t>24-11-25</a:t>
             </a:fld>
             <a:endParaRPr lang="fr-BE"/>
           </a:p>
@@ -6234,7 +6234,7 @@
           <a:p>
             <a:fld id="{F3953782-D06E-4853-BE3C-64C197273937}" type="datetimeFigureOut">
               <a:rPr lang="fr-BE" smtClean="0"/>
-              <a:t>09-09-25</a:t>
+              <a:t>24-11-25</a:t>
             </a:fld>
             <a:endParaRPr lang="fr-BE"/>
           </a:p>
@@ -6583,7 +6583,7 @@
           <a:p>
             <a:fld id="{F3953782-D06E-4853-BE3C-64C197273937}" type="datetimeFigureOut">
               <a:rPr lang="fr-BE" smtClean="0"/>
-              <a:t>09-09-25</a:t>
+              <a:t>24-11-25</a:t>
             </a:fld>
             <a:endParaRPr lang="fr-BE"/>
           </a:p>
@@ -6909,7 +6909,7 @@
           <a:p>
             <a:fld id="{F3953782-D06E-4853-BE3C-64C197273937}" type="datetimeFigureOut">
               <a:rPr lang="fr-BE" smtClean="0"/>
-              <a:t>09-09-25</a:t>
+              <a:t>24-11-25</a:t>
             </a:fld>
             <a:endParaRPr lang="fr-BE"/>
           </a:p>
@@ -7560,7 +7560,7 @@
         <p14:reveal/>
       </p:transition>
     </mc:Choice>
-    <mc:Fallback xmlns="" xmlns:mv="urn:schemas-microsoft-com:mac:vml" xmlns:c="http://schemas.openxmlformats.org/drawingml/2006/chart" xmlns:dgm="http://schemas.openxmlformats.org/drawingml/2006/diagram" xmlns:o="urn:schemas-microsoft-com:office:office" xmlns:v="urn:schemas-microsoft-com:vml" xmlns:pvml="urn:schemas-microsoft-com:office:powerpoint" xmlns:com="http://schemas.openxmlformats.org/drawingml/2006/compatibility" xmlns:p15="http://schemas.microsoft.com/office/powerpoint/2012/main" xmlns:ahyp="http://schemas.microsoft.com/office/drawing/2018/hyperlinkcolor">
+    <mc:Fallback xmlns:ahyp="http://schemas.microsoft.com/office/drawing/2018/hyperlinkcolor" xmlns:p15="http://schemas.microsoft.com/office/powerpoint/2012/main" xmlns:com="http://schemas.openxmlformats.org/drawingml/2006/compatibility" xmlns:pvml="urn:schemas-microsoft-com:office:powerpoint" xmlns:v="urn:schemas-microsoft-com:vml" xmlns:o="urn:schemas-microsoft-com:office:office" xmlns:dgm="http://schemas.openxmlformats.org/drawingml/2006/diagram" xmlns:c="http://schemas.openxmlformats.org/drawingml/2006/chart" xmlns:mv="urn:schemas-microsoft-com:mac:vml" xmlns="">
       <p:transition spd="med">
         <p:fade/>
       </p:transition>
@@ -10762,7 +10762,7 @@
         <p14:reveal/>
       </p:transition>
     </mc:Choice>
-    <mc:Fallback xmlns:ahyp="http://schemas.microsoft.com/office/drawing/2018/hyperlinkcolor" xmlns:p15="http://schemas.microsoft.com/office/powerpoint/2012/main" xmlns:com="http://schemas.openxmlformats.org/drawingml/2006/compatibility" xmlns:pvml="urn:schemas-microsoft-com:office:powerpoint" xmlns:v="urn:schemas-microsoft-com:vml" xmlns:o="urn:schemas-microsoft-com:office:office" xmlns:dgm="http://schemas.openxmlformats.org/drawingml/2006/diagram" xmlns:c="http://schemas.openxmlformats.org/drawingml/2006/chart" xmlns:mv="urn:schemas-microsoft-com:mac:vml" xmlns="">
+    <mc:Fallback xmlns="" xmlns:mv="urn:schemas-microsoft-com:mac:vml" xmlns:c="http://schemas.openxmlformats.org/drawingml/2006/chart" xmlns:dgm="http://schemas.openxmlformats.org/drawingml/2006/diagram" xmlns:o="urn:schemas-microsoft-com:office:office" xmlns:v="urn:schemas-microsoft-com:vml" xmlns:pvml="urn:schemas-microsoft-com:office:powerpoint" xmlns:com="http://schemas.openxmlformats.org/drawingml/2006/compatibility" xmlns:p15="http://schemas.microsoft.com/office/powerpoint/2012/main" xmlns:ahyp="http://schemas.microsoft.com/office/drawing/2018/hyperlinkcolor">
       <p:transition spd="med">
         <p:fade/>
       </p:transition>
@@ -13484,8 +13484,8 @@
         </p:nvSpPr>
         <p:spPr>
           <a:xfrm>
-            <a:off x="431988" y="3933825"/>
-            <a:ext cx="1937646" cy="523220"/>
+            <a:off x="431988" y="3710805"/>
+            <a:ext cx="1937646" cy="1384995"/>
           </a:xfrm>
           <a:prstGeom prst="rect">
             <a:avLst/>
@@ -13499,6 +13499,17 @@
           <a:lstStyle/>
           <a:p>
             <a:r>
+              <a:rPr lang="fr-BE" sz="2800" strike="sngStrike">
+                <a:solidFill>
+                  <a:schemeClr val="accent6">
+                    <a:lumMod val="50000"/>
+                  </a:schemeClr>
+                </a:solidFill>
+                <a:latin typeface="Consolas" panose="020B0609020204030204" pitchFamily="49" charset="0"/>
+              </a:rPr>
+              <a:t>$.ajax()</a:t>
+            </a:r>
+            <a:br>
               <a:rPr lang="fr-BE" sz="2800">
                 <a:solidFill>
                   <a:schemeClr val="accent6">
@@ -13507,8 +13518,28 @@
                 </a:solidFill>
                 <a:latin typeface="Consolas" panose="020B0609020204030204" pitchFamily="49" charset="0"/>
               </a:rPr>
-              <a:t>$.ajax()</a:t>
-            </a:r>
+            </a:br>
+            <a:r>
+              <a:rPr lang="fr-BE" sz="2800">
+                <a:solidFill>
+                  <a:schemeClr val="accent6">
+                    <a:lumMod val="50000"/>
+                  </a:schemeClr>
+                </a:solidFill>
+                <a:latin typeface="Consolas" panose="020B0609020204030204" pitchFamily="49" charset="0"/>
+              </a:rPr>
+              <a:t>fetch()</a:t>
+            </a:r>
+          </a:p>
+          <a:p>
+            <a:endParaRPr lang="fr-BE" sz="2800">
+              <a:solidFill>
+                <a:schemeClr val="accent6">
+                  <a:lumMod val="50000"/>
+                </a:schemeClr>
+              </a:solidFill>
+              <a:latin typeface="Consolas" panose="020B0609020204030204" pitchFamily="49" charset="0"/>
+            </a:endParaRPr>
           </a:p>
         </p:txBody>
       </p:sp>

--- a/syllabus/13_formulaire_HTML/syllabus_13_form.pptx
+++ b/syllabus/13_formulaire_HTML/syllabus_13_form.pptx
@@ -5,7 +5,7 @@
     <p:sldMasterId id="2147483856" r:id="rId1"/>
   </p:sldMasterIdLst>
   <p:notesMasterIdLst>
-    <p:notesMasterId r:id="rId30"/>
+    <p:notesMasterId r:id="rId28"/>
   </p:notesMasterIdLst>
   <p:sldIdLst>
     <p:sldId id="416" r:id="rId2"/>
@@ -13,29 +13,27 @@
     <p:sldId id="352" r:id="rId4"/>
     <p:sldId id="606" r:id="rId5"/>
     <p:sldId id="647" r:id="rId6"/>
-    <p:sldId id="646" r:id="rId7"/>
-    <p:sldId id="353" r:id="rId8"/>
-    <p:sldId id="354" r:id="rId9"/>
-    <p:sldId id="355" r:id="rId10"/>
-    <p:sldId id="356" r:id="rId11"/>
-    <p:sldId id="605" r:id="rId12"/>
-    <p:sldId id="357" r:id="rId13"/>
-    <p:sldId id="358" r:id="rId14"/>
-    <p:sldId id="359" r:id="rId15"/>
-    <p:sldId id="360" r:id="rId16"/>
-    <p:sldId id="361" r:id="rId17"/>
-    <p:sldId id="362" r:id="rId18"/>
-    <p:sldId id="363" r:id="rId19"/>
-    <p:sldId id="644" r:id="rId20"/>
-    <p:sldId id="364" r:id="rId21"/>
-    <p:sldId id="643" r:id="rId22"/>
-    <p:sldId id="365" r:id="rId23"/>
-    <p:sldId id="366" r:id="rId24"/>
-    <p:sldId id="367" r:id="rId25"/>
-    <p:sldId id="517" r:id="rId26"/>
-    <p:sldId id="638" r:id="rId27"/>
-    <p:sldId id="448" r:id="rId28"/>
-    <p:sldId id="645" r:id="rId29"/>
+    <p:sldId id="353" r:id="rId7"/>
+    <p:sldId id="354" r:id="rId8"/>
+    <p:sldId id="356" r:id="rId9"/>
+    <p:sldId id="605" r:id="rId10"/>
+    <p:sldId id="357" r:id="rId11"/>
+    <p:sldId id="358" r:id="rId12"/>
+    <p:sldId id="359" r:id="rId13"/>
+    <p:sldId id="360" r:id="rId14"/>
+    <p:sldId id="361" r:id="rId15"/>
+    <p:sldId id="362" r:id="rId16"/>
+    <p:sldId id="363" r:id="rId17"/>
+    <p:sldId id="644" r:id="rId18"/>
+    <p:sldId id="364" r:id="rId19"/>
+    <p:sldId id="643" r:id="rId20"/>
+    <p:sldId id="365" r:id="rId21"/>
+    <p:sldId id="366" r:id="rId22"/>
+    <p:sldId id="367" r:id="rId23"/>
+    <p:sldId id="517" r:id="rId24"/>
+    <p:sldId id="638" r:id="rId25"/>
+    <p:sldId id="448" r:id="rId26"/>
+    <p:sldId id="645" r:id="rId27"/>
   </p:sldIdLst>
   <p:sldSz cx="12192000" cy="6858000"/>
   <p:notesSz cx="6858000" cy="9144000"/>
@@ -149,10 +147,8 @@
             <p14:sldId id="352"/>
             <p14:sldId id="606"/>
             <p14:sldId id="647"/>
-            <p14:sldId id="646"/>
             <p14:sldId id="353"/>
             <p14:sldId id="354"/>
-            <p14:sldId id="355"/>
             <p14:sldId id="356"/>
             <p14:sldId id="605"/>
             <p14:sldId id="357"/>
@@ -302,7 +298,7 @@
           <a:p>
             <a:fld id="{FCE9742F-4DAE-47F5-9244-6ACC3985DD6B}" type="datetimeFigureOut">
               <a:rPr lang="fr-BE" smtClean="0"/>
-              <a:t>24-11-25</a:t>
+              <a:t>23-02-26</a:t>
             </a:fld>
             <a:endParaRPr lang="fr-BE"/>
           </a:p>
@@ -831,7 +827,7 @@
   <p:cSld>
     <p:spTree>
       <p:nvGrpSpPr>
-        <p:cNvPr id="1" name="Shape 79"/>
+        <p:cNvPr id="1" name="Shape 86"/>
         <p:cNvGrpSpPr/>
         <p:nvPr/>
       </p:nvGrpSpPr>
@@ -845,7 +841,7 @@
       </p:grpSpPr>
       <p:sp>
         <p:nvSpPr>
-          <p:cNvPr id="80" name="Google Shape;80;gae4b1ffd_045:notes"/>
+          <p:cNvPr id="87" name="Google Shape;87;gae4b1ffd_050:notes"/>
           <p:cNvSpPr>
             <a:spLocks noGrp="1" noRot="1" noChangeAspect="1"/>
           </p:cNvSpPr>
@@ -886,7 +882,7 @@
       </p:sp>
       <p:sp>
         <p:nvSpPr>
-          <p:cNvPr id="81" name="Google Shape;81;gae4b1ffd_045:notes"/>
+          <p:cNvPr id="88" name="Google Shape;88;gae4b1ffd_050:notes"/>
           <p:cNvSpPr txBox="1">
             <a:spLocks noGrp="1"/>
           </p:cNvSpPr>
@@ -925,7 +921,7 @@
     </p:spTree>
     <p:extLst>
       <p:ext uri="{BB962C8B-B14F-4D97-AF65-F5344CB8AC3E}">
-        <p14:creationId xmlns:p14="http://schemas.microsoft.com/office/powerpoint/2010/main" val="3164590478"/>
+        <p14:creationId xmlns:p14="http://schemas.microsoft.com/office/powerpoint/2010/main" val="3923803130"/>
       </p:ext>
     </p:extLst>
   </p:cSld>
@@ -940,7 +936,7 @@
   <p:cSld>
     <p:spTree>
       <p:nvGrpSpPr>
-        <p:cNvPr id="1" name="Shape 86"/>
+        <p:cNvPr id="1" name="Shape 93"/>
         <p:cNvGrpSpPr/>
         <p:nvPr/>
       </p:nvGrpSpPr>
@@ -954,7 +950,7 @@
       </p:grpSpPr>
       <p:sp>
         <p:nvSpPr>
-          <p:cNvPr id="87" name="Google Shape;87;gae4b1ffd_050:notes"/>
+          <p:cNvPr id="94" name="Google Shape;94;gaf1ccaf6_026:notes"/>
           <p:cNvSpPr>
             <a:spLocks noGrp="1" noRot="1" noChangeAspect="1"/>
           </p:cNvSpPr>
@@ -995,7 +991,7 @@
       </p:sp>
       <p:sp>
         <p:nvSpPr>
-          <p:cNvPr id="88" name="Google Shape;88;gae4b1ffd_050:notes"/>
+          <p:cNvPr id="95" name="Google Shape;95;gaf1ccaf6_026:notes"/>
           <p:cNvSpPr txBox="1">
             <a:spLocks noGrp="1"/>
           </p:cNvSpPr>
@@ -1034,7 +1030,7 @@
     </p:spTree>
     <p:extLst>
       <p:ext uri="{BB962C8B-B14F-4D97-AF65-F5344CB8AC3E}">
-        <p14:creationId xmlns:p14="http://schemas.microsoft.com/office/powerpoint/2010/main" val="3923803130"/>
+        <p14:creationId xmlns:p14="http://schemas.microsoft.com/office/powerpoint/2010/main" val="3790451753"/>
       </p:ext>
     </p:extLst>
   </p:cSld>
@@ -1049,7 +1045,7 @@
   <p:cSld>
     <p:spTree>
       <p:nvGrpSpPr>
-        <p:cNvPr id="1" name="Shape 93"/>
+        <p:cNvPr id="1" name="Shape 99"/>
         <p:cNvGrpSpPr/>
         <p:nvPr/>
       </p:nvGrpSpPr>
@@ -1063,7 +1059,7 @@
       </p:grpSpPr>
       <p:sp>
         <p:nvSpPr>
-          <p:cNvPr id="94" name="Google Shape;94;gaf1ccaf6_026:notes"/>
+          <p:cNvPr id="100" name="Google Shape;100;gae4b1ffd_055:notes"/>
           <p:cNvSpPr>
             <a:spLocks noGrp="1" noRot="1" noChangeAspect="1"/>
           </p:cNvSpPr>
@@ -1104,7 +1100,7 @@
       </p:sp>
       <p:sp>
         <p:nvSpPr>
-          <p:cNvPr id="95" name="Google Shape;95;gaf1ccaf6_026:notes"/>
+          <p:cNvPr id="101" name="Google Shape;101;gae4b1ffd_055:notes"/>
           <p:cNvSpPr txBox="1">
             <a:spLocks noGrp="1"/>
           </p:cNvSpPr>
@@ -1143,7 +1139,7 @@
     </p:spTree>
     <p:extLst>
       <p:ext uri="{BB962C8B-B14F-4D97-AF65-F5344CB8AC3E}">
-        <p14:creationId xmlns:p14="http://schemas.microsoft.com/office/powerpoint/2010/main" val="3790451753"/>
+        <p14:creationId xmlns:p14="http://schemas.microsoft.com/office/powerpoint/2010/main" val="1871165286"/>
       </p:ext>
     </p:extLst>
   </p:cSld>
@@ -1158,7 +1154,7 @@
   <p:cSld>
     <p:spTree>
       <p:nvGrpSpPr>
-        <p:cNvPr id="1" name="Shape 99"/>
+        <p:cNvPr id="1" name="Shape 106"/>
         <p:cNvGrpSpPr/>
         <p:nvPr/>
       </p:nvGrpSpPr>
@@ -1172,7 +1168,7 @@
       </p:grpSpPr>
       <p:sp>
         <p:nvSpPr>
-          <p:cNvPr id="100" name="Google Shape;100;gae4b1ffd_055:notes"/>
+          <p:cNvPr id="107" name="Google Shape;107;g7b4200d84_08:notes"/>
           <p:cNvSpPr>
             <a:spLocks noGrp="1" noRot="1" noChangeAspect="1"/>
           </p:cNvSpPr>
@@ -1213,7 +1209,7 @@
       </p:sp>
       <p:sp>
         <p:nvSpPr>
-          <p:cNvPr id="101" name="Google Shape;101;gae4b1ffd_055:notes"/>
+          <p:cNvPr id="108" name="Google Shape;108;g7b4200d84_08:notes"/>
           <p:cNvSpPr txBox="1">
             <a:spLocks noGrp="1"/>
           </p:cNvSpPr>
@@ -1252,7 +1248,7 @@
     </p:spTree>
     <p:extLst>
       <p:ext uri="{BB962C8B-B14F-4D97-AF65-F5344CB8AC3E}">
-        <p14:creationId xmlns:p14="http://schemas.microsoft.com/office/powerpoint/2010/main" val="1871165286"/>
+        <p14:creationId xmlns:p14="http://schemas.microsoft.com/office/powerpoint/2010/main" val="3620067343"/>
       </p:ext>
     </p:extLst>
   </p:cSld>
@@ -1361,7 +1357,7 @@
     </p:spTree>
     <p:extLst>
       <p:ext uri="{BB962C8B-B14F-4D97-AF65-F5344CB8AC3E}">
-        <p14:creationId xmlns:p14="http://schemas.microsoft.com/office/powerpoint/2010/main" val="3620067343"/>
+        <p14:creationId xmlns:p14="http://schemas.microsoft.com/office/powerpoint/2010/main" val="3816991675"/>
       </p:ext>
     </p:extLst>
   </p:cSld>
@@ -1376,7 +1372,7 @@
   <p:cSld>
     <p:spTree>
       <p:nvGrpSpPr>
-        <p:cNvPr id="1" name="Shape 106"/>
+        <p:cNvPr id="1" name="Shape 112"/>
         <p:cNvGrpSpPr/>
         <p:nvPr/>
       </p:nvGrpSpPr>
@@ -1390,7 +1386,7 @@
       </p:grpSpPr>
       <p:sp>
         <p:nvSpPr>
-          <p:cNvPr id="107" name="Google Shape;107;g7b4200d84_08:notes"/>
+          <p:cNvPr id="113" name="Google Shape;113;g7b4200d84_014:notes"/>
           <p:cNvSpPr>
             <a:spLocks noGrp="1" noRot="1" noChangeAspect="1"/>
           </p:cNvSpPr>
@@ -1431,7 +1427,7 @@
       </p:sp>
       <p:sp>
         <p:nvSpPr>
-          <p:cNvPr id="108" name="Google Shape;108;g7b4200d84_08:notes"/>
+          <p:cNvPr id="114" name="Google Shape;114;g7b4200d84_014:notes"/>
           <p:cNvSpPr txBox="1">
             <a:spLocks noGrp="1"/>
           </p:cNvSpPr>
@@ -1470,7 +1466,7 @@
     </p:spTree>
     <p:extLst>
       <p:ext uri="{BB962C8B-B14F-4D97-AF65-F5344CB8AC3E}">
-        <p14:creationId xmlns:p14="http://schemas.microsoft.com/office/powerpoint/2010/main" val="3816991675"/>
+        <p14:creationId xmlns:p14="http://schemas.microsoft.com/office/powerpoint/2010/main" val="3421644567"/>
       </p:ext>
     </p:extLst>
   </p:cSld>
@@ -1485,7 +1481,7 @@
   <p:cSld>
     <p:spTree>
       <p:nvGrpSpPr>
-        <p:cNvPr id="1" name="Shape 112"/>
+        <p:cNvPr id="1" name="Shape 118"/>
         <p:cNvGrpSpPr/>
         <p:nvPr/>
       </p:nvGrpSpPr>
@@ -1499,7 +1495,7 @@
       </p:grpSpPr>
       <p:sp>
         <p:nvSpPr>
-          <p:cNvPr id="113" name="Google Shape;113;g7b4200d84_014:notes"/>
+          <p:cNvPr id="119" name="Google Shape;119;gaf1ccaf6_00:notes"/>
           <p:cNvSpPr>
             <a:spLocks noGrp="1" noRot="1" noChangeAspect="1"/>
           </p:cNvSpPr>
@@ -1540,7 +1536,7 @@
       </p:sp>
       <p:sp>
         <p:nvSpPr>
-          <p:cNvPr id="114" name="Google Shape;114;g7b4200d84_014:notes"/>
+          <p:cNvPr id="120" name="Google Shape;120;gaf1ccaf6_00:notes"/>
           <p:cNvSpPr txBox="1">
             <a:spLocks noGrp="1"/>
           </p:cNvSpPr>
@@ -1579,7 +1575,7 @@
     </p:spTree>
     <p:extLst>
       <p:ext uri="{BB962C8B-B14F-4D97-AF65-F5344CB8AC3E}">
-        <p14:creationId xmlns:p14="http://schemas.microsoft.com/office/powerpoint/2010/main" val="3421644567"/>
+        <p14:creationId xmlns:p14="http://schemas.microsoft.com/office/powerpoint/2010/main" val="3543878149"/>
       </p:ext>
     </p:extLst>
   </p:cSld>
@@ -1594,7 +1590,7 @@
   <p:cSld>
     <p:spTree>
       <p:nvGrpSpPr>
-        <p:cNvPr id="1" name="Shape 118"/>
+        <p:cNvPr id="1" name="Shape 124"/>
         <p:cNvGrpSpPr/>
         <p:nvPr/>
       </p:nvGrpSpPr>
@@ -1608,7 +1604,7 @@
       </p:grpSpPr>
       <p:sp>
         <p:nvSpPr>
-          <p:cNvPr id="119" name="Google Shape;119;gaf1ccaf6_00:notes"/>
+          <p:cNvPr id="125" name="Google Shape;125;gaf1ccaf6_05:notes"/>
           <p:cNvSpPr>
             <a:spLocks noGrp="1" noRot="1" noChangeAspect="1"/>
           </p:cNvSpPr>
@@ -1649,7 +1645,7 @@
       </p:sp>
       <p:sp>
         <p:nvSpPr>
-          <p:cNvPr id="120" name="Google Shape;120;gaf1ccaf6_00:notes"/>
+          <p:cNvPr id="126" name="Google Shape;126;gaf1ccaf6_05:notes"/>
           <p:cNvSpPr txBox="1">
             <a:spLocks noGrp="1"/>
           </p:cNvSpPr>
@@ -1688,7 +1684,7 @@
     </p:spTree>
     <p:extLst>
       <p:ext uri="{BB962C8B-B14F-4D97-AF65-F5344CB8AC3E}">
-        <p14:creationId xmlns:p14="http://schemas.microsoft.com/office/powerpoint/2010/main" val="3543878149"/>
+        <p14:creationId xmlns:p14="http://schemas.microsoft.com/office/powerpoint/2010/main" val="1874368175"/>
       </p:ext>
     </p:extLst>
   </p:cSld>
@@ -1703,7 +1699,7 @@
   <p:cSld>
     <p:spTree>
       <p:nvGrpSpPr>
-        <p:cNvPr id="1" name="Shape 124"/>
+        <p:cNvPr id="1" name="Shape 130"/>
         <p:cNvGrpSpPr/>
         <p:nvPr/>
       </p:nvGrpSpPr>
@@ -1717,7 +1713,7 @@
       </p:grpSpPr>
       <p:sp>
         <p:nvSpPr>
-          <p:cNvPr id="125" name="Google Shape;125;gaf1ccaf6_05:notes"/>
+          <p:cNvPr id="131" name="Google Shape;131;g7b4200d84_00:notes"/>
           <p:cNvSpPr>
             <a:spLocks noGrp="1" noRot="1" noChangeAspect="1"/>
           </p:cNvSpPr>
@@ -1758,7 +1754,7 @@
       </p:sp>
       <p:sp>
         <p:nvSpPr>
-          <p:cNvPr id="126" name="Google Shape;126;gaf1ccaf6_05:notes"/>
+          <p:cNvPr id="132" name="Google Shape;132;g7b4200d84_00:notes"/>
           <p:cNvSpPr txBox="1">
             <a:spLocks noGrp="1"/>
           </p:cNvSpPr>
@@ -1797,7 +1793,7 @@
     </p:spTree>
     <p:extLst>
       <p:ext uri="{BB962C8B-B14F-4D97-AF65-F5344CB8AC3E}">
-        <p14:creationId xmlns:p14="http://schemas.microsoft.com/office/powerpoint/2010/main" val="1874368175"/>
+        <p14:creationId xmlns:p14="http://schemas.microsoft.com/office/powerpoint/2010/main" val="2546007751"/>
       </p:ext>
     </p:extLst>
   </p:cSld>
@@ -1812,7 +1808,7 @@
   <p:cSld>
     <p:spTree>
       <p:nvGrpSpPr>
-        <p:cNvPr id="1" name="Shape 130"/>
+        <p:cNvPr id="1" name="Shape 157"/>
         <p:cNvGrpSpPr/>
         <p:nvPr/>
       </p:nvGrpSpPr>
@@ -1826,7 +1822,7 @@
       </p:grpSpPr>
       <p:sp>
         <p:nvSpPr>
-          <p:cNvPr id="131" name="Google Shape;131;g7b4200d84_00:notes"/>
+          <p:cNvPr id="158" name="Google Shape;158;g128d8db6e_036:notes"/>
           <p:cNvSpPr>
             <a:spLocks noGrp="1" noRot="1" noChangeAspect="1"/>
           </p:cNvSpPr>
@@ -1867,7 +1863,7 @@
       </p:sp>
       <p:sp>
         <p:nvSpPr>
-          <p:cNvPr id="132" name="Google Shape;132;g7b4200d84_00:notes"/>
+          <p:cNvPr id="159" name="Google Shape;159;g128d8db6e_036:notes"/>
           <p:cNvSpPr txBox="1">
             <a:spLocks noGrp="1"/>
           </p:cNvSpPr>
@@ -1906,7 +1902,7 @@
     </p:spTree>
     <p:extLst>
       <p:ext uri="{BB962C8B-B14F-4D97-AF65-F5344CB8AC3E}">
-        <p14:creationId xmlns:p14="http://schemas.microsoft.com/office/powerpoint/2010/main" val="2546007751"/>
+        <p14:creationId xmlns:p14="http://schemas.microsoft.com/office/powerpoint/2010/main" val="451471079"/>
       </p:ext>
     </p:extLst>
   </p:cSld>
@@ -2020,12 +2016,12 @@
 </p:notes>
 </file>
 
-<file path=ppt/notesSlides/notesSlide20.xml><?xml version="1.0" encoding="utf-8"?>
+<file path=ppt/notesSlides/notesSlide3.xml><?xml version="1.0" encoding="utf-8"?>
 <p:notes xmlns:a="http://schemas.openxmlformats.org/drawingml/2006/main" xmlns:r="http://schemas.openxmlformats.org/officeDocument/2006/relationships" xmlns:p="http://schemas.openxmlformats.org/presentationml/2006/main" showMasterSp="0" showMasterPhAnim="0">
   <p:cSld>
     <p:spTree>
       <p:nvGrpSpPr>
-        <p:cNvPr id="1" name="Shape 157"/>
+        <p:cNvPr id="1" name="Shape 33"/>
         <p:cNvGrpSpPr/>
         <p:nvPr/>
       </p:nvGrpSpPr>
@@ -2039,7 +2035,7 @@
       </p:grpSpPr>
       <p:sp>
         <p:nvSpPr>
-          <p:cNvPr id="158" name="Google Shape;158;g128d8db6e_036:notes"/>
+          <p:cNvPr id="34" name="Google Shape;34;p:notes"/>
           <p:cNvSpPr>
             <a:spLocks noGrp="1" noRot="1" noChangeAspect="1"/>
           </p:cNvSpPr>
@@ -2080,7 +2076,7 @@
       </p:sp>
       <p:sp>
         <p:nvSpPr>
-          <p:cNvPr id="159" name="Google Shape;159;g128d8db6e_036:notes"/>
+          <p:cNvPr id="35" name="Google Shape;35;p:notes"/>
           <p:cNvSpPr txBox="1">
             <a:spLocks noGrp="1"/>
           </p:cNvSpPr>
@@ -2119,7 +2115,7 @@
     </p:spTree>
     <p:extLst>
       <p:ext uri="{BB962C8B-B14F-4D97-AF65-F5344CB8AC3E}">
-        <p14:creationId xmlns:p14="http://schemas.microsoft.com/office/powerpoint/2010/main" val="451471079"/>
+        <p14:creationId xmlns:p14="http://schemas.microsoft.com/office/powerpoint/2010/main" val="2625268767"/>
       </p:ext>
     </p:extLst>
   </p:cSld>
@@ -2129,12 +2125,12 @@
 </p:notes>
 </file>
 
-<file path=ppt/notesSlides/notesSlide3.xml><?xml version="1.0" encoding="utf-8"?>
+<file path=ppt/notesSlides/notesSlide4.xml><?xml version="1.0" encoding="utf-8"?>
 <p:notes xmlns:a="http://schemas.openxmlformats.org/drawingml/2006/main" xmlns:r="http://schemas.openxmlformats.org/officeDocument/2006/relationships" xmlns:p="http://schemas.openxmlformats.org/presentationml/2006/main" showMasterSp="0" showMasterPhAnim="0">
   <p:cSld>
     <p:spTree>
       <p:nvGrpSpPr>
-        <p:cNvPr id="1" name="Shape 33"/>
+        <p:cNvPr id="1" name="Shape 40"/>
         <p:cNvGrpSpPr/>
         <p:nvPr/>
       </p:nvGrpSpPr>
@@ -2148,7 +2144,7 @@
       </p:grpSpPr>
       <p:sp>
         <p:nvSpPr>
-          <p:cNvPr id="34" name="Google Shape;34;p:notes"/>
+          <p:cNvPr id="41" name="Google Shape;41;gae4b1ffd_00:notes"/>
           <p:cNvSpPr>
             <a:spLocks noGrp="1" noRot="1" noChangeAspect="1"/>
           </p:cNvSpPr>
@@ -2189,7 +2185,7 @@
       </p:sp>
       <p:sp>
         <p:nvSpPr>
-          <p:cNvPr id="35" name="Google Shape;35;p:notes"/>
+          <p:cNvPr id="42" name="Google Shape;42;gae4b1ffd_00:notes"/>
           <p:cNvSpPr txBox="1">
             <a:spLocks noGrp="1"/>
           </p:cNvSpPr>
@@ -2228,7 +2224,7 @@
     </p:spTree>
     <p:extLst>
       <p:ext uri="{BB962C8B-B14F-4D97-AF65-F5344CB8AC3E}">
-        <p14:creationId xmlns:p14="http://schemas.microsoft.com/office/powerpoint/2010/main" val="2625268767"/>
+        <p14:creationId xmlns:p14="http://schemas.microsoft.com/office/powerpoint/2010/main" val="2600299914"/>
       </p:ext>
     </p:extLst>
   </p:cSld>
@@ -2238,12 +2234,12 @@
 </p:notes>
 </file>
 
-<file path=ppt/notesSlides/notesSlide4.xml><?xml version="1.0" encoding="utf-8"?>
+<file path=ppt/notesSlides/notesSlide5.xml><?xml version="1.0" encoding="utf-8"?>
 <p:notes xmlns:a="http://schemas.openxmlformats.org/drawingml/2006/main" xmlns:r="http://schemas.openxmlformats.org/officeDocument/2006/relationships" xmlns:p="http://schemas.openxmlformats.org/presentationml/2006/main" showMasterSp="0" showMasterPhAnim="0">
   <p:cSld>
     <p:spTree>
       <p:nvGrpSpPr>
-        <p:cNvPr id="1" name="Shape 40"/>
+        <p:cNvPr id="1" name="Shape 46"/>
         <p:cNvGrpSpPr/>
         <p:nvPr/>
       </p:nvGrpSpPr>
@@ -2257,7 +2253,7 @@
       </p:grpSpPr>
       <p:sp>
         <p:nvSpPr>
-          <p:cNvPr id="41" name="Google Shape;41;gae4b1ffd_00:notes"/>
+          <p:cNvPr id="47" name="Google Shape;47;gae4b1ffd_05:notes"/>
           <p:cNvSpPr>
             <a:spLocks noGrp="1" noRot="1" noChangeAspect="1"/>
           </p:cNvSpPr>
@@ -2298,7 +2294,7 @@
       </p:sp>
       <p:sp>
         <p:nvSpPr>
-          <p:cNvPr id="42" name="Google Shape;42;gae4b1ffd_00:notes"/>
+          <p:cNvPr id="48" name="Google Shape;48;gae4b1ffd_05:notes"/>
           <p:cNvSpPr txBox="1">
             <a:spLocks noGrp="1"/>
           </p:cNvSpPr>
@@ -2337,7 +2333,7 @@
     </p:spTree>
     <p:extLst>
       <p:ext uri="{BB962C8B-B14F-4D97-AF65-F5344CB8AC3E}">
-        <p14:creationId xmlns:p14="http://schemas.microsoft.com/office/powerpoint/2010/main" val="2600299914"/>
+        <p14:creationId xmlns:p14="http://schemas.microsoft.com/office/powerpoint/2010/main" val="3381530667"/>
       </p:ext>
     </p:extLst>
   </p:cSld>
@@ -2347,12 +2343,12 @@
 </p:notes>
 </file>
 
-<file path=ppt/notesSlides/notesSlide5.xml><?xml version="1.0" encoding="utf-8"?>
+<file path=ppt/notesSlides/notesSlide6.xml><?xml version="1.0" encoding="utf-8"?>
 <p:notes xmlns:a="http://schemas.openxmlformats.org/drawingml/2006/main" xmlns:r="http://schemas.openxmlformats.org/officeDocument/2006/relationships" xmlns:p="http://schemas.openxmlformats.org/presentationml/2006/main" showMasterSp="0" showMasterPhAnim="0">
   <p:cSld>
     <p:spTree>
       <p:nvGrpSpPr>
-        <p:cNvPr id="1" name="Shape 46"/>
+        <p:cNvPr id="1" name="Shape 58"/>
         <p:cNvGrpSpPr/>
         <p:nvPr/>
       </p:nvGrpSpPr>
@@ -2366,7 +2362,7 @@
       </p:grpSpPr>
       <p:sp>
         <p:nvSpPr>
-          <p:cNvPr id="47" name="Google Shape;47;gae4b1ffd_05:notes"/>
+          <p:cNvPr id="59" name="Google Shape;59;gaf1ccaf6_015:notes"/>
           <p:cNvSpPr>
             <a:spLocks noGrp="1" noRot="1" noChangeAspect="1"/>
           </p:cNvSpPr>
@@ -2407,7 +2403,7 @@
       </p:sp>
       <p:sp>
         <p:nvSpPr>
-          <p:cNvPr id="48" name="Google Shape;48;gae4b1ffd_05:notes"/>
+          <p:cNvPr id="60" name="Google Shape;60;gaf1ccaf6_015:notes"/>
           <p:cNvSpPr txBox="1">
             <a:spLocks noGrp="1"/>
           </p:cNvSpPr>
@@ -2446,7 +2442,7 @@
     </p:spTree>
     <p:extLst>
       <p:ext uri="{BB962C8B-B14F-4D97-AF65-F5344CB8AC3E}">
-        <p14:creationId xmlns:p14="http://schemas.microsoft.com/office/powerpoint/2010/main" val="3381530667"/>
+        <p14:creationId xmlns:p14="http://schemas.microsoft.com/office/powerpoint/2010/main" val="2026851449"/>
       </p:ext>
     </p:extLst>
   </p:cSld>
@@ -2456,12 +2452,12 @@
 </p:notes>
 </file>
 
-<file path=ppt/notesSlides/notesSlide6.xml><?xml version="1.0" encoding="utf-8"?>
+<file path=ppt/notesSlides/notesSlide7.xml><?xml version="1.0" encoding="utf-8"?>
 <p:notes xmlns:a="http://schemas.openxmlformats.org/drawingml/2006/main" xmlns:r="http://schemas.openxmlformats.org/officeDocument/2006/relationships" xmlns:p="http://schemas.openxmlformats.org/presentationml/2006/main" showMasterSp="0" showMasterPhAnim="0">
   <p:cSld>
     <p:spTree>
       <p:nvGrpSpPr>
-        <p:cNvPr id="1" name="Shape 52"/>
+        <p:cNvPr id="1" name="Shape 64"/>
         <p:cNvGrpSpPr/>
         <p:nvPr/>
       </p:nvGrpSpPr>
@@ -2475,7 +2471,7 @@
       </p:grpSpPr>
       <p:sp>
         <p:nvSpPr>
-          <p:cNvPr id="53" name="Google Shape;53;gae4b1ffd_010:notes"/>
+          <p:cNvPr id="65" name="Google Shape;65;gae4b1ffd_035:notes"/>
           <p:cNvSpPr>
             <a:spLocks noGrp="1" noRot="1" noChangeAspect="1"/>
           </p:cNvSpPr>
@@ -2516,7 +2512,7 @@
       </p:sp>
       <p:sp>
         <p:nvSpPr>
-          <p:cNvPr id="54" name="Google Shape;54;gae4b1ffd_010:notes"/>
+          <p:cNvPr id="66" name="Google Shape;66;gae4b1ffd_035:notes"/>
           <p:cNvSpPr txBox="1">
             <a:spLocks noGrp="1"/>
           </p:cNvSpPr>
@@ -2555,7 +2551,7 @@
     </p:spTree>
     <p:extLst>
       <p:ext uri="{BB962C8B-B14F-4D97-AF65-F5344CB8AC3E}">
-        <p14:creationId xmlns:p14="http://schemas.microsoft.com/office/powerpoint/2010/main" val="2152198566"/>
+        <p14:creationId xmlns:p14="http://schemas.microsoft.com/office/powerpoint/2010/main" val="4164894277"/>
       </p:ext>
     </p:extLst>
   </p:cSld>
@@ -2565,12 +2561,12 @@
 </p:notes>
 </file>
 
-<file path=ppt/notesSlides/notesSlide7.xml><?xml version="1.0" encoding="utf-8"?>
+<file path=ppt/notesSlides/notesSlide8.xml><?xml version="1.0" encoding="utf-8"?>
 <p:notes xmlns:a="http://schemas.openxmlformats.org/drawingml/2006/main" xmlns:r="http://schemas.openxmlformats.org/officeDocument/2006/relationships" xmlns:p="http://schemas.openxmlformats.org/presentationml/2006/main" showMasterSp="0" showMasterPhAnim="0">
   <p:cSld>
     <p:spTree>
       <p:nvGrpSpPr>
-        <p:cNvPr id="1" name="Shape 58"/>
+        <p:cNvPr id="1" name="Shape 70"/>
         <p:cNvGrpSpPr/>
         <p:nvPr/>
       </p:nvGrpSpPr>
@@ -2584,7 +2580,7 @@
       </p:grpSpPr>
       <p:sp>
         <p:nvSpPr>
-          <p:cNvPr id="59" name="Google Shape;59;gaf1ccaf6_015:notes"/>
+          <p:cNvPr id="71" name="Google Shape;71;gae4b1ffd_040:notes"/>
           <p:cNvSpPr>
             <a:spLocks noGrp="1" noRot="1" noChangeAspect="1"/>
           </p:cNvSpPr>
@@ -2625,7 +2621,7 @@
       </p:sp>
       <p:sp>
         <p:nvSpPr>
-          <p:cNvPr id="60" name="Google Shape;60;gaf1ccaf6_015:notes"/>
+          <p:cNvPr id="72" name="Google Shape;72;gae4b1ffd_040:notes"/>
           <p:cNvSpPr txBox="1">
             <a:spLocks noGrp="1"/>
           </p:cNvSpPr>
@@ -2664,7 +2660,7 @@
     </p:spTree>
     <p:extLst>
       <p:ext uri="{BB962C8B-B14F-4D97-AF65-F5344CB8AC3E}">
-        <p14:creationId xmlns:p14="http://schemas.microsoft.com/office/powerpoint/2010/main" val="2026851449"/>
+        <p14:creationId xmlns:p14="http://schemas.microsoft.com/office/powerpoint/2010/main" val="456761883"/>
       </p:ext>
     </p:extLst>
   </p:cSld>
@@ -2674,12 +2670,12 @@
 </p:notes>
 </file>
 
-<file path=ppt/notesSlides/notesSlide8.xml><?xml version="1.0" encoding="utf-8"?>
+<file path=ppt/notesSlides/notesSlide9.xml><?xml version="1.0" encoding="utf-8"?>
 <p:notes xmlns:a="http://schemas.openxmlformats.org/drawingml/2006/main" xmlns:r="http://schemas.openxmlformats.org/officeDocument/2006/relationships" xmlns:p="http://schemas.openxmlformats.org/presentationml/2006/main" showMasterSp="0" showMasterPhAnim="0">
   <p:cSld>
     <p:spTree>
       <p:nvGrpSpPr>
-        <p:cNvPr id="1" name="Shape 64"/>
+        <p:cNvPr id="1" name="Shape 79"/>
         <p:cNvGrpSpPr/>
         <p:nvPr/>
       </p:nvGrpSpPr>
@@ -2693,7 +2689,7 @@
       </p:grpSpPr>
       <p:sp>
         <p:nvSpPr>
-          <p:cNvPr id="65" name="Google Shape;65;gae4b1ffd_035:notes"/>
+          <p:cNvPr id="80" name="Google Shape;80;gae4b1ffd_045:notes"/>
           <p:cNvSpPr>
             <a:spLocks noGrp="1" noRot="1" noChangeAspect="1"/>
           </p:cNvSpPr>
@@ -2734,7 +2730,7 @@
       </p:sp>
       <p:sp>
         <p:nvSpPr>
-          <p:cNvPr id="66" name="Google Shape;66;gae4b1ffd_035:notes"/>
+          <p:cNvPr id="81" name="Google Shape;81;gae4b1ffd_045:notes"/>
           <p:cNvSpPr txBox="1">
             <a:spLocks noGrp="1"/>
           </p:cNvSpPr>
@@ -2773,116 +2769,7 @@
     </p:spTree>
     <p:extLst>
       <p:ext uri="{BB962C8B-B14F-4D97-AF65-F5344CB8AC3E}">
-        <p14:creationId xmlns:p14="http://schemas.microsoft.com/office/powerpoint/2010/main" val="4164894277"/>
-      </p:ext>
-    </p:extLst>
-  </p:cSld>
-  <p:clrMapOvr>
-    <a:masterClrMapping/>
-  </p:clrMapOvr>
-</p:notes>
-</file>
-
-<file path=ppt/notesSlides/notesSlide9.xml><?xml version="1.0" encoding="utf-8"?>
-<p:notes xmlns:a="http://schemas.openxmlformats.org/drawingml/2006/main" xmlns:r="http://schemas.openxmlformats.org/officeDocument/2006/relationships" xmlns:p="http://schemas.openxmlformats.org/presentationml/2006/main" showMasterSp="0" showMasterPhAnim="0">
-  <p:cSld>
-    <p:spTree>
-      <p:nvGrpSpPr>
-        <p:cNvPr id="1" name="Shape 70"/>
-        <p:cNvGrpSpPr/>
-        <p:nvPr/>
-      </p:nvGrpSpPr>
-      <p:grpSpPr>
-        <a:xfrm>
-          <a:off x="0" y="0"/>
-          <a:ext cx="0" cy="0"/>
-          <a:chOff x="0" y="0"/>
-          <a:chExt cx="0" cy="0"/>
-        </a:xfrm>
-      </p:grpSpPr>
-      <p:sp>
-        <p:nvSpPr>
-          <p:cNvPr id="71" name="Google Shape;71;gae4b1ffd_040:notes"/>
-          <p:cNvSpPr>
-            <a:spLocks noGrp="1" noRot="1" noChangeAspect="1"/>
-          </p:cNvSpPr>
-          <p:nvPr>
-            <p:ph type="sldImg" idx="2"/>
-          </p:nvPr>
-        </p:nvSpPr>
-        <p:spPr>
-          <a:xfrm>
-            <a:off x="381000" y="685800"/>
-            <a:ext cx="6096000" cy="3429000"/>
-          </a:xfrm>
-          <a:custGeom>
-            <a:avLst/>
-            <a:gdLst/>
-            <a:ahLst/>
-            <a:cxnLst/>
-            <a:rect l="l" t="t" r="r" b="b"/>
-            <a:pathLst>
-              <a:path w="120000" h="120000" extrusionOk="0">
-                <a:moveTo>
-                  <a:pt x="0" y="0"/>
-                </a:moveTo>
-                <a:lnTo>
-                  <a:pt x="120000" y="0"/>
-                </a:lnTo>
-                <a:lnTo>
-                  <a:pt x="120000" y="120000"/>
-                </a:lnTo>
-                <a:lnTo>
-                  <a:pt x="0" y="120000"/>
-                </a:lnTo>
-                <a:close/>
-              </a:path>
-            </a:pathLst>
-          </a:custGeom>
-        </p:spPr>
-      </p:sp>
-      <p:sp>
-        <p:nvSpPr>
-          <p:cNvPr id="72" name="Google Shape;72;gae4b1ffd_040:notes"/>
-          <p:cNvSpPr txBox="1">
-            <a:spLocks noGrp="1"/>
-          </p:cNvSpPr>
-          <p:nvPr>
-            <p:ph type="body" idx="1"/>
-          </p:nvPr>
-        </p:nvSpPr>
-        <p:spPr>
-          <a:xfrm>
-            <a:off x="685800" y="4343400"/>
-            <a:ext cx="5486400" cy="4114800"/>
-          </a:xfrm>
-          <a:prstGeom prst="rect">
-            <a:avLst/>
-          </a:prstGeom>
-        </p:spPr>
-        <p:txBody>
-          <a:bodyPr spcFirstLastPara="1" wrap="square" lIns="91425" tIns="91425" rIns="91425" bIns="91425" anchor="t" anchorCtr="0">
-            <a:noAutofit/>
-          </a:bodyPr>
-          <a:lstStyle/>
-          <a:p>
-            <a:pPr marL="0" lvl="0" indent="0" algn="l" rtl="0">
-              <a:spcBef>
-                <a:spcPts val="0"/>
-              </a:spcBef>
-              <a:spcAft>
-                <a:spcPts val="0"/>
-              </a:spcAft>
-              <a:buNone/>
-            </a:pPr>
-            <a:endParaRPr/>
-          </a:p>
-        </p:txBody>
-      </p:sp>
-    </p:spTree>
-    <p:extLst>
-      <p:ext uri="{BB962C8B-B14F-4D97-AF65-F5344CB8AC3E}">
-        <p14:creationId xmlns:p14="http://schemas.microsoft.com/office/powerpoint/2010/main" val="456761883"/>
+        <p14:creationId xmlns:p14="http://schemas.microsoft.com/office/powerpoint/2010/main" val="3164590478"/>
       </p:ext>
     </p:extLst>
   </p:cSld>
@@ -3045,7 +2932,7 @@
           <a:p>
             <a:fld id="{F3953782-D06E-4853-BE3C-64C197273937}" type="datetimeFigureOut">
               <a:rPr lang="fr-BE" smtClean="0"/>
-              <a:t>24-11-25</a:t>
+              <a:t>23-02-26</a:t>
             </a:fld>
             <a:endParaRPr lang="fr-BE"/>
           </a:p>
@@ -4913,7 +4800,7 @@
           <a:p>
             <a:fld id="{F3953782-D06E-4853-BE3C-64C197273937}" type="datetimeFigureOut">
               <a:rPr lang="fr-BE" smtClean="0"/>
-              <a:t>24-11-25</a:t>
+              <a:t>23-02-26</a:t>
             </a:fld>
             <a:endParaRPr lang="fr-BE"/>
           </a:p>
@@ -5229,7 +5116,7 @@
           <a:p>
             <a:fld id="{F3953782-D06E-4853-BE3C-64C197273937}" type="datetimeFigureOut">
               <a:rPr lang="fr-BE" smtClean="0"/>
-              <a:t>24-11-25</a:t>
+              <a:t>23-02-26</a:t>
             </a:fld>
             <a:endParaRPr lang="fr-BE"/>
           </a:p>
@@ -5426,7 +5313,7 @@
           <a:p>
             <a:fld id="{F3953782-D06E-4853-BE3C-64C197273937}" type="datetimeFigureOut">
               <a:rPr lang="fr-BE" smtClean="0"/>
-              <a:t>24-11-25</a:t>
+              <a:t>23-02-26</a:t>
             </a:fld>
             <a:endParaRPr lang="fr-BE"/>
           </a:p>
@@ -5688,7 +5575,7 @@
           <a:p>
             <a:fld id="{F3953782-D06E-4853-BE3C-64C197273937}" type="datetimeFigureOut">
               <a:rPr lang="fr-BE" smtClean="0"/>
-              <a:t>24-11-25</a:t>
+              <a:t>23-02-26</a:t>
             </a:fld>
             <a:endParaRPr lang="fr-BE"/>
           </a:p>
@@ -6086,7 +5973,7 @@
           <a:p>
             <a:fld id="{F3953782-D06E-4853-BE3C-64C197273937}" type="datetimeFigureOut">
               <a:rPr lang="fr-BE" smtClean="0"/>
-              <a:t>24-11-25</a:t>
+              <a:t>23-02-26</a:t>
             </a:fld>
             <a:endParaRPr lang="fr-BE"/>
           </a:p>
@@ -6234,7 +6121,7 @@
           <a:p>
             <a:fld id="{F3953782-D06E-4853-BE3C-64C197273937}" type="datetimeFigureOut">
               <a:rPr lang="fr-BE" smtClean="0"/>
-              <a:t>24-11-25</a:t>
+              <a:t>23-02-26</a:t>
             </a:fld>
             <a:endParaRPr lang="fr-BE"/>
           </a:p>
@@ -6583,7 +6470,7 @@
           <a:p>
             <a:fld id="{F3953782-D06E-4853-BE3C-64C197273937}" type="datetimeFigureOut">
               <a:rPr lang="fr-BE" smtClean="0"/>
-              <a:t>24-11-25</a:t>
+              <a:t>23-02-26</a:t>
             </a:fld>
             <a:endParaRPr lang="fr-BE"/>
           </a:p>
@@ -6909,7 +6796,7 @@
           <a:p>
             <a:fld id="{F3953782-D06E-4853-BE3C-64C197273937}" type="datetimeFigureOut">
               <a:rPr lang="fr-BE" smtClean="0"/>
-              <a:t>24-11-25</a:t>
+              <a:t>23-02-26</a:t>
             </a:fld>
             <a:endParaRPr lang="fr-BE"/>
           </a:p>
@@ -7574,295 +7461,6 @@
   <p:cSld>
     <p:spTree>
       <p:nvGrpSpPr>
-        <p:cNvPr id="1" name="Shape 61"/>
-        <p:cNvGrpSpPr/>
-        <p:nvPr/>
-      </p:nvGrpSpPr>
-      <p:grpSpPr>
-        <a:xfrm>
-          <a:off x="0" y="0"/>
-          <a:ext cx="0" cy="0"/>
-          <a:chOff x="0" y="0"/>
-          <a:chExt cx="0" cy="0"/>
-        </a:xfrm>
-      </p:grpSpPr>
-      <p:sp>
-        <p:nvSpPr>
-          <p:cNvPr id="62" name="Google Shape;62;p12"/>
-          <p:cNvSpPr txBox="1">
-            <a:spLocks noGrp="1"/>
-          </p:cNvSpPr>
-          <p:nvPr>
-            <p:ph type="title"/>
-          </p:nvPr>
-        </p:nvSpPr>
-        <p:spPr/>
-        <p:txBody>
-          <a:bodyPr/>
-          <a:lstStyle/>
-          <a:p>
-            <a:r>
-              <a:rPr lang="fr-BE">
-                <a:sym typeface="Calibri"/>
-              </a:rPr>
-              <a:t>Exemple de formulaire</a:t>
-            </a:r>
-          </a:p>
-        </p:txBody>
-      </p:sp>
-      <p:sp>
-        <p:nvSpPr>
-          <p:cNvPr id="63" name="Google Shape;63;p12"/>
-          <p:cNvSpPr txBox="1">
-            <a:spLocks noGrp="1"/>
-          </p:cNvSpPr>
-          <p:nvPr>
-            <p:ph idx="1"/>
-          </p:nvPr>
-        </p:nvSpPr>
-        <p:spPr/>
-        <p:txBody>
-          <a:bodyPr/>
-          <a:lstStyle/>
-          <a:p>
-            <a:r>
-              <a:rPr lang="fr-BE">
-                <a:sym typeface="Calibri"/>
-              </a:rPr>
-              <a:t>Déclaration d'un formulaire</a:t>
-            </a:r>
-          </a:p>
-          <a:p>
-            <a:endParaRPr lang="fr-BE">
-              <a:sym typeface="Courier New"/>
-            </a:endParaRPr>
-          </a:p>
-          <a:p>
-            <a:pPr marL="0" indent="0">
-              <a:buNone/>
-            </a:pPr>
-            <a:r>
-              <a:rPr lang="fr-BE" sz="2800" b="1">
-                <a:solidFill>
-                  <a:schemeClr val="accent6">
-                    <a:lumMod val="50000"/>
-                  </a:schemeClr>
-                </a:solidFill>
-                <a:latin typeface="Courier New" panose="02070309020205020404" pitchFamily="49" charset="0"/>
-                <a:cs typeface="Courier New" panose="02070309020205020404" pitchFamily="49" charset="0"/>
-                <a:sym typeface="Courier New"/>
-              </a:rPr>
-              <a:t>&lt;form method="get" action="./register.php"&gt;</a:t>
-            </a:r>
-          </a:p>
-          <a:p>
-            <a:pPr marL="0" indent="0">
-              <a:buNone/>
-            </a:pPr>
-            <a:r>
-              <a:rPr lang="fr-BE" sz="2800" b="1">
-                <a:solidFill>
-                  <a:schemeClr val="accent6">
-                    <a:lumMod val="50000"/>
-                  </a:schemeClr>
-                </a:solidFill>
-                <a:latin typeface="Courier New" panose="02070309020205020404" pitchFamily="49" charset="0"/>
-                <a:cs typeface="Courier New" panose="02070309020205020404" pitchFamily="49" charset="0"/>
-                <a:sym typeface="Courier New"/>
-              </a:rPr>
-              <a:t>	...</a:t>
-            </a:r>
-          </a:p>
-          <a:p>
-            <a:pPr marL="0" indent="0">
-              <a:buNone/>
-            </a:pPr>
-            <a:r>
-              <a:rPr lang="fr-BE" sz="2800" b="1">
-                <a:solidFill>
-                  <a:schemeClr val="accent6">
-                    <a:lumMod val="50000"/>
-                  </a:schemeClr>
-                </a:solidFill>
-                <a:latin typeface="Courier New" panose="02070309020205020404" pitchFamily="49" charset="0"/>
-                <a:cs typeface="Courier New" panose="02070309020205020404" pitchFamily="49" charset="0"/>
-                <a:sym typeface="Courier New"/>
-              </a:rPr>
-              <a:t>&lt;/form&gt;</a:t>
-            </a:r>
-          </a:p>
-          <a:p>
-            <a:endParaRPr lang="fr-BE"/>
-          </a:p>
-        </p:txBody>
-      </p:sp>
-    </p:spTree>
-    <p:extLst>
-      <p:ext uri="{BB962C8B-B14F-4D97-AF65-F5344CB8AC3E}">
-        <p14:creationId xmlns:p14="http://schemas.microsoft.com/office/powerpoint/2010/main" val="2573610486"/>
-      </p:ext>
-    </p:extLst>
-  </p:cSld>
-  <p:clrMapOvr>
-    <a:masterClrMapping/>
-  </p:clrMapOvr>
-  <mc:AlternateContent xmlns:mc="http://schemas.openxmlformats.org/markup-compatibility/2006" xmlns:p14="http://schemas.microsoft.com/office/powerpoint/2010/main">
-    <mc:Choice Requires="p14">
-      <p:transition spd="slow">
-        <p14:reveal/>
-      </p:transition>
-    </mc:Choice>
-    <mc:Fallback xmlns="">
-      <p:transition spd="slow">
-        <p:fade/>
-      </p:transition>
-    </mc:Fallback>
-  </mc:AlternateContent>
-</p:sld>
-</file>
-
-<file path=ppt/slides/slide11.xml><?xml version="1.0" encoding="utf-8"?>
-<p:sld xmlns:a="http://schemas.openxmlformats.org/drawingml/2006/main" xmlns:r="http://schemas.openxmlformats.org/officeDocument/2006/relationships" xmlns:p="http://schemas.openxmlformats.org/presentationml/2006/main">
-  <p:cSld>
-    <p:spTree>
-      <p:nvGrpSpPr>
-        <p:cNvPr id="1" name=""/>
-        <p:cNvGrpSpPr/>
-        <p:nvPr/>
-      </p:nvGrpSpPr>
-      <p:grpSpPr>
-        <a:xfrm>
-          <a:off x="0" y="0"/>
-          <a:ext cx="0" cy="0"/>
-          <a:chOff x="0" y="0"/>
-          <a:chExt cx="0" cy="0"/>
-        </a:xfrm>
-      </p:grpSpPr>
-      <p:sp>
-        <p:nvSpPr>
-          <p:cNvPr id="4" name="Titre 3">
-            <a:extLst>
-              <a:ext uri="{FF2B5EF4-FFF2-40B4-BE49-F238E27FC236}">
-                <a16:creationId xmlns:a16="http://schemas.microsoft.com/office/drawing/2014/main" id="{6BC2345B-F403-44E5-97C3-F5BDF024DC43}"/>
-              </a:ext>
-            </a:extLst>
-          </p:cNvPr>
-          <p:cNvSpPr>
-            <a:spLocks noGrp="1"/>
-          </p:cNvSpPr>
-          <p:nvPr>
-            <p:ph type="title"/>
-          </p:nvPr>
-        </p:nvSpPr>
-        <p:spPr/>
-        <p:txBody>
-          <a:bodyPr/>
-          <a:lstStyle/>
-          <a:p>
-            <a:r>
-              <a:rPr lang="fr-BE">
-                <a:sym typeface="Calibri"/>
-              </a:rPr>
-              <a:t>Balises HTML</a:t>
-            </a:r>
-            <a:endParaRPr lang="fr-BE"/>
-          </a:p>
-        </p:txBody>
-      </p:sp>
-      <p:sp>
-        <p:nvSpPr>
-          <p:cNvPr id="2" name="Espace réservé du texte 1">
-            <a:extLst>
-              <a:ext uri="{FF2B5EF4-FFF2-40B4-BE49-F238E27FC236}">
-                <a16:creationId xmlns:a16="http://schemas.microsoft.com/office/drawing/2014/main" id="{476AB62D-B7ED-86E3-C02B-C782347789A9}"/>
-              </a:ext>
-            </a:extLst>
-          </p:cNvPr>
-          <p:cNvSpPr>
-            <a:spLocks noGrp="1"/>
-          </p:cNvSpPr>
-          <p:nvPr>
-            <p:ph type="body" idx="1"/>
-          </p:nvPr>
-        </p:nvSpPr>
-        <p:spPr/>
-        <p:txBody>
-          <a:bodyPr/>
-          <a:lstStyle/>
-          <a:p>
-            <a:endParaRPr lang="fr-BE"/>
-          </a:p>
-        </p:txBody>
-      </p:sp>
-      <p:pic>
-        <p:nvPicPr>
-          <p:cNvPr id="6" name="Google Shape;39;p8">
-            <a:hlinkClick r:id="rId2"/>
-            <a:extLst>
-              <a:ext uri="{FF2B5EF4-FFF2-40B4-BE49-F238E27FC236}">
-                <a16:creationId xmlns:a16="http://schemas.microsoft.com/office/drawing/2014/main" id="{F73F5139-A5C5-497C-AE5C-231EBB7AE61F}"/>
-              </a:ext>
-            </a:extLst>
-          </p:cNvPr>
-          <p:cNvPicPr preferRelativeResize="0">
-            <a:picLocks noGrp="1"/>
-          </p:cNvPicPr>
-          <p:nvPr>
-            <p:ph type="pic" sz="quarter" idx="10"/>
-          </p:nvPr>
-        </p:nvPicPr>
-        <p:blipFill>
-          <a:blip r:embed="rId3" cstate="email">
-            <a:alphaModFix/>
-            <a:extLst>
-              <a:ext uri="{28A0092B-C50C-407E-A947-70E740481C1C}">
-                <a14:useLocalDpi xmlns:a14="http://schemas.microsoft.com/office/drawing/2010/main"/>
-              </a:ext>
-            </a:extLst>
-          </a:blip>
-          <a:srcRect t="37" b="37"/>
-          <a:stretch/>
-        </p:blipFill>
-        <p:spPr>
-          <a:prstGeom prst="rect">
-            <a:avLst/>
-          </a:prstGeom>
-          <a:noFill/>
-          <a:ln>
-            <a:noFill/>
-          </a:ln>
-        </p:spPr>
-      </p:pic>
-    </p:spTree>
-    <p:extLst>
-      <p:ext uri="{BB962C8B-B14F-4D97-AF65-F5344CB8AC3E}">
-        <p14:creationId xmlns:p14="http://schemas.microsoft.com/office/powerpoint/2010/main" val="3335409893"/>
-      </p:ext>
-    </p:extLst>
-  </p:cSld>
-  <p:clrMapOvr>
-    <a:masterClrMapping/>
-  </p:clrMapOvr>
-  <mc:AlternateContent xmlns:mc="http://schemas.openxmlformats.org/markup-compatibility/2006" xmlns:p14="http://schemas.microsoft.com/office/powerpoint/2010/main">
-    <mc:Choice Requires="p14">
-      <p:transition spd="slow">
-        <p14:reveal/>
-      </p:transition>
-    </mc:Choice>
-    <mc:Fallback xmlns="">
-      <p:transition spd="slow">
-        <p:fade/>
-      </p:transition>
-    </mc:Fallback>
-  </mc:AlternateContent>
-</p:sld>
-</file>
-
-<file path=ppt/slides/slide12.xml><?xml version="1.0" encoding="utf-8"?>
-<p:sld xmlns:a="http://schemas.openxmlformats.org/drawingml/2006/main" xmlns:r="http://schemas.openxmlformats.org/officeDocument/2006/relationships" xmlns:p="http://schemas.openxmlformats.org/presentationml/2006/main">
-  <p:cSld>
-    <p:spTree>
-      <p:nvGrpSpPr>
         <p:cNvPr id="1" name="Shape 67"/>
         <p:cNvGrpSpPr/>
         <p:nvPr/>
@@ -8040,7 +7638,7 @@
 </p:sld>
 </file>
 
-<file path=ppt/slides/slide13.xml><?xml version="1.0" encoding="utf-8"?>
+<file path=ppt/slides/slide11.xml><?xml version="1.0" encoding="utf-8"?>
 <p:sld xmlns:a="http://schemas.openxmlformats.org/drawingml/2006/main" xmlns:r="http://schemas.openxmlformats.org/officeDocument/2006/relationships" xmlns:p="http://schemas.openxmlformats.org/presentationml/2006/main">
   <p:cSld>
     <p:spTree>
@@ -8394,7 +7992,7 @@
 </p:sld>
 </file>
 
-<file path=ppt/slides/slide14.xml><?xml version="1.0" encoding="utf-8"?>
+<file path=ppt/slides/slide12.xml><?xml version="1.0" encoding="utf-8"?>
 <p:sld xmlns:a="http://schemas.openxmlformats.org/drawingml/2006/main" xmlns:r="http://schemas.openxmlformats.org/officeDocument/2006/relationships" xmlns:p="http://schemas.openxmlformats.org/presentationml/2006/main">
   <p:cSld>
     <p:spTree>
@@ -8789,7 +8387,7 @@
 </p:sld>
 </file>
 
-<file path=ppt/slides/slide15.xml><?xml version="1.0" encoding="utf-8"?>
+<file path=ppt/slides/slide13.xml><?xml version="1.0" encoding="utf-8"?>
 <p:sld xmlns:a="http://schemas.openxmlformats.org/drawingml/2006/main" xmlns:r="http://schemas.openxmlformats.org/officeDocument/2006/relationships" xmlns:p="http://schemas.openxmlformats.org/presentationml/2006/main">
   <p:cSld>
     <p:spTree>
@@ -9167,7 +8765,7 @@
 </p:sld>
 </file>
 
-<file path=ppt/slides/slide16.xml><?xml version="1.0" encoding="utf-8"?>
+<file path=ppt/slides/slide14.xml><?xml version="1.0" encoding="utf-8"?>
 <p:sld xmlns:a="http://schemas.openxmlformats.org/drawingml/2006/main" xmlns:r="http://schemas.openxmlformats.org/officeDocument/2006/relationships" xmlns:p="http://schemas.openxmlformats.org/presentationml/2006/main">
   <p:cSld>
     <p:spTree>
@@ -9335,7 +8933,7 @@
 </p:sld>
 </file>
 
-<file path=ppt/slides/slide17.xml><?xml version="1.0" encoding="utf-8"?>
+<file path=ppt/slides/slide15.xml><?xml version="1.0" encoding="utf-8"?>
 <p:sld xmlns:a="http://schemas.openxmlformats.org/drawingml/2006/main" xmlns:r="http://schemas.openxmlformats.org/officeDocument/2006/relationships" xmlns:p="http://schemas.openxmlformats.org/presentationml/2006/main">
   <p:cSld>
     <p:spTree>
@@ -9545,7 +9143,7 @@
 </p:sld>
 </file>
 
-<file path=ppt/slides/slide18.xml><?xml version="1.0" encoding="utf-8"?>
+<file path=ppt/slides/slide16.xml><?xml version="1.0" encoding="utf-8"?>
 <p:sld xmlns:a="http://schemas.openxmlformats.org/drawingml/2006/main" xmlns:r="http://schemas.openxmlformats.org/officeDocument/2006/relationships" xmlns:p="http://schemas.openxmlformats.org/presentationml/2006/main">
   <p:cSld>
     <p:spTree>
@@ -9966,7 +9564,7 @@
 </p:sld>
 </file>
 
-<file path=ppt/slides/slide19.xml><?xml version="1.0" encoding="utf-8"?>
+<file path=ppt/slides/slide17.xml><?xml version="1.0" encoding="utf-8"?>
 <p:sld xmlns:a="http://schemas.openxmlformats.org/drawingml/2006/main" xmlns:r="http://schemas.openxmlformats.org/officeDocument/2006/relationships" xmlns:p="http://schemas.openxmlformats.org/presentationml/2006/main">
   <p:cSld>
     <p:spTree>
@@ -10371,407 +9969,7 @@
 </p:sld>
 </file>
 
-<file path=ppt/slides/slide2.xml><?xml version="1.0" encoding="utf-8"?>
-<p:sld xmlns:a="http://schemas.openxmlformats.org/drawingml/2006/main" xmlns:r="http://schemas.openxmlformats.org/officeDocument/2006/relationships" xmlns:p="http://schemas.openxmlformats.org/presentationml/2006/main">
-  <p:cSld>
-    <p:spTree>
-      <p:nvGrpSpPr>
-        <p:cNvPr id="1" name="Shape 117"/>
-        <p:cNvGrpSpPr/>
-        <p:nvPr/>
-      </p:nvGrpSpPr>
-      <p:grpSpPr>
-        <a:xfrm>
-          <a:off x="0" y="0"/>
-          <a:ext cx="0" cy="0"/>
-          <a:chOff x="0" y="0"/>
-          <a:chExt cx="0" cy="0"/>
-        </a:xfrm>
-      </p:grpSpPr>
-      <p:sp>
-        <p:nvSpPr>
-          <p:cNvPr id="118" name="Google Shape;118;p5"/>
-          <p:cNvSpPr txBox="1">
-            <a:spLocks noGrp="1"/>
-          </p:cNvSpPr>
-          <p:nvPr>
-            <p:ph type="title"/>
-          </p:nvPr>
-        </p:nvSpPr>
-        <p:spPr>
-          <a:noFill/>
-          <a:ln>
-            <a:noFill/>
-          </a:ln>
-        </p:spPr>
-        <p:txBody>
-          <a:bodyPr spcFirstLastPara="1" wrap="square" lIns="91425" tIns="45700" rIns="91425" bIns="45700" anchor="ctr" anchorCtr="0">
-            <a:normAutofit/>
-          </a:bodyPr>
-          <a:lstStyle/>
-          <a:p>
-            <a:pPr lvl="0"/>
-            <a:r>
-              <a:rPr lang="fr-BE"/>
-              <a:t>Table des matières</a:t>
-            </a:r>
-          </a:p>
-        </p:txBody>
-      </p:sp>
-      <p:sp>
-        <p:nvSpPr>
-          <p:cNvPr id="119" name="Google Shape;119;p5"/>
-          <p:cNvSpPr txBox="1">
-            <a:spLocks noGrp="1"/>
-          </p:cNvSpPr>
-          <p:nvPr>
-            <p:ph type="body" idx="1"/>
-          </p:nvPr>
-        </p:nvSpPr>
-        <p:spPr>
-          <a:noFill/>
-          <a:ln>
-            <a:noFill/>
-          </a:ln>
-        </p:spPr>
-        <p:txBody>
-          <a:bodyPr spcFirstLastPara="1" wrap="square" lIns="91425" tIns="45700" rIns="91425" bIns="45700" numCol="1" anchor="t" anchorCtr="0">
-            <a:normAutofit/>
-          </a:bodyPr>
-          <a:lstStyle/>
-          <a:p>
-            <a:pPr lvl="0"/>
-            <a:r>
-              <a:rPr lang="fr-FR"/>
-              <a:t>Généralités</a:t>
-            </a:r>
-          </a:p>
-        </p:txBody>
-      </p:sp>
-      <p:sp>
-        <p:nvSpPr>
-          <p:cNvPr id="2" name="Espace réservé du texte 1">
-            <a:extLst>
-              <a:ext uri="{FF2B5EF4-FFF2-40B4-BE49-F238E27FC236}">
-                <a16:creationId xmlns:a16="http://schemas.microsoft.com/office/drawing/2014/main" id="{D1162652-D4A8-152D-F88F-9B8516AF8775}"/>
-              </a:ext>
-            </a:extLst>
-          </p:cNvPr>
-          <p:cNvSpPr>
-            <a:spLocks noGrp="1"/>
-          </p:cNvSpPr>
-          <p:nvPr>
-            <p:ph type="body" idx="2"/>
-          </p:nvPr>
-        </p:nvSpPr>
-        <p:spPr/>
-        <p:txBody>
-          <a:bodyPr>
-            <a:normAutofit/>
-          </a:bodyPr>
-          <a:lstStyle/>
-          <a:p>
-            <a:pPr marL="114300" indent="0">
-              <a:buNone/>
-            </a:pPr>
-            <a:r>
-              <a:rPr lang="fr-BE" sz="2400"/>
-              <a:t>01. Introduction au web</a:t>
-            </a:r>
-          </a:p>
-          <a:p>
-            <a:pPr marL="114300" indent="0">
-              <a:buNone/>
-            </a:pPr>
-            <a:r>
-              <a:rPr lang="fr-BE" sz="2400"/>
-              <a:t>03. Outils</a:t>
-            </a:r>
-          </a:p>
-          <a:p>
-            <a:pPr marL="114300" indent="0">
-              <a:buNone/>
-            </a:pPr>
-            <a:r>
-              <a:rPr lang="fr-BE" sz="2400"/>
-              <a:t>05. Format XML</a:t>
-            </a:r>
-          </a:p>
-          <a:p>
-            <a:pPr marL="114300" indent="0">
-              <a:buNone/>
-            </a:pPr>
-            <a:r>
-              <a:rPr lang="fr-BE" sz="2400"/>
-              <a:t>06. Format JSON</a:t>
-            </a:r>
-          </a:p>
-          <a:p>
-            <a:pPr marL="114300" indent="0">
-              <a:buNone/>
-            </a:pPr>
-            <a:endParaRPr lang="fr-BE" sz="2400"/>
-          </a:p>
-        </p:txBody>
-      </p:sp>
-      <p:sp>
-        <p:nvSpPr>
-          <p:cNvPr id="3" name="Espace réservé du texte 2">
-            <a:extLst>
-              <a:ext uri="{FF2B5EF4-FFF2-40B4-BE49-F238E27FC236}">
-                <a16:creationId xmlns:a16="http://schemas.microsoft.com/office/drawing/2014/main" id="{D06D5135-B8A1-9E24-38EE-4C72679CDE7E}"/>
-              </a:ext>
-            </a:extLst>
-          </p:cNvPr>
-          <p:cNvSpPr>
-            <a:spLocks noGrp="1"/>
-          </p:cNvSpPr>
-          <p:nvPr>
-            <p:ph type="body" idx="3"/>
-          </p:nvPr>
-        </p:nvSpPr>
-        <p:spPr/>
-        <p:txBody>
-          <a:bodyPr anchor="t"/>
-          <a:lstStyle/>
-          <a:p>
-            <a:pPr lvl="0"/>
-            <a:r>
-              <a:rPr lang="fr-FR"/>
-              <a:t>Front-End</a:t>
-            </a:r>
-          </a:p>
-        </p:txBody>
-      </p:sp>
-      <p:sp>
-        <p:nvSpPr>
-          <p:cNvPr id="4" name="Espace réservé du texte 3">
-            <a:extLst>
-              <a:ext uri="{FF2B5EF4-FFF2-40B4-BE49-F238E27FC236}">
-                <a16:creationId xmlns:a16="http://schemas.microsoft.com/office/drawing/2014/main" id="{17D87172-3FAF-5725-E789-9405D66598A7}"/>
-              </a:ext>
-            </a:extLst>
-          </p:cNvPr>
-          <p:cNvSpPr>
-            <a:spLocks noGrp="1"/>
-          </p:cNvSpPr>
-          <p:nvPr>
-            <p:ph type="body" idx="4"/>
-          </p:nvPr>
-        </p:nvSpPr>
-        <p:spPr>
-          <a:xfrm>
-            <a:off x="4105275" y="2501107"/>
-            <a:ext cx="3709587" cy="3684588"/>
-          </a:xfrm>
-        </p:spPr>
-        <p:txBody>
-          <a:bodyPr>
-            <a:normAutofit/>
-          </a:bodyPr>
-          <a:lstStyle/>
-          <a:p>
-            <a:pPr marL="114300" lvl="0" indent="0">
-              <a:buNone/>
-            </a:pPr>
-            <a:r>
-              <a:rPr lang="fr-BE" sz="2400"/>
-              <a:t>12. Structure HTML </a:t>
-            </a:r>
-          </a:p>
-          <a:p>
-            <a:pPr marL="114300" indent="0">
-              <a:buNone/>
-            </a:pPr>
-            <a:r>
-              <a:rPr lang="fr-BE" sz="2400">
-                <a:solidFill>
-                  <a:schemeClr val="accent2"/>
-                </a:solidFill>
-              </a:rPr>
-              <a:t>13. Formulaire HTML</a:t>
-            </a:r>
-          </a:p>
-          <a:p>
-            <a:pPr marL="114300" lvl="0" indent="0">
-              <a:buNone/>
-            </a:pPr>
-            <a:r>
-              <a:rPr lang="fr-BE" sz="2400"/>
-              <a:t>14. Mise en forme CSS</a:t>
-            </a:r>
-          </a:p>
-          <a:p>
-            <a:pPr marL="114300" lvl="0" indent="0">
-              <a:buNone/>
-            </a:pPr>
-            <a:r>
-              <a:rPr lang="fr-BE" sz="2400"/>
-              <a:t>15. Adaptabilité</a:t>
-            </a:r>
-          </a:p>
-          <a:p>
-            <a:pPr marL="114300" lvl="0" indent="0">
-              <a:buNone/>
-            </a:pPr>
-            <a:r>
-              <a:rPr lang="fr-BE" sz="2400"/>
-              <a:t>17. Javascript</a:t>
-            </a:r>
-          </a:p>
-          <a:p>
-            <a:pPr marL="114300" lvl="0" indent="0">
-              <a:buNone/>
-            </a:pPr>
-            <a:r>
-              <a:rPr lang="fr-BE" sz="2400"/>
-              <a:t>18. Bibliothèque jQuery</a:t>
-            </a:r>
-          </a:p>
-          <a:p>
-            <a:pPr marL="114300" lvl="0" indent="0">
-              <a:buNone/>
-            </a:pPr>
-            <a:r>
-              <a:rPr lang="fr-BE" sz="2400"/>
-              <a:t>19. Composant Vue.js</a:t>
-            </a:r>
-          </a:p>
-        </p:txBody>
-      </p:sp>
-      <p:sp>
-        <p:nvSpPr>
-          <p:cNvPr id="10" name="Espace réservé du texte 9">
-            <a:extLst>
-              <a:ext uri="{FF2B5EF4-FFF2-40B4-BE49-F238E27FC236}">
-                <a16:creationId xmlns:a16="http://schemas.microsoft.com/office/drawing/2014/main" id="{A5FC1231-1E2C-7231-4486-8114EAEE6AAF}"/>
-              </a:ext>
-            </a:extLst>
-          </p:cNvPr>
-          <p:cNvSpPr>
-            <a:spLocks noGrp="1"/>
-          </p:cNvSpPr>
-          <p:nvPr>
-            <p:ph type="body" idx="10"/>
-          </p:nvPr>
-        </p:nvSpPr>
-        <p:spPr/>
-        <p:txBody>
-          <a:bodyPr anchor="t"/>
-          <a:lstStyle/>
-          <a:p>
-            <a:r>
-              <a:rPr lang="fr-BE"/>
-              <a:t>Back-End</a:t>
-            </a:r>
-          </a:p>
-        </p:txBody>
-      </p:sp>
-      <p:sp>
-        <p:nvSpPr>
-          <p:cNvPr id="18" name="Espace réservé du texte 17">
-            <a:extLst>
-              <a:ext uri="{FF2B5EF4-FFF2-40B4-BE49-F238E27FC236}">
-                <a16:creationId xmlns:a16="http://schemas.microsoft.com/office/drawing/2014/main" id="{EDB2CC52-B967-555D-C3A7-C4B10EB02D18}"/>
-              </a:ext>
-            </a:extLst>
-          </p:cNvPr>
-          <p:cNvSpPr>
-            <a:spLocks noGrp="1"/>
-          </p:cNvSpPr>
-          <p:nvPr>
-            <p:ph type="body" idx="11"/>
-          </p:nvPr>
-        </p:nvSpPr>
-        <p:spPr/>
-        <p:txBody>
-          <a:bodyPr>
-            <a:normAutofit/>
-          </a:bodyPr>
-          <a:lstStyle/>
-          <a:p>
-            <a:pPr marL="114300" lvl="0" indent="0">
-              <a:buNone/>
-            </a:pPr>
-            <a:r>
-              <a:rPr lang="fr-BE" sz="2400"/>
-              <a:t>21. Middleware PHP</a:t>
-            </a:r>
-          </a:p>
-          <a:p>
-            <a:pPr marL="114300" indent="0">
-              <a:buNone/>
-            </a:pPr>
-            <a:r>
-              <a:rPr lang="fr-BE" sz="2400"/>
-              <a:t>22. Traitement du formulaire</a:t>
-            </a:r>
-          </a:p>
-          <a:p>
-            <a:pPr marL="114300" lvl="0" indent="0">
-              <a:buNone/>
-            </a:pPr>
-            <a:r>
-              <a:rPr lang="fr-BE" sz="2400"/>
-              <a:t>23. Architecture MVC</a:t>
-            </a:r>
-          </a:p>
-          <a:p>
-            <a:pPr marL="114300" lvl="0" indent="0">
-              <a:buNone/>
-            </a:pPr>
-            <a:r>
-              <a:rPr lang="fr-BE" sz="2400"/>
-              <a:t>24. Données SQL</a:t>
-            </a:r>
-          </a:p>
-          <a:p>
-            <a:pPr marL="114300" lvl="0" indent="0">
-              <a:buNone/>
-            </a:pPr>
-            <a:r>
-              <a:rPr lang="fr-BE" sz="2400"/>
-              <a:t>25. Données NoSQL</a:t>
-            </a:r>
-          </a:p>
-          <a:p>
-            <a:pPr marL="114300" indent="0">
-              <a:buNone/>
-            </a:pPr>
-            <a:r>
-              <a:rPr lang="fr-BE" sz="2400"/>
-              <a:t>27. Requête asynchrone</a:t>
-            </a:r>
-          </a:p>
-          <a:p>
-            <a:pPr marL="114300" indent="0">
-              <a:buNone/>
-            </a:pPr>
-            <a:endParaRPr lang="fr-BE" sz="2400"/>
-          </a:p>
-        </p:txBody>
-      </p:sp>
-    </p:spTree>
-  </p:cSld>
-  <p:clrMapOvr>
-    <a:masterClrMapping/>
-  </p:clrMapOvr>
-  <mc:AlternateContent xmlns:mc="http://schemas.openxmlformats.org/markup-compatibility/2006" xmlns:p14="http://schemas.microsoft.com/office/powerpoint/2010/main">
-    <mc:Choice Requires="p14">
-      <p:transition spd="slow">
-        <p14:reveal/>
-      </p:transition>
-    </mc:Choice>
-    <mc:Fallback xmlns="" xmlns:mv="urn:schemas-microsoft-com:mac:vml" xmlns:c="http://schemas.openxmlformats.org/drawingml/2006/chart" xmlns:dgm="http://schemas.openxmlformats.org/drawingml/2006/diagram" xmlns:o="urn:schemas-microsoft-com:office:office" xmlns:v="urn:schemas-microsoft-com:vml" xmlns:pvml="urn:schemas-microsoft-com:office:powerpoint" xmlns:com="http://schemas.openxmlformats.org/drawingml/2006/compatibility" xmlns:p15="http://schemas.microsoft.com/office/powerpoint/2012/main" xmlns:ahyp="http://schemas.microsoft.com/office/drawing/2018/hyperlinkcolor">
-      <p:transition spd="med">
-        <p:fade/>
-      </p:transition>
-    </mc:Fallback>
-  </mc:AlternateContent>
-</p:sld>
-</file>
-
-<file path=ppt/slides/slide20.xml><?xml version="1.0" encoding="utf-8"?>
+<file path=ppt/slides/slide18.xml><?xml version="1.0" encoding="utf-8"?>
 <p:sld xmlns:a="http://schemas.openxmlformats.org/drawingml/2006/main" xmlns:r="http://schemas.openxmlformats.org/officeDocument/2006/relationships" xmlns:p="http://schemas.openxmlformats.org/presentationml/2006/main">
   <p:cSld>
     <p:spTree>
@@ -11101,7 +10299,7 @@
 </p:sld>
 </file>
 
-<file path=ppt/slides/slide21.xml><?xml version="1.0" encoding="utf-8"?>
+<file path=ppt/slides/slide19.xml><?xml version="1.0" encoding="utf-8"?>
 <p:sld xmlns:a="http://schemas.openxmlformats.org/drawingml/2006/main" xmlns:r="http://schemas.openxmlformats.org/officeDocument/2006/relationships" xmlns:p="http://schemas.openxmlformats.org/presentationml/2006/main">
   <p:cSld>
     <p:spTree>
@@ -11238,7 +10436,407 @@
 </p:sld>
 </file>
 
-<file path=ppt/slides/slide22.xml><?xml version="1.0" encoding="utf-8"?>
+<file path=ppt/slides/slide2.xml><?xml version="1.0" encoding="utf-8"?>
+<p:sld xmlns:a="http://schemas.openxmlformats.org/drawingml/2006/main" xmlns:r="http://schemas.openxmlformats.org/officeDocument/2006/relationships" xmlns:p="http://schemas.openxmlformats.org/presentationml/2006/main">
+  <p:cSld>
+    <p:spTree>
+      <p:nvGrpSpPr>
+        <p:cNvPr id="1" name="Shape 117"/>
+        <p:cNvGrpSpPr/>
+        <p:nvPr/>
+      </p:nvGrpSpPr>
+      <p:grpSpPr>
+        <a:xfrm>
+          <a:off x="0" y="0"/>
+          <a:ext cx="0" cy="0"/>
+          <a:chOff x="0" y="0"/>
+          <a:chExt cx="0" cy="0"/>
+        </a:xfrm>
+      </p:grpSpPr>
+      <p:sp>
+        <p:nvSpPr>
+          <p:cNvPr id="118" name="Google Shape;118;p5"/>
+          <p:cNvSpPr txBox="1">
+            <a:spLocks noGrp="1"/>
+          </p:cNvSpPr>
+          <p:nvPr>
+            <p:ph type="title"/>
+          </p:nvPr>
+        </p:nvSpPr>
+        <p:spPr>
+          <a:noFill/>
+          <a:ln>
+            <a:noFill/>
+          </a:ln>
+        </p:spPr>
+        <p:txBody>
+          <a:bodyPr spcFirstLastPara="1" wrap="square" lIns="91425" tIns="45700" rIns="91425" bIns="45700" anchor="ctr" anchorCtr="0">
+            <a:normAutofit/>
+          </a:bodyPr>
+          <a:lstStyle/>
+          <a:p>
+            <a:pPr lvl="0"/>
+            <a:r>
+              <a:rPr lang="fr-BE"/>
+              <a:t>Table des matières</a:t>
+            </a:r>
+          </a:p>
+        </p:txBody>
+      </p:sp>
+      <p:sp>
+        <p:nvSpPr>
+          <p:cNvPr id="119" name="Google Shape;119;p5"/>
+          <p:cNvSpPr txBox="1">
+            <a:spLocks noGrp="1"/>
+          </p:cNvSpPr>
+          <p:nvPr>
+            <p:ph type="body" idx="1"/>
+          </p:nvPr>
+        </p:nvSpPr>
+        <p:spPr>
+          <a:noFill/>
+          <a:ln>
+            <a:noFill/>
+          </a:ln>
+        </p:spPr>
+        <p:txBody>
+          <a:bodyPr spcFirstLastPara="1" wrap="square" lIns="91425" tIns="45700" rIns="91425" bIns="45700" numCol="1" anchor="t" anchorCtr="0">
+            <a:normAutofit/>
+          </a:bodyPr>
+          <a:lstStyle/>
+          <a:p>
+            <a:pPr lvl="0"/>
+            <a:r>
+              <a:rPr lang="fr-FR"/>
+              <a:t>Généralités</a:t>
+            </a:r>
+          </a:p>
+        </p:txBody>
+      </p:sp>
+      <p:sp>
+        <p:nvSpPr>
+          <p:cNvPr id="2" name="Espace réservé du texte 1">
+            <a:extLst>
+              <a:ext uri="{FF2B5EF4-FFF2-40B4-BE49-F238E27FC236}">
+                <a16:creationId xmlns:a16="http://schemas.microsoft.com/office/drawing/2014/main" id="{D1162652-D4A8-152D-F88F-9B8516AF8775}"/>
+              </a:ext>
+            </a:extLst>
+          </p:cNvPr>
+          <p:cNvSpPr>
+            <a:spLocks noGrp="1"/>
+          </p:cNvSpPr>
+          <p:nvPr>
+            <p:ph type="body" idx="2"/>
+          </p:nvPr>
+        </p:nvSpPr>
+        <p:spPr/>
+        <p:txBody>
+          <a:bodyPr>
+            <a:normAutofit/>
+          </a:bodyPr>
+          <a:lstStyle/>
+          <a:p>
+            <a:pPr marL="114300" indent="0">
+              <a:buNone/>
+            </a:pPr>
+            <a:r>
+              <a:rPr lang="fr-BE" sz="2400"/>
+              <a:t>01. Introduction au web</a:t>
+            </a:r>
+          </a:p>
+          <a:p>
+            <a:pPr marL="114300" indent="0">
+              <a:buNone/>
+            </a:pPr>
+            <a:r>
+              <a:rPr lang="fr-BE" sz="2400"/>
+              <a:t>03. Outils</a:t>
+            </a:r>
+          </a:p>
+          <a:p>
+            <a:pPr marL="114300" indent="0">
+              <a:buNone/>
+            </a:pPr>
+            <a:r>
+              <a:rPr lang="fr-BE" sz="2400"/>
+              <a:t>05. Format XML</a:t>
+            </a:r>
+          </a:p>
+          <a:p>
+            <a:pPr marL="114300" indent="0">
+              <a:buNone/>
+            </a:pPr>
+            <a:r>
+              <a:rPr lang="fr-BE" sz="2400"/>
+              <a:t>06. Format JSON</a:t>
+            </a:r>
+          </a:p>
+          <a:p>
+            <a:pPr marL="114300" indent="0">
+              <a:buNone/>
+            </a:pPr>
+            <a:endParaRPr lang="fr-BE" sz="2400"/>
+          </a:p>
+        </p:txBody>
+      </p:sp>
+      <p:sp>
+        <p:nvSpPr>
+          <p:cNvPr id="3" name="Espace réservé du texte 2">
+            <a:extLst>
+              <a:ext uri="{FF2B5EF4-FFF2-40B4-BE49-F238E27FC236}">
+                <a16:creationId xmlns:a16="http://schemas.microsoft.com/office/drawing/2014/main" id="{D06D5135-B8A1-9E24-38EE-4C72679CDE7E}"/>
+              </a:ext>
+            </a:extLst>
+          </p:cNvPr>
+          <p:cNvSpPr>
+            <a:spLocks noGrp="1"/>
+          </p:cNvSpPr>
+          <p:nvPr>
+            <p:ph type="body" idx="3"/>
+          </p:nvPr>
+        </p:nvSpPr>
+        <p:spPr/>
+        <p:txBody>
+          <a:bodyPr anchor="t"/>
+          <a:lstStyle/>
+          <a:p>
+            <a:pPr lvl="0"/>
+            <a:r>
+              <a:rPr lang="fr-FR"/>
+              <a:t>Front-End</a:t>
+            </a:r>
+          </a:p>
+        </p:txBody>
+      </p:sp>
+      <p:sp>
+        <p:nvSpPr>
+          <p:cNvPr id="4" name="Espace réservé du texte 3">
+            <a:extLst>
+              <a:ext uri="{FF2B5EF4-FFF2-40B4-BE49-F238E27FC236}">
+                <a16:creationId xmlns:a16="http://schemas.microsoft.com/office/drawing/2014/main" id="{17D87172-3FAF-5725-E789-9405D66598A7}"/>
+              </a:ext>
+            </a:extLst>
+          </p:cNvPr>
+          <p:cNvSpPr>
+            <a:spLocks noGrp="1"/>
+          </p:cNvSpPr>
+          <p:nvPr>
+            <p:ph type="body" idx="4"/>
+          </p:nvPr>
+        </p:nvSpPr>
+        <p:spPr>
+          <a:xfrm>
+            <a:off x="4105275" y="2501107"/>
+            <a:ext cx="3709587" cy="3684588"/>
+          </a:xfrm>
+        </p:spPr>
+        <p:txBody>
+          <a:bodyPr>
+            <a:normAutofit/>
+          </a:bodyPr>
+          <a:lstStyle/>
+          <a:p>
+            <a:pPr marL="114300" lvl="0" indent="0">
+              <a:buNone/>
+            </a:pPr>
+            <a:r>
+              <a:rPr lang="fr-BE" sz="2400"/>
+              <a:t>12. Structure HTML </a:t>
+            </a:r>
+          </a:p>
+          <a:p>
+            <a:pPr marL="114300" indent="0">
+              <a:buNone/>
+            </a:pPr>
+            <a:r>
+              <a:rPr lang="fr-BE" sz="2400">
+                <a:solidFill>
+                  <a:schemeClr val="accent2"/>
+                </a:solidFill>
+              </a:rPr>
+              <a:t>13. Formulaire HTML</a:t>
+            </a:r>
+          </a:p>
+          <a:p>
+            <a:pPr marL="114300" lvl="0" indent="0">
+              <a:buNone/>
+            </a:pPr>
+            <a:r>
+              <a:rPr lang="fr-BE" sz="2400"/>
+              <a:t>14. Mise en forme CSS</a:t>
+            </a:r>
+          </a:p>
+          <a:p>
+            <a:pPr marL="114300" lvl="0" indent="0">
+              <a:buNone/>
+            </a:pPr>
+            <a:r>
+              <a:rPr lang="fr-BE" sz="2400"/>
+              <a:t>15. Adaptabilité</a:t>
+            </a:r>
+          </a:p>
+          <a:p>
+            <a:pPr marL="114300" lvl="0" indent="0">
+              <a:buNone/>
+            </a:pPr>
+            <a:r>
+              <a:rPr lang="fr-BE" sz="2400"/>
+              <a:t>17. Javascript</a:t>
+            </a:r>
+          </a:p>
+          <a:p>
+            <a:pPr marL="114300" lvl="0" indent="0">
+              <a:buNone/>
+            </a:pPr>
+            <a:r>
+              <a:rPr lang="fr-BE" sz="2400"/>
+              <a:t>18. Bibliothèque jQuery</a:t>
+            </a:r>
+          </a:p>
+          <a:p>
+            <a:pPr marL="114300" lvl="0" indent="0">
+              <a:buNone/>
+            </a:pPr>
+            <a:r>
+              <a:rPr lang="fr-BE" sz="2400"/>
+              <a:t>19. Composant Vue.js</a:t>
+            </a:r>
+          </a:p>
+        </p:txBody>
+      </p:sp>
+      <p:sp>
+        <p:nvSpPr>
+          <p:cNvPr id="10" name="Espace réservé du texte 9">
+            <a:extLst>
+              <a:ext uri="{FF2B5EF4-FFF2-40B4-BE49-F238E27FC236}">
+                <a16:creationId xmlns:a16="http://schemas.microsoft.com/office/drawing/2014/main" id="{A5FC1231-1E2C-7231-4486-8114EAEE6AAF}"/>
+              </a:ext>
+            </a:extLst>
+          </p:cNvPr>
+          <p:cNvSpPr>
+            <a:spLocks noGrp="1"/>
+          </p:cNvSpPr>
+          <p:nvPr>
+            <p:ph type="body" idx="10"/>
+          </p:nvPr>
+        </p:nvSpPr>
+        <p:spPr/>
+        <p:txBody>
+          <a:bodyPr anchor="t"/>
+          <a:lstStyle/>
+          <a:p>
+            <a:r>
+              <a:rPr lang="fr-BE"/>
+              <a:t>Back-End</a:t>
+            </a:r>
+          </a:p>
+        </p:txBody>
+      </p:sp>
+      <p:sp>
+        <p:nvSpPr>
+          <p:cNvPr id="18" name="Espace réservé du texte 17">
+            <a:extLst>
+              <a:ext uri="{FF2B5EF4-FFF2-40B4-BE49-F238E27FC236}">
+                <a16:creationId xmlns:a16="http://schemas.microsoft.com/office/drawing/2014/main" id="{EDB2CC52-B967-555D-C3A7-C4B10EB02D18}"/>
+              </a:ext>
+            </a:extLst>
+          </p:cNvPr>
+          <p:cNvSpPr>
+            <a:spLocks noGrp="1"/>
+          </p:cNvSpPr>
+          <p:nvPr>
+            <p:ph type="body" idx="11"/>
+          </p:nvPr>
+        </p:nvSpPr>
+        <p:spPr/>
+        <p:txBody>
+          <a:bodyPr>
+            <a:normAutofit/>
+          </a:bodyPr>
+          <a:lstStyle/>
+          <a:p>
+            <a:pPr marL="114300" lvl="0" indent="0">
+              <a:buNone/>
+            </a:pPr>
+            <a:r>
+              <a:rPr lang="fr-BE" sz="2400"/>
+              <a:t>21. Middleware PHP</a:t>
+            </a:r>
+          </a:p>
+          <a:p>
+            <a:pPr marL="114300" indent="0">
+              <a:buNone/>
+            </a:pPr>
+            <a:r>
+              <a:rPr lang="fr-BE" sz="2400"/>
+              <a:t>22. Traitement du formulaire</a:t>
+            </a:r>
+          </a:p>
+          <a:p>
+            <a:pPr marL="114300" lvl="0" indent="0">
+              <a:buNone/>
+            </a:pPr>
+            <a:r>
+              <a:rPr lang="fr-BE" sz="2400"/>
+              <a:t>23. Architecture MVC</a:t>
+            </a:r>
+          </a:p>
+          <a:p>
+            <a:pPr marL="114300" lvl="0" indent="0">
+              <a:buNone/>
+            </a:pPr>
+            <a:r>
+              <a:rPr lang="fr-BE" sz="2400"/>
+              <a:t>24. Données SQL</a:t>
+            </a:r>
+          </a:p>
+          <a:p>
+            <a:pPr marL="114300" lvl="0" indent="0">
+              <a:buNone/>
+            </a:pPr>
+            <a:r>
+              <a:rPr lang="fr-BE" sz="2400"/>
+              <a:t>25. Données NoSQL</a:t>
+            </a:r>
+          </a:p>
+          <a:p>
+            <a:pPr marL="114300" indent="0">
+              <a:buNone/>
+            </a:pPr>
+            <a:r>
+              <a:rPr lang="fr-BE" sz="2400"/>
+              <a:t>27. Requête asynchrone</a:t>
+            </a:r>
+          </a:p>
+          <a:p>
+            <a:pPr marL="114300" indent="0">
+              <a:buNone/>
+            </a:pPr>
+            <a:endParaRPr lang="fr-BE" sz="2400"/>
+          </a:p>
+        </p:txBody>
+      </p:sp>
+    </p:spTree>
+  </p:cSld>
+  <p:clrMapOvr>
+    <a:masterClrMapping/>
+  </p:clrMapOvr>
+  <mc:AlternateContent xmlns:mc="http://schemas.openxmlformats.org/markup-compatibility/2006" xmlns:p14="http://schemas.microsoft.com/office/powerpoint/2010/main">
+    <mc:Choice Requires="p14">
+      <p:transition spd="slow">
+        <p14:reveal/>
+      </p:transition>
+    </mc:Choice>
+    <mc:Fallback xmlns="" xmlns:mv="urn:schemas-microsoft-com:mac:vml" xmlns:c="http://schemas.openxmlformats.org/drawingml/2006/chart" xmlns:dgm="http://schemas.openxmlformats.org/drawingml/2006/diagram" xmlns:o="urn:schemas-microsoft-com:office:office" xmlns:v="urn:schemas-microsoft-com:vml" xmlns:pvml="urn:schemas-microsoft-com:office:powerpoint" xmlns:com="http://schemas.openxmlformats.org/drawingml/2006/compatibility" xmlns:p15="http://schemas.microsoft.com/office/powerpoint/2012/main" xmlns:ahyp="http://schemas.microsoft.com/office/drawing/2018/hyperlinkcolor">
+      <p:transition spd="med">
+        <p:fade/>
+      </p:transition>
+    </mc:Fallback>
+  </mc:AlternateContent>
+</p:sld>
+</file>
+
+<file path=ppt/slides/slide20.xml><?xml version="1.0" encoding="utf-8"?>
 <p:sld xmlns:a="http://schemas.openxmlformats.org/drawingml/2006/main" xmlns:r="http://schemas.openxmlformats.org/officeDocument/2006/relationships" xmlns:p="http://schemas.openxmlformats.org/presentationml/2006/main">
   <p:cSld>
     <p:spTree>
@@ -11494,7 +11092,7 @@
 </p:sld>
 </file>
 
-<file path=ppt/slides/slide23.xml><?xml version="1.0" encoding="utf-8"?>
+<file path=ppt/slides/slide21.xml><?xml version="1.0" encoding="utf-8"?>
 <p:sld xmlns:a="http://schemas.openxmlformats.org/drawingml/2006/main" xmlns:r="http://schemas.openxmlformats.org/officeDocument/2006/relationships" xmlns:p="http://schemas.openxmlformats.org/presentationml/2006/main">
   <p:cSld>
     <p:spTree>
@@ -11951,7 +11549,7 @@
 </p:sld>
 </file>
 
-<file path=ppt/slides/slide24.xml><?xml version="1.0" encoding="utf-8"?>
+<file path=ppt/slides/slide22.xml><?xml version="1.0" encoding="utf-8"?>
 <p:sld xmlns:a="http://schemas.openxmlformats.org/drawingml/2006/main" xmlns:r="http://schemas.openxmlformats.org/officeDocument/2006/relationships" xmlns:p="http://schemas.openxmlformats.org/presentationml/2006/main">
   <p:cSld>
     <p:spTree>
@@ -12325,7 +11923,7 @@
 </p:sld>
 </file>
 
-<file path=ppt/slides/slide25.xml><?xml version="1.0" encoding="utf-8"?>
+<file path=ppt/slides/slide23.xml><?xml version="1.0" encoding="utf-8"?>
 <p:sld xmlns:a="http://schemas.openxmlformats.org/drawingml/2006/main" xmlns:r="http://schemas.openxmlformats.org/officeDocument/2006/relationships" xmlns:p="http://schemas.openxmlformats.org/presentationml/2006/main">
   <p:cSld>
     <p:spTree>
@@ -12588,7 +12186,7 @@
 </p:sld>
 </file>
 
-<file path=ppt/slides/slide26.xml><?xml version="1.0" encoding="utf-8"?>
+<file path=ppt/slides/slide24.xml><?xml version="1.0" encoding="utf-8"?>
 <p:sld xmlns:a="http://schemas.openxmlformats.org/drawingml/2006/main" xmlns:r="http://schemas.openxmlformats.org/officeDocument/2006/relationships" xmlns:p="http://schemas.openxmlformats.org/presentationml/2006/main">
   <p:cSld>
     <p:spTree>
@@ -12737,7 +12335,7 @@
 </p:sld>
 </file>
 
-<file path=ppt/slides/slide27.xml><?xml version="1.0" encoding="utf-8"?>
+<file path=ppt/slides/slide25.xml><?xml version="1.0" encoding="utf-8"?>
 <p:sld xmlns:a="http://schemas.openxmlformats.org/drawingml/2006/main" xmlns:r="http://schemas.openxmlformats.org/officeDocument/2006/relationships" xmlns:p="http://schemas.openxmlformats.org/presentationml/2006/main">
   <p:cSld>
     <p:spTree>
@@ -12878,7 +12476,7 @@
 </p:sld>
 </file>
 
-<file path=ppt/slides/slide28.xml><?xml version="1.0" encoding="utf-8"?>
+<file path=ppt/slides/slide26.xml><?xml version="1.0" encoding="utf-8"?>
 <p:sld xmlns:a="http://schemas.openxmlformats.org/drawingml/2006/main" xmlns:r="http://schemas.openxmlformats.org/officeDocument/2006/relationships" xmlns:p="http://schemas.openxmlformats.org/presentationml/2006/main">
   <p:cSld>
     <p:spTree>
@@ -13691,7 +13289,7 @@
   <p:cSld>
     <p:spTree>
       <p:nvGrpSpPr>
-        <p:cNvPr id="1" name=""/>
+        <p:cNvPr id="1" name="Shape 43"/>
         <p:cNvGrpSpPr/>
         <p:nvPr/>
       </p:nvGrpSpPr>
@@ -13705,14 +13303,8 @@
       </p:grpSpPr>
       <p:sp>
         <p:nvSpPr>
-          <p:cNvPr id="5" name="Titre 4">
-            <a:extLst>
-              <a:ext uri="{FF2B5EF4-FFF2-40B4-BE49-F238E27FC236}">
-                <a16:creationId xmlns:a16="http://schemas.microsoft.com/office/drawing/2014/main" id="{60567DB5-40A3-D689-2A49-2F35E1661C1E}"/>
-              </a:ext>
-            </a:extLst>
-          </p:cNvPr>
-          <p:cNvSpPr>
+          <p:cNvPr id="44" name="Google Shape;44;p9"/>
+          <p:cNvSpPr txBox="1">
             <a:spLocks noGrp="1"/>
           </p:cNvSpPr>
           <p:nvPr>
@@ -13725,212 +13317,118 @@
           <a:lstStyle/>
           <a:p>
             <a:r>
-              <a:rPr lang="fr-BE"/>
-              <a:t>MPA vs SPA, use cases</a:t>
-            </a:r>
-          </a:p>
-        </p:txBody>
-      </p:sp>
-      <p:sp>
-        <p:nvSpPr>
-          <p:cNvPr id="7" name="Espace réservé du texte 6">
-            <a:extLst>
-              <a:ext uri="{FF2B5EF4-FFF2-40B4-BE49-F238E27FC236}">
-                <a16:creationId xmlns:a16="http://schemas.microsoft.com/office/drawing/2014/main" id="{037A0327-C066-39FA-3EB7-0985D48AFB6E}"/>
-              </a:ext>
-            </a:extLst>
-          </p:cNvPr>
-          <p:cNvSpPr>
+              <a:rPr lang="fr-BE">
+                <a:sym typeface="Calibri"/>
+              </a:rPr>
+              <a:t>Objectifs des formulaires</a:t>
+            </a:r>
+          </a:p>
+        </p:txBody>
+      </p:sp>
+      <p:sp>
+        <p:nvSpPr>
+          <p:cNvPr id="45" name="Google Shape;45;p9"/>
+          <p:cNvSpPr txBox="1">
             <a:spLocks noGrp="1"/>
           </p:cNvSpPr>
           <p:nvPr>
-            <p:ph type="body" idx="1"/>
+            <p:ph idx="1"/>
           </p:nvPr>
         </p:nvSpPr>
         <p:spPr/>
         <p:txBody>
           <a:bodyPr>
-            <a:normAutofit/>
+            <a:normAutofit fontScale="92500" lnSpcReduction="10000"/>
           </a:bodyPr>
           <a:lstStyle/>
           <a:p>
             <a:r>
-              <a:rPr lang="fr-BE" sz="3200">
-                <a:solidFill>
-                  <a:schemeClr val="accent2"/>
-                </a:solidFill>
-              </a:rPr>
-              <a:t>MPA</a:t>
-            </a:r>
-          </a:p>
-        </p:txBody>
-      </p:sp>
-      <p:sp>
-        <p:nvSpPr>
-          <p:cNvPr id="6" name="Espace réservé du contenu 5">
-            <a:extLst>
-              <a:ext uri="{FF2B5EF4-FFF2-40B4-BE49-F238E27FC236}">
-                <a16:creationId xmlns:a16="http://schemas.microsoft.com/office/drawing/2014/main" id="{4A1F8FF8-6C56-04E4-42D5-78D0BA8E4142}"/>
-              </a:ext>
-            </a:extLst>
-          </p:cNvPr>
-          <p:cNvSpPr>
-            <a:spLocks noGrp="1"/>
-          </p:cNvSpPr>
-          <p:nvPr>
-            <p:ph sz="half" idx="2"/>
-          </p:nvPr>
-        </p:nvSpPr>
-        <p:spPr/>
-        <p:txBody>
-          <a:bodyPr>
-            <a:normAutofit/>
-          </a:bodyPr>
-          <a:lstStyle/>
-          <a:p>
-            <a:r>
-              <a:rPr lang="fr-BE"/>
-              <a:t>app statique</a:t>
-            </a:r>
-          </a:p>
-          <a:p>
-            <a:r>
-              <a:rPr lang="fr-BE"/>
-              <a:t>services B2B</a:t>
-            </a:r>
-          </a:p>
-          <a:p>
-            <a:r>
-              <a:rPr lang="fr-BE"/>
-              <a:t>e-commerce</a:t>
-            </a:r>
-          </a:p>
-        </p:txBody>
-      </p:sp>
-      <p:sp>
-        <p:nvSpPr>
-          <p:cNvPr id="8" name="Espace réservé du texte 7">
-            <a:extLst>
-              <a:ext uri="{FF2B5EF4-FFF2-40B4-BE49-F238E27FC236}">
-                <a16:creationId xmlns:a16="http://schemas.microsoft.com/office/drawing/2014/main" id="{BC14CB71-9959-51E0-732D-43C5077BED5E}"/>
-              </a:ext>
-            </a:extLst>
-          </p:cNvPr>
-          <p:cNvSpPr>
-            <a:spLocks noGrp="1"/>
-          </p:cNvSpPr>
-          <p:nvPr>
-            <p:ph type="body" sz="quarter" idx="3"/>
-          </p:nvPr>
-        </p:nvSpPr>
-        <p:spPr/>
-        <p:txBody>
-          <a:bodyPr vert="horz" lIns="91440" tIns="45720" rIns="91440" bIns="45720" rtlCol="0" anchor="b">
-            <a:normAutofit/>
-          </a:bodyPr>
-          <a:lstStyle/>
-          <a:p>
-            <a:r>
-              <a:rPr lang="fr-BE" sz="3200">
-                <a:solidFill>
-                  <a:schemeClr val="accent2"/>
-                </a:solidFill>
-              </a:rPr>
-              <a:t>SPA</a:t>
-            </a:r>
-          </a:p>
-        </p:txBody>
-      </p:sp>
-      <p:sp>
-        <p:nvSpPr>
-          <p:cNvPr id="9" name="Espace réservé du contenu 8">
-            <a:extLst>
-              <a:ext uri="{FF2B5EF4-FFF2-40B4-BE49-F238E27FC236}">
-                <a16:creationId xmlns:a16="http://schemas.microsoft.com/office/drawing/2014/main" id="{EB175BB3-32CE-C415-3536-9E3113A203F5}"/>
-              </a:ext>
-            </a:extLst>
-          </p:cNvPr>
-          <p:cNvSpPr>
-            <a:spLocks noGrp="1"/>
-          </p:cNvSpPr>
-          <p:nvPr>
-            <p:ph sz="quarter" idx="4"/>
-          </p:nvPr>
-        </p:nvSpPr>
-        <p:spPr/>
-        <p:txBody>
-          <a:bodyPr>
-            <a:normAutofit/>
-          </a:bodyPr>
-          <a:lstStyle/>
-          <a:p>
-            <a:r>
-              <a:rPr lang="fr-BE"/>
-              <a:t>app dynamique</a:t>
-            </a:r>
-          </a:p>
-          <a:p>
-            <a:r>
-              <a:rPr lang="fr-BE"/>
-              <a:t>social networks</a:t>
-            </a:r>
-          </a:p>
-          <a:p>
-            <a:r>
-              <a:rPr lang="fr-BE"/>
-              <a:t>streaming services</a:t>
-            </a:r>
-          </a:p>
-          <a:p>
-            <a:r>
-              <a:rPr lang="fr-BE"/>
-              <a:t>real-time location services</a:t>
-            </a:r>
-          </a:p>
-        </p:txBody>
-      </p:sp>
-      <p:sp>
-        <p:nvSpPr>
-          <p:cNvPr id="10" name="ZoneTexte 9">
-            <a:extLst>
-              <a:ext uri="{FF2B5EF4-FFF2-40B4-BE49-F238E27FC236}">
-                <a16:creationId xmlns:a16="http://schemas.microsoft.com/office/drawing/2014/main" id="{12506C64-A250-8371-EEAC-00B2AADD7EEE}"/>
-              </a:ext>
-            </a:extLst>
-          </p:cNvPr>
-          <p:cNvSpPr txBox="1"/>
-          <p:nvPr/>
-        </p:nvSpPr>
-        <p:spPr>
-          <a:xfrm>
-            <a:off x="4626692" y="5666443"/>
-            <a:ext cx="3802566" cy="523220"/>
-          </a:xfrm>
-          <a:prstGeom prst="rect">
-            <a:avLst/>
-          </a:prstGeom>
-          <a:noFill/>
-        </p:spPr>
-        <p:txBody>
-          <a:bodyPr wrap="square" rtlCol="0">
-            <a:spAutoFit/>
-          </a:bodyPr>
-          <a:lstStyle/>
-          <a:p>
-            <a:r>
-              <a:rPr lang="fr-BE" sz="2800">
-                <a:hlinkClick r:id="rId2"/>
-              </a:rPr>
-              <a:t>discussion sur Reddit </a:t>
-            </a:r>
-            <a:endParaRPr lang="fr-BE" sz="2800"/>
+              <a:rPr lang="fr-BE">
+                <a:sym typeface="Courier New"/>
+              </a:rPr>
+              <a:t>Approche MPA </a:t>
+            </a:r>
+          </a:p>
+          <a:p>
+            <a:pPr lvl="1"/>
+            <a:r>
+              <a:rPr lang="fr-BE">
+                <a:sym typeface="Calibri"/>
+              </a:rPr>
+              <a:t>création d'un formulaire via la balise </a:t>
+            </a:r>
+            <a:r>
+              <a:rPr lang="fr-BE">
+                <a:solidFill>
+                  <a:srgbClr val="996633"/>
+                </a:solidFill>
+                <a:latin typeface="Consolas" panose="020B0609020204030204" pitchFamily="49" charset="0"/>
+                <a:cs typeface="Courier New" panose="02070309020205020404" pitchFamily="49" charset="0"/>
+                <a:sym typeface="Courier New"/>
+              </a:rPr>
+              <a:t>&lt;form&gt;</a:t>
+            </a:r>
+          </a:p>
+          <a:p>
+            <a:r>
+              <a:rPr lang="fr-BE">
+                <a:sym typeface="Courier New"/>
+              </a:rPr>
+              <a:t>Approche SPA</a:t>
+            </a:r>
+          </a:p>
+          <a:p>
+            <a:pPr lvl="1"/>
+            <a:r>
+              <a:rPr lang="fr-BE">
+                <a:sym typeface="Calibri"/>
+              </a:rPr>
+              <a:t>création d'un formulaire muni de requêtes AJAX/Fetch</a:t>
+            </a:r>
+            <a:endParaRPr lang="fr-BE">
+              <a:sym typeface="Courier New"/>
+            </a:endParaRPr>
+          </a:p>
+          <a:p>
+            <a:r>
+              <a:rPr lang="fr-BE">
+                <a:sym typeface="Calibri"/>
+              </a:rPr>
+              <a:t>Les formulaires sont utilisés pour récolter des informations des utilisateurs.</a:t>
+            </a:r>
+          </a:p>
+          <a:p>
+            <a:r>
+              <a:rPr lang="fr-BE">
+                <a:sym typeface="Calibri"/>
+              </a:rPr>
+              <a:t>Deux problèmes:</a:t>
+            </a:r>
+          </a:p>
+          <a:p>
+            <a:pPr lvl="1"/>
+            <a:r>
+              <a:rPr lang="fr-BE">
+                <a:sym typeface="Calibri"/>
+              </a:rPr>
+              <a:t>Comment envoyer les données au serveur ?</a:t>
+            </a:r>
+          </a:p>
+          <a:p>
+            <a:pPr lvl="1"/>
+            <a:r>
+              <a:rPr lang="fr-BE">
+                <a:sym typeface="Calibri"/>
+              </a:rPr>
+              <a:t>Comment le serveur traite-t-il les données reçues?</a:t>
+            </a:r>
           </a:p>
         </p:txBody>
       </p:sp>
     </p:spTree>
     <p:extLst>
       <p:ext uri="{BB962C8B-B14F-4D97-AF65-F5344CB8AC3E}">
-        <p14:creationId xmlns:p14="http://schemas.microsoft.com/office/powerpoint/2010/main" val="2145867279"/>
+        <p14:creationId xmlns:p14="http://schemas.microsoft.com/office/powerpoint/2010/main" val="2817179324"/>
       </p:ext>
     </p:extLst>
   </p:cSld>
@@ -13957,7 +13455,7 @@
   <p:cSld>
     <p:spTree>
       <p:nvGrpSpPr>
-        <p:cNvPr id="1" name="Shape 43"/>
+        <p:cNvPr id="1" name="Shape 49"/>
         <p:cNvGrpSpPr/>
         <p:nvPr/>
       </p:nvGrpSpPr>
@@ -13971,7 +13469,7 @@
       </p:grpSpPr>
       <p:sp>
         <p:nvSpPr>
-          <p:cNvPr id="44" name="Google Shape;44;p9"/>
+          <p:cNvPr id="50" name="Google Shape;50;p10"/>
           <p:cNvSpPr txBox="1">
             <a:spLocks noGrp="1"/>
           </p:cNvSpPr>
@@ -13988,14 +13486,14 @@
               <a:rPr lang="fr-BE">
                 <a:sym typeface="Calibri"/>
               </a:rPr>
-              <a:t>Objectifs des formulaires</a:t>
-            </a:r>
-          </a:p>
-        </p:txBody>
-      </p:sp>
-      <p:sp>
-        <p:nvSpPr>
-          <p:cNvPr id="45" name="Google Shape;45;p9"/>
+              <a:t>Comment faire transiter les données?</a:t>
+            </a:r>
+          </a:p>
+        </p:txBody>
+      </p:sp>
+      <p:sp>
+        <p:nvSpPr>
+          <p:cNvPr id="51" name="Google Shape;51;p10"/>
           <p:cNvSpPr txBox="1">
             <a:spLocks noGrp="1"/>
           </p:cNvSpPr>
@@ -14006,99 +13504,166 @@
         <p:spPr/>
         <p:txBody>
           <a:bodyPr>
-            <a:normAutofit fontScale="92500" lnSpcReduction="10000"/>
+            <a:normAutofit fontScale="92500" lnSpcReduction="20000"/>
           </a:bodyPr>
           <a:lstStyle/>
           <a:p>
             <a:r>
               <a:rPr lang="fr-BE">
-                <a:sym typeface="Courier New"/>
-              </a:rPr>
-              <a:t>Approche MPA </a:t>
+                <a:sym typeface="Calibri"/>
+              </a:rPr>
+              <a:t>Protocole, deux méthodes</a:t>
             </a:r>
           </a:p>
           <a:p>
             <a:pPr lvl="1"/>
+            <a:r>
+              <a:rPr lang="fr-BE">
+                <a:solidFill>
+                  <a:schemeClr val="accent2"/>
+                </a:solidFill>
+                <a:sym typeface="Calibri"/>
+              </a:rPr>
+              <a:t>GET</a:t>
+            </a:r>
             <a:r>
               <a:rPr lang="fr-BE">
                 <a:sym typeface="Calibri"/>
               </a:rPr>
-              <a:t>création d'un formulaire via la balise </a:t>
-            </a:r>
-            <a:r>
-              <a:rPr lang="fr-BE" b="1">
-                <a:solidFill>
-                  <a:schemeClr val="accent6">
-                    <a:lumMod val="50000"/>
-                  </a:schemeClr>
-                </a:solidFill>
-                <a:latin typeface="Courier New" panose="02070309020205020404" pitchFamily="49" charset="0"/>
-                <a:cs typeface="Courier New" panose="02070309020205020404" pitchFamily="49" charset="0"/>
-                <a:sym typeface="Courier New"/>
-              </a:rPr>
-              <a:t>&lt;form&gt;</a:t>
-            </a:r>
-          </a:p>
-          <a:p>
+              <a:t>: envoie les données dans l'URL de la page</a:t>
+            </a:r>
+          </a:p>
+          <a:p>
+            <a:pPr lvl="2"/>
             <a:r>
               <a:rPr lang="fr-BE">
                 <a:sym typeface="Courier New"/>
               </a:rPr>
-              <a:t>Approche SPA</a:t>
-            </a:r>
-          </a:p>
-          <a:p>
-            <a:pPr lvl="1"/>
+              <a:t>https://www.google.com/search ? </a:t>
+            </a:r>
+            <a:r>
+              <a:rPr lang="fr-BE">
+                <a:solidFill>
+                  <a:schemeClr val="accent2"/>
+                </a:solidFill>
+                <a:sym typeface="Courier New"/>
+              </a:rPr>
+              <a:t>q=</a:t>
+            </a:r>
+            <a:r>
+              <a:rPr lang="fr-BE" err="1">
+                <a:solidFill>
+                  <a:schemeClr val="accent2"/>
+                </a:solidFill>
+                <a:sym typeface="Courier New"/>
+              </a:rPr>
+              <a:t>developpement+photo</a:t>
+            </a:r>
+            <a:endParaRPr lang="fr-BE">
+              <a:solidFill>
+                <a:schemeClr val="accent2"/>
+              </a:solidFill>
+              <a:sym typeface="Courier New"/>
+            </a:endParaRPr>
+          </a:p>
+          <a:p>
+            <a:pPr lvl="2"/>
             <a:r>
               <a:rPr lang="fr-BE">
                 <a:sym typeface="Calibri"/>
               </a:rPr>
-              <a:t>création d'un formulaire muni de requêtes AJAX</a:t>
-            </a:r>
-            <a:endParaRPr lang="fr-BE">
-              <a:sym typeface="Courier New"/>
-            </a:endParaRPr>
-          </a:p>
-          <a:p>
+              <a:t>Limité à 255 caractères</a:t>
+            </a:r>
+          </a:p>
+          <a:p>
+            <a:pPr lvl="2"/>
             <a:r>
               <a:rPr lang="fr-BE">
                 <a:sym typeface="Calibri"/>
               </a:rPr>
-              <a:t>Les formulaires sont utilisés pour récolter des informations des utilisateurs.</a:t>
-            </a:r>
-          </a:p>
-          <a:p>
+              <a:t>Paramètres visibles</a:t>
+            </a:r>
+          </a:p>
+          <a:p>
+            <a:pPr lvl="1"/>
+            <a:r>
+              <a:rPr lang="fr-BE">
+                <a:solidFill>
+                  <a:schemeClr val="accent2"/>
+                </a:solidFill>
+                <a:sym typeface="Calibri"/>
+              </a:rPr>
+              <a:t>POST</a:t>
+            </a:r>
             <a:r>
               <a:rPr lang="fr-BE">
                 <a:sym typeface="Calibri"/>
               </a:rPr>
-              <a:t>Deux problèmes:</a:t>
-            </a:r>
-          </a:p>
-          <a:p>
-            <a:pPr lvl="1"/>
+              <a:t>: envoie les données via la requête HTTP</a:t>
+            </a:r>
+          </a:p>
+          <a:p>
+            <a:pPr lvl="2"/>
             <a:r>
               <a:rPr lang="fr-BE">
                 <a:sym typeface="Calibri"/>
               </a:rPr>
-              <a:t>Comment envoyer les données au serveur ?</a:t>
-            </a:r>
-          </a:p>
-          <a:p>
-            <a:pPr lvl="1"/>
+              <a:t>Permet de faire transiter un plus gros nombre de caractères</a:t>
+            </a:r>
+          </a:p>
+          <a:p>
+            <a:pPr lvl="2"/>
             <a:r>
               <a:rPr lang="fr-BE">
                 <a:sym typeface="Calibri"/>
               </a:rPr>
-              <a:t>Comment le serveur traite-t-il les données reçues?</a:t>
-            </a:r>
+              <a:t>Paramètres invisibles</a:t>
+            </a:r>
+          </a:p>
+          <a:p>
+            <a:r>
+              <a:rPr lang="fr-BE">
+                <a:sym typeface="Calibri"/>
+              </a:rPr>
+              <a:t>Serveur, un script</a:t>
+            </a:r>
+          </a:p>
+          <a:p>
+            <a:pPr lvl="1"/>
+            <a:r>
+              <a:rPr lang="fr-BE">
+                <a:sym typeface="Calibri"/>
+              </a:rPr>
+              <a:t>Les données du formulaire sont envoyées à un </a:t>
+            </a:r>
+            <a:r>
+              <a:rPr lang="fr-BE">
+                <a:solidFill>
+                  <a:schemeClr val="accent2"/>
+                </a:solidFill>
+                <a:sym typeface="Calibri"/>
+              </a:rPr>
+              <a:t>script</a:t>
+            </a:r>
+            <a:r>
+              <a:rPr lang="fr-BE">
+                <a:sym typeface="Calibri"/>
+              </a:rPr>
+              <a:t> (ex. PHP) qui pourra les traiter.</a:t>
+            </a:r>
+          </a:p>
+          <a:p>
+            <a:pPr lvl="1"/>
+            <a:endParaRPr lang="fr-BE">
+              <a:sym typeface="Calibri"/>
+            </a:endParaRPr>
           </a:p>
         </p:txBody>
       </p:sp>
     </p:spTree>
     <p:extLst>
       <p:ext uri="{BB962C8B-B14F-4D97-AF65-F5344CB8AC3E}">
-        <p14:creationId xmlns:p14="http://schemas.microsoft.com/office/powerpoint/2010/main" val="2817179324"/>
+        <p14:creationId xmlns:p14="http://schemas.microsoft.com/office/powerpoint/2010/main" val="1761849454"/>
       </p:ext>
     </p:extLst>
   </p:cSld>
@@ -14125,7 +13690,7 @@
   <p:cSld>
     <p:spTree>
       <p:nvGrpSpPr>
-        <p:cNvPr id="1" name="Shape 49"/>
+        <p:cNvPr id="1" name="Shape 61"/>
         <p:cNvGrpSpPr/>
         <p:nvPr/>
       </p:nvGrpSpPr>
@@ -14139,7 +13704,7 @@
       </p:grpSpPr>
       <p:sp>
         <p:nvSpPr>
-          <p:cNvPr id="50" name="Google Shape;50;p10"/>
+          <p:cNvPr id="62" name="Google Shape;62;p12"/>
           <p:cNvSpPr txBox="1">
             <a:spLocks noGrp="1"/>
           </p:cNvSpPr>
@@ -14156,14 +13721,14 @@
               <a:rPr lang="fr-BE">
                 <a:sym typeface="Calibri"/>
               </a:rPr>
-              <a:t>Comment faire transiter les données?</a:t>
-            </a:r>
-          </a:p>
-        </p:txBody>
-      </p:sp>
-      <p:sp>
-        <p:nvSpPr>
-          <p:cNvPr id="51" name="Google Shape;51;p10"/>
+              <a:t>MPA : Déclaration d'un formulaire</a:t>
+            </a:r>
+          </a:p>
+        </p:txBody>
+      </p:sp>
+      <p:sp>
+        <p:nvSpPr>
+          <p:cNvPr id="63" name="Google Shape;63;p12"/>
           <p:cNvSpPr txBox="1">
             <a:spLocks noGrp="1"/>
           </p:cNvSpPr>
@@ -14174,7 +13739,7 @@
         <p:spPr/>
         <p:txBody>
           <a:bodyPr>
-            <a:normAutofit fontScale="92500" lnSpcReduction="20000"/>
+            <a:normAutofit fontScale="85000" lnSpcReduction="20000"/>
           </a:bodyPr>
           <a:lstStyle/>
           <a:p>
@@ -14182,350 +13747,307 @@
               <a:rPr lang="fr-BE">
                 <a:sym typeface="Calibri"/>
               </a:rPr>
-              <a:t>Deux méthodes :</a:t>
-            </a:r>
-          </a:p>
-          <a:p>
-            <a:pPr lvl="1"/>
+              <a:t>Balise </a:t>
+            </a:r>
             <a:r>
               <a:rPr lang="fr-BE">
                 <a:solidFill>
-                  <a:schemeClr val="accent2"/>
-                </a:solidFill>
+                  <a:srgbClr val="996633"/>
+                </a:solidFill>
+                <a:latin typeface="Consolas" panose="020B0609020204030204" pitchFamily="49" charset="0"/>
+                <a:cs typeface="Courier New" panose="02070309020205020404" pitchFamily="49" charset="0"/>
                 <a:sym typeface="Calibri"/>
               </a:rPr>
-              <a:t>GET</a:t>
-            </a:r>
+              <a:t>&lt;form&gt;</a:t>
+            </a:r>
+            <a:endParaRPr lang="fr-BE">
+              <a:solidFill>
+                <a:srgbClr val="996633"/>
+              </a:solidFill>
+              <a:latin typeface="Consolas" panose="020B0609020204030204" pitchFamily="49" charset="0"/>
+              <a:sym typeface="Calibri"/>
+            </a:endParaRPr>
+          </a:p>
+          <a:p>
             <a:r>
               <a:rPr lang="fr-BE">
                 <a:sym typeface="Calibri"/>
               </a:rPr>
-              <a:t>: envoie les données dans l'URL de la page</a:t>
-            </a:r>
-          </a:p>
-          <a:p>
-            <a:pPr lvl="2"/>
+              <a:t>Transit défini avec l'attribut "</a:t>
+            </a:r>
             <a:r>
               <a:rPr lang="fr-BE">
-                <a:sym typeface="Courier New"/>
-              </a:rPr>
-              <a:t>https://www.google.com/search ? </a:t>
+                <a:solidFill>
+                  <a:srgbClr val="996633"/>
+                </a:solidFill>
+                <a:latin typeface="Consolas" panose="020B0609020204030204" pitchFamily="49" charset="0"/>
+                <a:cs typeface="Courier New" panose="02070309020205020404" pitchFamily="49" charset="0"/>
+                <a:sym typeface="Courier New"/>
+              </a:rPr>
+              <a:t>method</a:t>
             </a:r>
             <a:r>
               <a:rPr lang="fr-BE">
+                <a:sym typeface="Courier New"/>
+              </a:rPr>
+              <a:t>"</a:t>
+            </a:r>
+            <a:endParaRPr lang="fr-BE" b="1">
+              <a:solidFill>
+                <a:schemeClr val="accent6">
+                  <a:lumMod val="50000"/>
+                </a:schemeClr>
+              </a:solidFill>
+              <a:latin typeface="Courier New" panose="02070309020205020404" pitchFamily="49" charset="0"/>
+              <a:cs typeface="Courier New" panose="02070309020205020404" pitchFamily="49" charset="0"/>
+              <a:sym typeface="Calibri"/>
+            </a:endParaRPr>
+          </a:p>
+          <a:p>
+            <a:pPr lvl="1"/>
+            <a:r>
+              <a:rPr lang="fr-BE">
+                <a:solidFill>
+                  <a:srgbClr val="996633"/>
+                </a:solidFill>
+                <a:latin typeface="Consolas" panose="020B0609020204030204" pitchFamily="49" charset="0"/>
+                <a:sym typeface="Calibri"/>
+              </a:rPr>
+              <a:t>method = "</a:t>
+            </a:r>
+            <a:r>
+              <a:rPr lang="fr-BE">
+                <a:solidFill>
+                  <a:schemeClr val="accent5"/>
+                </a:solidFill>
+                <a:latin typeface="Consolas" panose="020B0609020204030204" pitchFamily="49" charset="0"/>
+                <a:sym typeface="Calibri"/>
+              </a:rPr>
+              <a:t>get</a:t>
+            </a:r>
+            <a:r>
+              <a:rPr lang="fr-BE">
+                <a:solidFill>
+                  <a:srgbClr val="996633"/>
+                </a:solidFill>
+                <a:latin typeface="Consolas" panose="020B0609020204030204" pitchFamily="49" charset="0"/>
+                <a:sym typeface="Calibri"/>
+              </a:rPr>
+              <a:t>"</a:t>
+            </a:r>
+            <a:r>
+              <a:rPr lang="fr-BE">
+                <a:sym typeface="Calibri"/>
+              </a:rPr>
+              <a:t> ou </a:t>
+            </a:r>
+            <a:r>
+              <a:rPr lang="fr-BE">
+                <a:solidFill>
+                  <a:srgbClr val="996633"/>
+                </a:solidFill>
+                <a:latin typeface="Consolas" panose="020B0609020204030204" pitchFamily="49" charset="0"/>
+                <a:sym typeface="Calibri"/>
+              </a:rPr>
+              <a:t>"</a:t>
+            </a:r>
+            <a:r>
+              <a:rPr lang="fr-BE">
+                <a:solidFill>
+                  <a:schemeClr val="accent5"/>
+                </a:solidFill>
+                <a:latin typeface="Consolas" panose="020B0609020204030204" pitchFamily="49" charset="0"/>
+                <a:sym typeface="Calibri"/>
+              </a:rPr>
+              <a:t>post</a:t>
+            </a:r>
+            <a:r>
+              <a:rPr lang="fr-BE">
+                <a:solidFill>
+                  <a:srgbClr val="996633"/>
+                </a:solidFill>
+                <a:latin typeface="Consolas" panose="020B0609020204030204" pitchFamily="49" charset="0"/>
+                <a:sym typeface="Calibri"/>
+              </a:rPr>
+              <a:t>"</a:t>
+            </a:r>
+          </a:p>
+          <a:p>
+            <a:r>
+              <a:rPr lang="fr-BE">
+                <a:sym typeface="Calibri"/>
+              </a:rPr>
+              <a:t>Script défini avec l'attribut "</a:t>
+            </a:r>
+            <a:r>
+              <a:rPr lang="fr-BE">
+                <a:solidFill>
+                  <a:srgbClr val="996633"/>
+                </a:solidFill>
+                <a:latin typeface="Consolas" panose="020B0609020204030204" pitchFamily="49" charset="0"/>
+                <a:sym typeface="Calibri"/>
+              </a:rPr>
+              <a:t>action</a:t>
+            </a:r>
+            <a:r>
+              <a:rPr lang="fr-BE">
+                <a:sym typeface="Calibri"/>
+              </a:rPr>
+              <a:t>"</a:t>
+            </a:r>
+          </a:p>
+          <a:p>
+            <a:pPr lvl="1"/>
+            <a:r>
+              <a:rPr lang="fr-BE">
+                <a:solidFill>
+                  <a:srgbClr val="996633"/>
+                </a:solidFill>
+                <a:latin typeface="Consolas" panose="020B0609020204030204" pitchFamily="49" charset="0"/>
+                <a:sym typeface="Calibri"/>
+              </a:rPr>
+              <a:t>action = </a:t>
+            </a:r>
+            <a:r>
+              <a:rPr lang="fr-BE">
                 <a:solidFill>
                   <a:schemeClr val="accent2"/>
                 </a:solidFill>
-                <a:sym typeface="Courier New"/>
-              </a:rPr>
-              <a:t>q=</a:t>
-            </a:r>
-            <a:r>
-              <a:rPr lang="fr-BE" err="1">
-                <a:solidFill>
-                  <a:schemeClr val="accent2"/>
-                </a:solidFill>
-                <a:sym typeface="Courier New"/>
-              </a:rPr>
-              <a:t>developpement+photo</a:t>
-            </a:r>
+                <a:latin typeface="Consolas" panose="020B0609020204030204" pitchFamily="49" charset="0"/>
+                <a:sym typeface="Calibri"/>
+              </a:rPr>
+              <a:t>&lt;path du script&gt;</a:t>
+            </a:r>
+            <a:r>
+              <a:rPr lang="fr-BE">
+                <a:sym typeface="Calibri"/>
+              </a:rPr>
+              <a:t> (php ou autre)</a:t>
+            </a:r>
+          </a:p>
+          <a:p>
+            <a:pPr lvl="1"/>
+            <a:r>
+              <a:rPr lang="fr-BE">
+                <a:sym typeface="Calibri"/>
+              </a:rPr>
+              <a:t>Rendez-vous au chapitre 22 !</a:t>
+            </a:r>
+          </a:p>
+          <a:p>
+            <a:pPr lvl="1"/>
+            <a:r>
+              <a:rPr lang="fr-BE">
+                <a:sym typeface="Calibri"/>
+              </a:rPr>
+              <a:t>Programmation en PHP (ou autre) requise </a:t>
+            </a:r>
+          </a:p>
+          <a:p>
             <a:endParaRPr lang="fr-BE">
-              <a:solidFill>
-                <a:schemeClr val="accent2"/>
-              </a:solidFill>
               <a:sym typeface="Courier New"/>
             </a:endParaRPr>
           </a:p>
           <a:p>
-            <a:pPr lvl="2"/>
-            <a:r>
-              <a:rPr lang="fr-BE">
-                <a:sym typeface="Calibri"/>
-              </a:rPr>
-              <a:t>Limité à 255 caractères</a:t>
-            </a:r>
-          </a:p>
-          <a:p>
-            <a:pPr lvl="2"/>
-            <a:r>
-              <a:rPr lang="fr-BE">
-                <a:sym typeface="Calibri"/>
-              </a:rPr>
-              <a:t>Paramètres visibles</a:t>
-            </a:r>
-          </a:p>
-          <a:p>
-            <a:pPr lvl="1"/>
-            <a:r>
-              <a:rPr lang="fr-BE">
-                <a:solidFill>
-                  <a:schemeClr val="accent2"/>
-                </a:solidFill>
-                <a:sym typeface="Calibri"/>
-              </a:rPr>
-              <a:t>POST</a:t>
-            </a:r>
-            <a:r>
-              <a:rPr lang="fr-BE">
-                <a:sym typeface="Calibri"/>
-              </a:rPr>
-              <a:t>: envoie les données via la requête HTTP</a:t>
-            </a:r>
-          </a:p>
-          <a:p>
-            <a:pPr lvl="2"/>
-            <a:r>
-              <a:rPr lang="fr-BE">
-                <a:sym typeface="Calibri"/>
-              </a:rPr>
-              <a:t>Permet de faire transiter un plus gros nombre de caractères</a:t>
-            </a:r>
-          </a:p>
-          <a:p>
-            <a:pPr lvl="2"/>
-            <a:r>
-              <a:rPr lang="fr-BE">
-                <a:sym typeface="Calibri"/>
-              </a:rPr>
-              <a:t>Paramètres invisibles</a:t>
-            </a:r>
-          </a:p>
-          <a:p>
-            <a:r>
-              <a:rPr lang="fr-BE">
-                <a:sym typeface="Calibri"/>
-              </a:rPr>
-              <a:t>Défini avec l'attribut "</a:t>
-            </a:r>
-            <a:r>
-              <a:rPr lang="fr-BE" b="1" err="1">
+            <a:pPr marL="0" indent="0">
+              <a:buNone/>
+            </a:pPr>
+            <a:r>
+              <a:rPr lang="fr-BE" sz="3200">
                 <a:solidFill>
                   <a:schemeClr val="accent6">
                     <a:lumMod val="50000"/>
                   </a:schemeClr>
                 </a:solidFill>
-                <a:latin typeface="Courier New" panose="02070309020205020404" pitchFamily="49" charset="0"/>
-                <a:cs typeface="Courier New" panose="02070309020205020404" pitchFamily="49" charset="0"/>
-                <a:sym typeface="Courier New"/>
-              </a:rPr>
-              <a:t>method</a:t>
-            </a:r>
-            <a:r>
-              <a:rPr lang="fr-BE">
-                <a:sym typeface="Courier New"/>
-              </a:rPr>
-              <a:t>"</a:t>
-            </a:r>
-            <a:r>
-              <a:rPr lang="fr-BE">
-                <a:sym typeface="Calibri"/>
-              </a:rPr>
-              <a:t> de la balise </a:t>
-            </a:r>
-            <a:r>
-              <a:rPr lang="fr-BE" b="1">
+                <a:latin typeface="Consolas" panose="020B0609020204030204" pitchFamily="49" charset="0"/>
+                <a:cs typeface="Courier New" panose="02070309020205020404" pitchFamily="49" charset="0"/>
+                <a:sym typeface="Courier New"/>
+              </a:rPr>
+              <a:t>&lt;form method="</a:t>
+            </a:r>
+            <a:r>
+              <a:rPr lang="fr-BE" sz="3200">
+                <a:solidFill>
+                  <a:schemeClr val="accent5"/>
+                </a:solidFill>
+                <a:latin typeface="Consolas" panose="020B0609020204030204" pitchFamily="49" charset="0"/>
+                <a:cs typeface="Courier New" panose="02070309020205020404" pitchFamily="49" charset="0"/>
+                <a:sym typeface="Courier New"/>
+              </a:rPr>
+              <a:t>get</a:t>
+            </a:r>
+            <a:r>
+              <a:rPr lang="fr-BE" sz="3200">
                 <a:solidFill>
                   <a:schemeClr val="accent6">
                     <a:lumMod val="50000"/>
                   </a:schemeClr>
                 </a:solidFill>
-                <a:latin typeface="Courier New" panose="02070309020205020404" pitchFamily="49" charset="0"/>
-                <a:cs typeface="Courier New" panose="02070309020205020404" pitchFamily="49" charset="0"/>
-                <a:sym typeface="Calibri"/>
-              </a:rPr>
-              <a:t>&lt;</a:t>
-            </a:r>
-            <a:r>
-              <a:rPr lang="fr-BE" b="1" err="1">
+                <a:latin typeface="Consolas" panose="020B0609020204030204" pitchFamily="49" charset="0"/>
+                <a:cs typeface="Courier New" panose="02070309020205020404" pitchFamily="49" charset="0"/>
+                <a:sym typeface="Courier New"/>
+              </a:rPr>
+              <a:t>" action="</a:t>
+            </a:r>
+            <a:r>
+              <a:rPr lang="fr-BE" sz="3200">
+                <a:solidFill>
+                  <a:schemeClr val="accent2"/>
+                </a:solidFill>
+                <a:latin typeface="Consolas" panose="020B0609020204030204" pitchFamily="49" charset="0"/>
+                <a:cs typeface="Courier New" panose="02070309020205020404" pitchFamily="49" charset="0"/>
+                <a:sym typeface="Courier New"/>
+              </a:rPr>
+              <a:t>./register.php</a:t>
+            </a:r>
+            <a:r>
+              <a:rPr lang="fr-BE" sz="3200">
                 <a:solidFill>
                   <a:schemeClr val="accent6">
                     <a:lumMod val="50000"/>
                   </a:schemeClr>
                 </a:solidFill>
-                <a:latin typeface="Courier New" panose="02070309020205020404" pitchFamily="49" charset="0"/>
-                <a:cs typeface="Courier New" panose="02070309020205020404" pitchFamily="49" charset="0"/>
-                <a:sym typeface="Calibri"/>
-              </a:rPr>
-              <a:t>form</a:t>
-            </a:r>
-            <a:r>
-              <a:rPr lang="fr-BE" b="1">
+                <a:latin typeface="Consolas" panose="020B0609020204030204" pitchFamily="49" charset="0"/>
+                <a:cs typeface="Courier New" panose="02070309020205020404" pitchFamily="49" charset="0"/>
+                <a:sym typeface="Courier New"/>
+              </a:rPr>
+              <a:t>"&gt;</a:t>
+            </a:r>
+          </a:p>
+          <a:p>
+            <a:pPr marL="0" indent="0">
+              <a:buNone/>
+            </a:pPr>
+            <a:r>
+              <a:rPr lang="fr-BE" sz="3200">
                 <a:solidFill>
                   <a:schemeClr val="accent6">
                     <a:lumMod val="50000"/>
                   </a:schemeClr>
                 </a:solidFill>
-                <a:latin typeface="Courier New" panose="02070309020205020404" pitchFamily="49" charset="0"/>
-                <a:cs typeface="Courier New" panose="02070309020205020404" pitchFamily="49" charset="0"/>
-                <a:sym typeface="Calibri"/>
-              </a:rPr>
-              <a:t>&gt;</a:t>
-            </a:r>
-          </a:p>
-          <a:p>
-            <a:pPr marL="457189" lvl="1" indent="0">
+                <a:latin typeface="Consolas" panose="020B0609020204030204" pitchFamily="49" charset="0"/>
+                <a:cs typeface="Courier New" panose="02070309020205020404" pitchFamily="49" charset="0"/>
+                <a:sym typeface="Courier New"/>
+              </a:rPr>
+              <a:t>	...</a:t>
+            </a:r>
+          </a:p>
+          <a:p>
+            <a:pPr marL="0" indent="0">
               <a:buNone/>
             </a:pPr>
             <a:r>
-              <a:rPr lang="fr-BE" sz="2800" b="1">
+              <a:rPr lang="fr-BE" sz="3200">
                 <a:solidFill>
                   <a:schemeClr val="accent6">
                     <a:lumMod val="50000"/>
                   </a:schemeClr>
                 </a:solidFill>
-                <a:latin typeface="Courier New" panose="02070309020205020404" pitchFamily="49" charset="0"/>
-                <a:cs typeface="Courier New" panose="02070309020205020404" pitchFamily="49" charset="0"/>
-                <a:sym typeface="Calibri"/>
-              </a:rPr>
-              <a:t>&lt;</a:t>
-            </a:r>
-            <a:r>
-              <a:rPr lang="fr-BE" sz="2800" b="1" err="1">
-                <a:solidFill>
-                  <a:schemeClr val="accent6">
-                    <a:lumMod val="50000"/>
-                  </a:schemeClr>
-                </a:solidFill>
-                <a:latin typeface="Courier New" panose="02070309020205020404" pitchFamily="49" charset="0"/>
-                <a:cs typeface="Courier New" panose="02070309020205020404" pitchFamily="49" charset="0"/>
-                <a:sym typeface="Calibri"/>
-              </a:rPr>
-              <a:t>form</a:t>
-            </a:r>
-            <a:r>
-              <a:rPr lang="fr-BE" sz="2800" b="1">
-                <a:solidFill>
-                  <a:schemeClr val="accent6">
-                    <a:lumMod val="50000"/>
-                  </a:schemeClr>
-                </a:solidFill>
-                <a:latin typeface="Courier New" panose="02070309020205020404" pitchFamily="49" charset="0"/>
-                <a:cs typeface="Courier New" panose="02070309020205020404" pitchFamily="49" charset="0"/>
-                <a:sym typeface="Calibri"/>
-              </a:rPr>
-              <a:t> </a:t>
-            </a:r>
-            <a:r>
-              <a:rPr lang="fr-BE" sz="2800" b="1" err="1">
-                <a:solidFill>
-                  <a:schemeClr val="accent6">
-                    <a:lumMod val="50000"/>
-                  </a:schemeClr>
-                </a:solidFill>
-                <a:latin typeface="Courier New" panose="02070309020205020404" pitchFamily="49" charset="0"/>
-                <a:cs typeface="Courier New" panose="02070309020205020404" pitchFamily="49" charset="0"/>
-                <a:sym typeface="Courier New"/>
-              </a:rPr>
-              <a:t>method</a:t>
-            </a:r>
-            <a:r>
-              <a:rPr lang="fr-BE" sz="2800" b="1">
-                <a:solidFill>
-                  <a:schemeClr val="accent6">
-                    <a:lumMod val="50000"/>
-                  </a:schemeClr>
-                </a:solidFill>
-                <a:latin typeface="Courier New" panose="02070309020205020404" pitchFamily="49" charset="0"/>
-                <a:cs typeface="Courier New" panose="02070309020205020404" pitchFamily="49" charset="0"/>
-                <a:sym typeface="Courier New"/>
-              </a:rPr>
-              <a:t>="</a:t>
-            </a:r>
-            <a:r>
-              <a:rPr lang="fr-BE" sz="2800" b="1" err="1">
-                <a:solidFill>
-                  <a:schemeClr val="accent6">
-                    <a:lumMod val="50000"/>
-                  </a:schemeClr>
-                </a:solidFill>
-                <a:latin typeface="Courier New" panose="02070309020205020404" pitchFamily="49" charset="0"/>
-                <a:cs typeface="Courier New" panose="02070309020205020404" pitchFamily="49" charset="0"/>
-                <a:sym typeface="Courier New"/>
-              </a:rPr>
-              <a:t>get</a:t>
-            </a:r>
-            <a:r>
-              <a:rPr lang="fr-BE" sz="2800" b="1">
-                <a:solidFill>
-                  <a:schemeClr val="accent6">
-                    <a:lumMod val="50000"/>
-                  </a:schemeClr>
-                </a:solidFill>
-                <a:latin typeface="Courier New" panose="02070309020205020404" pitchFamily="49" charset="0"/>
-                <a:cs typeface="Courier New" panose="02070309020205020404" pitchFamily="49" charset="0"/>
-                <a:sym typeface="Courier New"/>
-              </a:rPr>
-              <a:t>" …</a:t>
-            </a:r>
-          </a:p>
-          <a:p>
-            <a:pPr marL="457189" lvl="1" indent="0">
-              <a:buNone/>
-            </a:pPr>
-            <a:r>
-              <a:rPr lang="fr-BE" sz="2800" b="1">
-                <a:solidFill>
-                  <a:schemeClr val="accent6">
-                    <a:lumMod val="50000"/>
-                  </a:schemeClr>
-                </a:solidFill>
-                <a:latin typeface="Courier New" panose="02070309020205020404" pitchFamily="49" charset="0"/>
-                <a:cs typeface="Courier New" panose="02070309020205020404" pitchFamily="49" charset="0"/>
-                <a:sym typeface="Calibri"/>
-              </a:rPr>
-              <a:t>&lt;</a:t>
-            </a:r>
-            <a:r>
-              <a:rPr lang="fr-BE" sz="2800" b="1" err="1">
-                <a:solidFill>
-                  <a:schemeClr val="accent6">
-                    <a:lumMod val="50000"/>
-                  </a:schemeClr>
-                </a:solidFill>
-                <a:latin typeface="Courier New" panose="02070309020205020404" pitchFamily="49" charset="0"/>
-                <a:cs typeface="Courier New" panose="02070309020205020404" pitchFamily="49" charset="0"/>
-                <a:sym typeface="Calibri"/>
-              </a:rPr>
-              <a:t>form</a:t>
-            </a:r>
-            <a:r>
-              <a:rPr lang="fr-BE" sz="2800" b="1">
-                <a:solidFill>
-                  <a:schemeClr val="accent6">
-                    <a:lumMod val="50000"/>
-                  </a:schemeClr>
-                </a:solidFill>
-                <a:latin typeface="Courier New" panose="02070309020205020404" pitchFamily="49" charset="0"/>
-                <a:cs typeface="Courier New" panose="02070309020205020404" pitchFamily="49" charset="0"/>
-                <a:sym typeface="Calibri"/>
-              </a:rPr>
-              <a:t> </a:t>
-            </a:r>
-            <a:r>
-              <a:rPr lang="fr-BE" sz="2800" b="1" err="1">
-                <a:solidFill>
-                  <a:schemeClr val="accent6">
-                    <a:lumMod val="50000"/>
-                  </a:schemeClr>
-                </a:solidFill>
-                <a:latin typeface="Courier New" panose="02070309020205020404" pitchFamily="49" charset="0"/>
-                <a:cs typeface="Courier New" panose="02070309020205020404" pitchFamily="49" charset="0"/>
-                <a:sym typeface="Courier New"/>
-              </a:rPr>
-              <a:t>method</a:t>
-            </a:r>
-            <a:r>
-              <a:rPr lang="fr-BE" sz="2800" b="1">
-                <a:solidFill>
-                  <a:schemeClr val="accent6">
-                    <a:lumMod val="50000"/>
-                  </a:schemeClr>
-                </a:solidFill>
-                <a:latin typeface="Courier New" panose="02070309020205020404" pitchFamily="49" charset="0"/>
-                <a:cs typeface="Courier New" panose="02070309020205020404" pitchFamily="49" charset="0"/>
-                <a:sym typeface="Courier New"/>
-              </a:rPr>
-              <a:t>="post" …</a:t>
+                <a:latin typeface="Consolas" panose="020B0609020204030204" pitchFamily="49" charset="0"/>
+                <a:cs typeface="Courier New" panose="02070309020205020404" pitchFamily="49" charset="0"/>
+                <a:sym typeface="Courier New"/>
+              </a:rPr>
+              <a:t>&lt;/form&gt;</a:t>
             </a:r>
           </a:p>
         </p:txBody>
@@ -14533,7 +14055,7 @@
     </p:spTree>
     <p:extLst>
       <p:ext uri="{BB962C8B-B14F-4D97-AF65-F5344CB8AC3E}">
-        <p14:creationId xmlns:p14="http://schemas.microsoft.com/office/powerpoint/2010/main" val="1761849454"/>
+        <p14:creationId xmlns:p14="http://schemas.microsoft.com/office/powerpoint/2010/main" val="2573610486"/>
       </p:ext>
     </p:extLst>
   </p:cSld>
@@ -14560,7 +14082,7 @@
   <p:cSld>
     <p:spTree>
       <p:nvGrpSpPr>
-        <p:cNvPr id="1" name="Shape 55"/>
+        <p:cNvPr id="1" name=""/>
         <p:cNvGrpSpPr/>
         <p:nvPr/>
       </p:nvGrpSpPr>
@@ -14574,8 +14096,14 @@
       </p:grpSpPr>
       <p:sp>
         <p:nvSpPr>
-          <p:cNvPr id="56" name="Google Shape;56;p11"/>
-          <p:cNvSpPr txBox="1">
+          <p:cNvPr id="4" name="Titre 3">
+            <a:extLst>
+              <a:ext uri="{FF2B5EF4-FFF2-40B4-BE49-F238E27FC236}">
+                <a16:creationId xmlns:a16="http://schemas.microsoft.com/office/drawing/2014/main" id="{6BC2345B-F403-44E5-97C3-F5BDF024DC43}"/>
+              </a:ext>
+            </a:extLst>
+          </p:cNvPr>
+          <p:cNvSpPr>
             <a:spLocks noGrp="1"/>
           </p:cNvSpPr>
           <p:nvPr>
@@ -14591,19 +14119,26 @@
               <a:rPr lang="fr-BE">
                 <a:sym typeface="Calibri"/>
               </a:rPr>
-              <a:t>Comment traiter les données?</a:t>
-            </a:r>
-          </a:p>
-        </p:txBody>
-      </p:sp>
-      <p:sp>
-        <p:nvSpPr>
-          <p:cNvPr id="57" name="Google Shape;57;p11"/>
-          <p:cNvSpPr txBox="1">
+              <a:t>Balises HTML</a:t>
+            </a:r>
+            <a:endParaRPr lang="fr-BE"/>
+          </a:p>
+        </p:txBody>
+      </p:sp>
+      <p:sp>
+        <p:nvSpPr>
+          <p:cNvPr id="2" name="Espace réservé du texte 1">
+            <a:extLst>
+              <a:ext uri="{FF2B5EF4-FFF2-40B4-BE49-F238E27FC236}">
+                <a16:creationId xmlns:a16="http://schemas.microsoft.com/office/drawing/2014/main" id="{476AB62D-B7ED-86E3-C02B-C782347789A9}"/>
+              </a:ext>
+            </a:extLst>
+          </p:cNvPr>
+          <p:cNvSpPr>
             <a:spLocks noGrp="1"/>
           </p:cNvSpPr>
           <p:nvPr>
-            <p:ph idx="1"/>
+            <p:ph type="body" idx="1"/>
           </p:nvPr>
         </p:nvSpPr>
         <p:spPr/>
@@ -14611,79 +14146,53 @@
           <a:bodyPr/>
           <a:lstStyle/>
           <a:p>
-            <a:r>
-              <a:rPr lang="fr-BE">
-                <a:sym typeface="Calibri"/>
-              </a:rPr>
-              <a:t>Il faut envoyer la requête contenant les données du formulaire (via GET ou POST) à un </a:t>
-            </a:r>
-            <a:r>
-              <a:rPr lang="fr-BE">
-                <a:solidFill>
-                  <a:schemeClr val="accent2"/>
-                </a:solidFill>
-                <a:sym typeface="Calibri"/>
-              </a:rPr>
-              <a:t>script</a:t>
-            </a:r>
-            <a:r>
-              <a:rPr lang="fr-BE">
-                <a:sym typeface="Calibri"/>
-              </a:rPr>
-              <a:t> qui pourra les traiter (ex. page contenant du PHP)</a:t>
-            </a:r>
-          </a:p>
-          <a:p>
-            <a:r>
-              <a:rPr lang="fr-BE">
-                <a:sym typeface="Calibri"/>
-              </a:rPr>
-              <a:t>Défini avec l'attribut </a:t>
-            </a:r>
-            <a:r>
-              <a:rPr lang="fr-BE">
-                <a:sym typeface="Courier New"/>
-              </a:rPr>
-              <a:t>action</a:t>
-            </a:r>
-          </a:p>
-          <a:p>
-            <a:pPr marL="457189" lvl="1" indent="0">
-              <a:buNone/>
-            </a:pPr>
-            <a:r>
-              <a:rPr lang="fr-BE" sz="2800" b="1">
-                <a:solidFill>
-                  <a:schemeClr val="accent6">
-                    <a:lumMod val="50000"/>
-                  </a:schemeClr>
-                </a:solidFill>
-                <a:latin typeface="Courier New" panose="02070309020205020404" pitchFamily="49" charset="0"/>
-                <a:cs typeface="Courier New" panose="02070309020205020404" pitchFamily="49" charset="0"/>
-                <a:sym typeface="Calibri"/>
-              </a:rPr>
-              <a:t>&lt;form </a:t>
-            </a:r>
-            <a:r>
-              <a:rPr lang="fr-BE" sz="2800" b="1">
-                <a:solidFill>
-                  <a:schemeClr val="accent6">
-                    <a:lumMod val="50000"/>
-                  </a:schemeClr>
-                </a:solidFill>
-                <a:latin typeface="Courier New" panose="02070309020205020404" pitchFamily="49" charset="0"/>
-                <a:cs typeface="Courier New" panose="02070309020205020404" pitchFamily="49" charset="0"/>
-                <a:sym typeface="Courier New"/>
-              </a:rPr>
-              <a:t>method="get" action="./register.php" …</a:t>
-            </a:r>
-          </a:p>
-        </p:txBody>
-      </p:sp>
+            <a:endParaRPr lang="fr-BE"/>
+          </a:p>
+        </p:txBody>
+      </p:sp>
+      <p:pic>
+        <p:nvPicPr>
+          <p:cNvPr id="6" name="Google Shape;39;p8">
+            <a:hlinkClick r:id="rId2"/>
+            <a:extLst>
+              <a:ext uri="{FF2B5EF4-FFF2-40B4-BE49-F238E27FC236}">
+                <a16:creationId xmlns:a16="http://schemas.microsoft.com/office/drawing/2014/main" id="{F73F5139-A5C5-497C-AE5C-231EBB7AE61F}"/>
+              </a:ext>
+            </a:extLst>
+          </p:cNvPr>
+          <p:cNvPicPr preferRelativeResize="0">
+            <a:picLocks noGrp="1"/>
+          </p:cNvPicPr>
+          <p:nvPr>
+            <p:ph type="pic" sz="quarter" idx="10"/>
+          </p:nvPr>
+        </p:nvPicPr>
+        <p:blipFill>
+          <a:blip r:embed="rId3" cstate="email">
+            <a:alphaModFix/>
+            <a:extLst>
+              <a:ext uri="{28A0092B-C50C-407E-A947-70E740481C1C}">
+                <a14:useLocalDpi xmlns:a14="http://schemas.microsoft.com/office/drawing/2010/main"/>
+              </a:ext>
+            </a:extLst>
+          </a:blip>
+          <a:srcRect t="37" b="37"/>
+          <a:stretch/>
+        </p:blipFill>
+        <p:spPr>
+          <a:prstGeom prst="rect">
+            <a:avLst/>
+          </a:prstGeom>
+          <a:noFill/>
+          <a:ln>
+            <a:noFill/>
+          </a:ln>
+        </p:spPr>
+      </p:pic>
     </p:spTree>
     <p:extLst>
       <p:ext uri="{BB962C8B-B14F-4D97-AF65-F5344CB8AC3E}">
-        <p14:creationId xmlns:p14="http://schemas.microsoft.com/office/powerpoint/2010/main" val="1654815679"/>
+        <p14:creationId xmlns:p14="http://schemas.microsoft.com/office/powerpoint/2010/main" val="3335409893"/>
       </p:ext>
     </p:extLst>
   </p:cSld>
